--- a/files/tools/ppt/Stakeholder Map_FacilitationDeck.pptx
+++ b/files/tools/ppt/Stakeholder Map_FacilitationDeck.pptx
@@ -2,34 +2,35 @@
 <file path=ppt/presentation.xml><?xml version="1.0" encoding="utf-8"?>
 <p:presentation xmlns:a="http://schemas.openxmlformats.org/drawingml/2006/main" xmlns:r="http://schemas.openxmlformats.org/officeDocument/2006/relationships" xmlns:mc="http://schemas.openxmlformats.org/markup-compatibility/2006" xmlns:mv="urn:schemas-microsoft-com:mac:vml" xmlns:p="http://schemas.openxmlformats.org/presentationml/2006/main" xmlns:c="http://schemas.openxmlformats.org/drawingml/2006/chart" xmlns:dgm="http://schemas.openxmlformats.org/drawingml/2006/diagram" xmlns:o="urn:schemas-microsoft-com:office:office" xmlns:v="urn:schemas-microsoft-com:vml" xmlns:pvml="urn:schemas-microsoft-com:office:powerpoint" xmlns:com="http://schemas.openxmlformats.org/drawingml/2006/compatibility" xmlns:p14="http://schemas.microsoft.com/office/powerpoint/2010/main" xmlns:p15="http://schemas.microsoft.com/office/powerpoint/2012/main" autoCompressPictures="0" embedTrueTypeFonts="1" strictFirstAndLastChars="0" saveSubsetFonts="1">
   <p:sldMasterIdLst>
-    <p:sldMasterId id="2147483659" r:id="rId4"/>
+    <p:sldMasterId id="2147483660" r:id="rId4"/>
+    <p:sldMasterId id="2147483661" r:id="rId5"/>
   </p:sldMasterIdLst>
   <p:notesMasterIdLst>
-    <p:notesMasterId r:id="rId5"/>
+    <p:notesMasterId r:id="rId6"/>
   </p:notesMasterIdLst>
   <p:sldIdLst>
-    <p:sldId id="256" r:id="rId6"/>
-    <p:sldId id="257" r:id="rId7"/>
-    <p:sldId id="258" r:id="rId8"/>
-    <p:sldId id="259" r:id="rId9"/>
-    <p:sldId id="260" r:id="rId10"/>
+    <p:sldId id="256" r:id="rId7"/>
+    <p:sldId id="257" r:id="rId8"/>
+    <p:sldId id="258" r:id="rId9"/>
+    <p:sldId id="259" r:id="rId10"/>
+    <p:sldId id="260" r:id="rId11"/>
   </p:sldIdLst>
   <p:sldSz cy="7560000" cx="10692000"/>
   <p:notesSz cx="7560000" cy="10692000"/>
   <p:embeddedFontLst>
     <p:embeddedFont>
       <p:font typeface="IBM Plex Sans"/>
-      <p:regular r:id="rId11"/>
-      <p:bold r:id="rId12"/>
-      <p:italic r:id="rId13"/>
-      <p:boldItalic r:id="rId14"/>
+      <p:regular r:id="rId12"/>
+      <p:bold r:id="rId13"/>
+      <p:italic r:id="rId14"/>
+      <p:boldItalic r:id="rId15"/>
     </p:embeddedFont>
     <p:embeddedFont>
       <p:font typeface="IBM Plex Sans Light"/>
-      <p:regular r:id="rId15"/>
-      <p:bold r:id="rId16"/>
-      <p:italic r:id="rId17"/>
-      <p:boldItalic r:id="rId18"/>
+      <p:regular r:id="rId16"/>
+      <p:bold r:id="rId17"/>
+      <p:italic r:id="rId18"/>
+      <p:boldItalic r:id="rId19"/>
     </p:embeddedFont>
   </p:embeddedFontLst>
   <p:defaultTextStyle>
@@ -756,7 +757,7 @@
   <p:cSld>
     <p:spTree>
       <p:nvGrpSpPr>
-        <p:cNvPr id="50" name="Shape 50"/>
+        <p:cNvPr id="55" name="Shape 55"/>
         <p:cNvGrpSpPr/>
         <p:nvPr/>
       </p:nvGrpSpPr>
@@ -770,7 +771,7 @@
       </p:grpSpPr>
       <p:sp>
         <p:nvSpPr>
-          <p:cNvPr id="51" name="Google Shape;51;g545bece476_0_627:notes"/>
+          <p:cNvPr id="56" name="Google Shape;56;g64738a0cbd_0_0:notes"/>
           <p:cNvSpPr/>
           <p:nvPr>
             <p:ph idx="2" type="sldImg"/>
@@ -805,7 +806,7 @@
       </p:sp>
       <p:sp>
         <p:nvSpPr>
-          <p:cNvPr id="52" name="Google Shape;52;g545bece476_0_627:notes"/>
+          <p:cNvPr id="57" name="Google Shape;57;g64738a0cbd_0_0:notes"/>
           <p:cNvSpPr txBox="1"/>
           <p:nvPr>
             <p:ph idx="1" type="body"/>
@@ -855,7 +856,7 @@
   <p:cSld>
     <p:spTree>
       <p:nvGrpSpPr>
-        <p:cNvPr id="102" name="Shape 102"/>
+        <p:cNvPr id="106" name="Shape 106"/>
         <p:cNvGrpSpPr/>
         <p:nvPr/>
       </p:nvGrpSpPr>
@@ -869,7 +870,7 @@
       </p:grpSpPr>
       <p:sp>
         <p:nvSpPr>
-          <p:cNvPr id="103" name="Google Shape;103;g545bece476_0_679:notes"/>
+          <p:cNvPr id="107" name="Google Shape;107;g64738a0cbd_0_52:notes"/>
           <p:cNvSpPr/>
           <p:nvPr>
             <p:ph idx="2" type="sldImg"/>
@@ -904,7 +905,7 @@
       </p:sp>
       <p:sp>
         <p:nvSpPr>
-          <p:cNvPr id="104" name="Google Shape;104;g545bece476_0_679:notes"/>
+          <p:cNvPr id="108" name="Google Shape;108;g64738a0cbd_0_52:notes"/>
           <p:cNvSpPr txBox="1"/>
           <p:nvPr>
             <p:ph idx="1" type="body"/>
@@ -954,7 +955,7 @@
   <p:cSld>
     <p:spTree>
       <p:nvGrpSpPr>
-        <p:cNvPr id="120" name="Shape 120"/>
+        <p:cNvPr id="123" name="Shape 123"/>
         <p:cNvGrpSpPr/>
         <p:nvPr/>
       </p:nvGrpSpPr>
@@ -968,7 +969,7 @@
       </p:grpSpPr>
       <p:sp>
         <p:nvSpPr>
-          <p:cNvPr id="121" name="Google Shape;121;g545bece476_0_697:notes"/>
+          <p:cNvPr id="124" name="Google Shape;124;g64738a0cbd_0_70:notes"/>
           <p:cNvSpPr/>
           <p:nvPr>
             <p:ph idx="2" type="sldImg"/>
@@ -1003,7 +1004,7 @@
       </p:sp>
       <p:sp>
         <p:nvSpPr>
-          <p:cNvPr id="122" name="Google Shape;122;g545bece476_0_697:notes"/>
+          <p:cNvPr id="125" name="Google Shape;125;g64738a0cbd_0_70:notes"/>
           <p:cNvSpPr txBox="1"/>
           <p:nvPr>
             <p:ph idx="1" type="body"/>
@@ -1053,7 +1054,7 @@
   <p:cSld>
     <p:spTree>
       <p:nvGrpSpPr>
-        <p:cNvPr id="141" name="Shape 141"/>
+        <p:cNvPr id="143" name="Shape 143"/>
         <p:cNvGrpSpPr/>
         <p:nvPr/>
       </p:nvGrpSpPr>
@@ -1067,7 +1068,7 @@
       </p:grpSpPr>
       <p:sp>
         <p:nvSpPr>
-          <p:cNvPr id="142" name="Google Shape;142;g545bece476_0_718:notes"/>
+          <p:cNvPr id="144" name="Google Shape;144;g64738a0cbd_0_91:notes"/>
           <p:cNvSpPr/>
           <p:nvPr>
             <p:ph idx="2" type="sldImg"/>
@@ -1102,7 +1103,7 @@
       </p:sp>
       <p:sp>
         <p:nvSpPr>
-          <p:cNvPr id="143" name="Google Shape;143;g545bece476_0_718:notes"/>
+          <p:cNvPr id="145" name="Google Shape;145;g64738a0cbd_0_91:notes"/>
           <p:cNvSpPr txBox="1"/>
           <p:nvPr>
             <p:ph idx="1" type="body"/>
@@ -1152,7 +1153,7 @@
   <p:cSld>
     <p:spTree>
       <p:nvGrpSpPr>
-        <p:cNvPr id="156" name="Shape 156"/>
+        <p:cNvPr id="157" name="Shape 157"/>
         <p:cNvGrpSpPr/>
         <p:nvPr/>
       </p:nvGrpSpPr>
@@ -1166,7 +1167,7 @@
       </p:grpSpPr>
       <p:sp>
         <p:nvSpPr>
-          <p:cNvPr id="157" name="Google Shape;157;g545bece476_0_733:notes"/>
+          <p:cNvPr id="158" name="Google Shape;158;g64738a0cbd_0_106:notes"/>
           <p:cNvSpPr/>
           <p:nvPr>
             <p:ph idx="2" type="sldImg"/>
@@ -1201,7 +1202,7 @@
       </p:sp>
       <p:sp>
         <p:nvSpPr>
-          <p:cNvPr id="158" name="Google Shape;158;g545bece476_0_733:notes"/>
+          <p:cNvPr id="159" name="Google Shape;159;g64738a0cbd_0_106:notes"/>
           <p:cNvSpPr txBox="1"/>
           <p:nvPr>
             <p:ph idx="1" type="body"/>
@@ -1247,11 +1248,11 @@
 </file>
 
 <file path=ppt/slideLayouts/slideLayout1.xml><?xml version="1.0" encoding="utf-8"?>
-<p:sldLayout xmlns:a="http://schemas.openxmlformats.org/drawingml/2006/main" xmlns:r="http://schemas.openxmlformats.org/officeDocument/2006/relationships" xmlns:mc="http://schemas.openxmlformats.org/markup-compatibility/2006" xmlns:mv="urn:schemas-microsoft-com:mac:vml" xmlns:p="http://schemas.openxmlformats.org/presentationml/2006/main" xmlns:c="http://schemas.openxmlformats.org/drawingml/2006/chart" xmlns:dgm="http://schemas.openxmlformats.org/drawingml/2006/diagram" xmlns:o="urn:schemas-microsoft-com:office:office" xmlns:v="urn:schemas-microsoft-com:vml" xmlns:pvml="urn:schemas-microsoft-com:office:powerpoint" xmlns:com="http://schemas.openxmlformats.org/drawingml/2006/compatibility" xmlns:p14="http://schemas.microsoft.com/office/powerpoint/2010/main" xmlns:p15="http://schemas.microsoft.com/office/powerpoint/2012/main" matchingName="Title slide" type="title">
-  <p:cSld name="TITLE">
+<p:sldLayout xmlns:a="http://schemas.openxmlformats.org/drawingml/2006/main" xmlns:r="http://schemas.openxmlformats.org/officeDocument/2006/relationships" xmlns:mc="http://schemas.openxmlformats.org/markup-compatibility/2006" xmlns:mv="urn:schemas-microsoft-com:mac:vml" xmlns:p="http://schemas.openxmlformats.org/presentationml/2006/main" xmlns:c="http://schemas.openxmlformats.org/drawingml/2006/chart" xmlns:dgm="http://schemas.openxmlformats.org/drawingml/2006/diagram" xmlns:o="urn:schemas-microsoft-com:office:office" xmlns:v="urn:schemas-microsoft-com:vml" xmlns:pvml="urn:schemas-microsoft-com:office:powerpoint" xmlns:com="http://schemas.openxmlformats.org/drawingml/2006/compatibility" xmlns:p14="http://schemas.microsoft.com/office/powerpoint/2010/main" xmlns:p15="http://schemas.microsoft.com/office/powerpoint/2012/main" matchingName="One column text">
+  <p:cSld name="ONE_COLUMN_TEXT">
     <p:spTree>
       <p:nvGrpSpPr>
-        <p:cNvPr id="9" name="Shape 9"/>
+        <p:cNvPr id="8" name="Shape 8"/>
         <p:cNvGrpSpPr/>
         <p:nvPr/>
       </p:nvGrpSpPr>
@@ -1265,7 +1266,757 @@
       </p:grpSpPr>
       <p:sp>
         <p:nvSpPr>
-          <p:cNvPr id="10" name="Google Shape;10;p2"/>
+          <p:cNvPr id="9" name="Google Shape;9;p2"/>
+          <p:cNvSpPr txBox="1"/>
+          <p:nvPr>
+            <p:ph type="title"/>
+          </p:nvPr>
+        </p:nvSpPr>
+        <p:spPr>
+          <a:xfrm>
+            <a:off x="364468" y="816630"/>
+            <a:ext cx="3283500" cy="1110600"/>
+          </a:xfrm>
+          <a:prstGeom prst="rect">
+            <a:avLst/>
+          </a:prstGeom>
+        </p:spPr>
+        <p:txBody>
+          <a:bodyPr anchorCtr="0" anchor="b" bIns="116050" lIns="116050" spcFirstLastPara="1" rIns="116050" wrap="square" tIns="116050">
+            <a:noAutofit/>
+          </a:bodyPr>
+          <a:lstStyle>
+            <a:lvl1pPr lvl="0" rtl="0">
+              <a:spcBef>
+                <a:spcPts val="0"/>
+              </a:spcBef>
+              <a:spcAft>
+                <a:spcPts val="0"/>
+              </a:spcAft>
+              <a:buSzPts val="3000"/>
+              <a:buNone/>
+              <a:defRPr sz="3000"/>
+            </a:lvl1pPr>
+            <a:lvl2pPr lvl="1" rtl="0">
+              <a:spcBef>
+                <a:spcPts val="0"/>
+              </a:spcBef>
+              <a:spcAft>
+                <a:spcPts val="0"/>
+              </a:spcAft>
+              <a:buSzPts val="3000"/>
+              <a:buNone/>
+              <a:defRPr sz="3000"/>
+            </a:lvl2pPr>
+            <a:lvl3pPr lvl="2" rtl="0">
+              <a:spcBef>
+                <a:spcPts val="0"/>
+              </a:spcBef>
+              <a:spcAft>
+                <a:spcPts val="0"/>
+              </a:spcAft>
+              <a:buSzPts val="3000"/>
+              <a:buNone/>
+              <a:defRPr sz="3000"/>
+            </a:lvl3pPr>
+            <a:lvl4pPr lvl="3" rtl="0">
+              <a:spcBef>
+                <a:spcPts val="0"/>
+              </a:spcBef>
+              <a:spcAft>
+                <a:spcPts val="0"/>
+              </a:spcAft>
+              <a:buSzPts val="3000"/>
+              <a:buNone/>
+              <a:defRPr sz="3000"/>
+            </a:lvl4pPr>
+            <a:lvl5pPr lvl="4" rtl="0">
+              <a:spcBef>
+                <a:spcPts val="0"/>
+              </a:spcBef>
+              <a:spcAft>
+                <a:spcPts val="0"/>
+              </a:spcAft>
+              <a:buSzPts val="3000"/>
+              <a:buNone/>
+              <a:defRPr sz="3000"/>
+            </a:lvl5pPr>
+            <a:lvl6pPr lvl="5" rtl="0">
+              <a:spcBef>
+                <a:spcPts val="0"/>
+              </a:spcBef>
+              <a:spcAft>
+                <a:spcPts val="0"/>
+              </a:spcAft>
+              <a:buSzPts val="3000"/>
+              <a:buNone/>
+              <a:defRPr sz="3000"/>
+            </a:lvl6pPr>
+            <a:lvl7pPr lvl="6" rtl="0">
+              <a:spcBef>
+                <a:spcPts val="0"/>
+              </a:spcBef>
+              <a:spcAft>
+                <a:spcPts val="0"/>
+              </a:spcAft>
+              <a:buSzPts val="3000"/>
+              <a:buNone/>
+              <a:defRPr sz="3000"/>
+            </a:lvl7pPr>
+            <a:lvl8pPr lvl="7" rtl="0">
+              <a:spcBef>
+                <a:spcPts val="0"/>
+              </a:spcBef>
+              <a:spcAft>
+                <a:spcPts val="0"/>
+              </a:spcAft>
+              <a:buSzPts val="3000"/>
+              <a:buNone/>
+              <a:defRPr sz="3000"/>
+            </a:lvl8pPr>
+            <a:lvl9pPr lvl="8" rtl="0">
+              <a:spcBef>
+                <a:spcPts val="0"/>
+              </a:spcBef>
+              <a:spcAft>
+                <a:spcPts val="0"/>
+              </a:spcAft>
+              <a:buSzPts val="3000"/>
+              <a:buNone/>
+              <a:defRPr sz="3000"/>
+            </a:lvl9pPr>
+          </a:lstStyle>
+          <a:p/>
+        </p:txBody>
+      </p:sp>
+    </p:spTree>
+  </p:cSld>
+  <p:clrMapOvr>
+    <a:masterClrMapping/>
+  </p:clrMapOvr>
+</p:sldLayout>
+</file>
+
+<file path=ppt/slideLayouts/slideLayout10.xml><?xml version="1.0" encoding="utf-8"?>
+<p:sldLayout xmlns:a="http://schemas.openxmlformats.org/drawingml/2006/main" xmlns:r="http://schemas.openxmlformats.org/officeDocument/2006/relationships" xmlns:mc="http://schemas.openxmlformats.org/markup-compatibility/2006" xmlns:mv="urn:schemas-microsoft-com:mac:vml" xmlns:p="http://schemas.openxmlformats.org/presentationml/2006/main" xmlns:c="http://schemas.openxmlformats.org/drawingml/2006/chart" xmlns:dgm="http://schemas.openxmlformats.org/drawingml/2006/diagram" xmlns:o="urn:schemas-microsoft-com:office:office" xmlns:v="urn:schemas-microsoft-com:vml" xmlns:pvml="urn:schemas-microsoft-com:office:powerpoint" xmlns:com="http://schemas.openxmlformats.org/drawingml/2006/compatibility" xmlns:p14="http://schemas.microsoft.com/office/powerpoint/2010/main" xmlns:p15="http://schemas.microsoft.com/office/powerpoint/2012/main" matchingName="Caption">
+  <p:cSld name="CAPTION_ONLY">
+    <p:spTree>
+      <p:nvGrpSpPr>
+        <p:cNvPr id="46" name="Shape 46"/>
+        <p:cNvGrpSpPr/>
+        <p:nvPr/>
+      </p:nvGrpSpPr>
+      <p:grpSpPr>
+        <a:xfrm>
+          <a:off x="0" y="0"/>
+          <a:ext cx="0" cy="0"/>
+          <a:chOff x="0" y="0"/>
+          <a:chExt cx="0" cy="0"/>
+        </a:xfrm>
+      </p:grpSpPr>
+      <p:sp>
+        <p:nvSpPr>
+          <p:cNvPr id="47" name="Google Shape;47;p12"/>
+          <p:cNvSpPr txBox="1"/>
+          <p:nvPr>
+            <p:ph idx="1" type="body"/>
+          </p:nvPr>
+        </p:nvSpPr>
+        <p:spPr>
+          <a:xfrm>
+            <a:off x="364468" y="6218168"/>
+            <a:ext cx="7014300" cy="889500"/>
+          </a:xfrm>
+          <a:prstGeom prst="rect">
+            <a:avLst/>
+          </a:prstGeom>
+        </p:spPr>
+        <p:txBody>
+          <a:bodyPr anchorCtr="0" anchor="ctr" bIns="116050" lIns="116050" spcFirstLastPara="1" rIns="116050" wrap="square" tIns="116050">
+            <a:noAutofit/>
+          </a:bodyPr>
+          <a:lstStyle>
+            <a:lvl1pPr indent="-228600" lvl="0" marL="457200" rtl="0">
+              <a:lnSpc>
+                <a:spcPct val="100000"/>
+              </a:lnSpc>
+              <a:spcBef>
+                <a:spcPts val="0"/>
+              </a:spcBef>
+              <a:spcAft>
+                <a:spcPts val="0"/>
+              </a:spcAft>
+              <a:buSzPts val="2300"/>
+              <a:buNone/>
+              <a:defRPr/>
+            </a:lvl1pPr>
+          </a:lstStyle>
+          <a:p/>
+        </p:txBody>
+      </p:sp>
+      <p:sp>
+        <p:nvSpPr>
+          <p:cNvPr id="48" name="Google Shape;48;p12"/>
+          <p:cNvSpPr txBox="1"/>
+          <p:nvPr>
+            <p:ph idx="12" type="sldNum"/>
+          </p:nvPr>
+        </p:nvSpPr>
+        <p:spPr>
+          <a:xfrm>
+            <a:off x="9906772" y="6854072"/>
+            <a:ext cx="641700" cy="578400"/>
+          </a:xfrm>
+          <a:prstGeom prst="rect">
+            <a:avLst/>
+          </a:prstGeom>
+        </p:spPr>
+        <p:txBody>
+          <a:bodyPr anchorCtr="0" anchor="ctr" bIns="116050" lIns="116050" spcFirstLastPara="1" rIns="116050" wrap="square" tIns="116050">
+            <a:noAutofit/>
+          </a:bodyPr>
+          <a:lstStyle>
+            <a:lvl1pPr lvl="0" rtl="0">
+              <a:buNone/>
+              <a:defRPr/>
+            </a:lvl1pPr>
+            <a:lvl2pPr lvl="1" rtl="0">
+              <a:buNone/>
+              <a:defRPr/>
+            </a:lvl2pPr>
+            <a:lvl3pPr lvl="2" rtl="0">
+              <a:buNone/>
+              <a:defRPr/>
+            </a:lvl3pPr>
+            <a:lvl4pPr lvl="3" rtl="0">
+              <a:buNone/>
+              <a:defRPr/>
+            </a:lvl4pPr>
+            <a:lvl5pPr lvl="4" rtl="0">
+              <a:buNone/>
+              <a:defRPr/>
+            </a:lvl5pPr>
+            <a:lvl6pPr lvl="5" rtl="0">
+              <a:buNone/>
+              <a:defRPr/>
+            </a:lvl6pPr>
+            <a:lvl7pPr lvl="6" rtl="0">
+              <a:buNone/>
+              <a:defRPr/>
+            </a:lvl7pPr>
+            <a:lvl8pPr lvl="7" rtl="0">
+              <a:buNone/>
+              <a:defRPr/>
+            </a:lvl8pPr>
+            <a:lvl9pPr lvl="8" rtl="0">
+              <a:buNone/>
+              <a:defRPr/>
+            </a:lvl9pPr>
+          </a:lstStyle>
+          <a:p>
+            <a:pPr indent="0" lvl="0" marL="0" rtl="0" algn="r">
+              <a:spcBef>
+                <a:spcPts val="0"/>
+              </a:spcBef>
+              <a:spcAft>
+                <a:spcPts val="0"/>
+              </a:spcAft>
+              <a:buNone/>
+            </a:pPr>
+            <a:fld id="{00000000-1234-1234-1234-123412341234}" type="slidenum">
+              <a:rPr lang="en"/>
+              <a:t>‹#›</a:t>
+            </a:fld>
+            <a:endParaRPr/>
+          </a:p>
+        </p:txBody>
+      </p:sp>
+    </p:spTree>
+  </p:cSld>
+  <p:clrMapOvr>
+    <a:masterClrMapping/>
+  </p:clrMapOvr>
+</p:sldLayout>
+</file>
+
+<file path=ppt/slideLayouts/slideLayout11.xml><?xml version="1.0" encoding="utf-8"?>
+<p:sldLayout xmlns:a="http://schemas.openxmlformats.org/drawingml/2006/main" xmlns:r="http://schemas.openxmlformats.org/officeDocument/2006/relationships" xmlns:mc="http://schemas.openxmlformats.org/markup-compatibility/2006" xmlns:mv="urn:schemas-microsoft-com:mac:vml" xmlns:p="http://schemas.openxmlformats.org/presentationml/2006/main" xmlns:c="http://schemas.openxmlformats.org/drawingml/2006/chart" xmlns:dgm="http://schemas.openxmlformats.org/drawingml/2006/diagram" xmlns:o="urn:schemas-microsoft-com:office:office" xmlns:v="urn:schemas-microsoft-com:vml" xmlns:pvml="urn:schemas-microsoft-com:office:powerpoint" xmlns:com="http://schemas.openxmlformats.org/drawingml/2006/compatibility" xmlns:p14="http://schemas.microsoft.com/office/powerpoint/2010/main" xmlns:p15="http://schemas.microsoft.com/office/powerpoint/2012/main" matchingName="Big number">
+  <p:cSld name="BIG_NUMBER">
+    <p:spTree>
+      <p:nvGrpSpPr>
+        <p:cNvPr id="49" name="Shape 49"/>
+        <p:cNvGrpSpPr/>
+        <p:nvPr/>
+      </p:nvGrpSpPr>
+      <p:grpSpPr>
+        <a:xfrm>
+          <a:off x="0" y="0"/>
+          <a:ext cx="0" cy="0"/>
+          <a:chOff x="0" y="0"/>
+          <a:chExt cx="0" cy="0"/>
+        </a:xfrm>
+      </p:grpSpPr>
+      <p:sp>
+        <p:nvSpPr>
+          <p:cNvPr id="50" name="Google Shape;50;p13"/>
+          <p:cNvSpPr txBox="1"/>
+          <p:nvPr>
+            <p:ph hasCustomPrompt="1" type="title"/>
+          </p:nvPr>
+        </p:nvSpPr>
+        <p:spPr>
+          <a:xfrm>
+            <a:off x="364468" y="1625801"/>
+            <a:ext cx="9963000" cy="2886000"/>
+          </a:xfrm>
+          <a:prstGeom prst="rect">
+            <a:avLst/>
+          </a:prstGeom>
+        </p:spPr>
+        <p:txBody>
+          <a:bodyPr anchorCtr="0" anchor="b" bIns="116050" lIns="116050" spcFirstLastPara="1" rIns="116050" wrap="square" tIns="116050">
+            <a:noAutofit/>
+          </a:bodyPr>
+          <a:lstStyle>
+            <a:lvl1pPr lvl="0" rtl="0" algn="ctr">
+              <a:spcBef>
+                <a:spcPts val="0"/>
+              </a:spcBef>
+              <a:spcAft>
+                <a:spcPts val="0"/>
+              </a:spcAft>
+              <a:buSzPts val="15200"/>
+              <a:buNone/>
+              <a:defRPr sz="15200"/>
+            </a:lvl1pPr>
+            <a:lvl2pPr lvl="1" rtl="0" algn="ctr">
+              <a:spcBef>
+                <a:spcPts val="0"/>
+              </a:spcBef>
+              <a:spcAft>
+                <a:spcPts val="0"/>
+              </a:spcAft>
+              <a:buSzPts val="15200"/>
+              <a:buNone/>
+              <a:defRPr sz="15200"/>
+            </a:lvl2pPr>
+            <a:lvl3pPr lvl="2" rtl="0" algn="ctr">
+              <a:spcBef>
+                <a:spcPts val="0"/>
+              </a:spcBef>
+              <a:spcAft>
+                <a:spcPts val="0"/>
+              </a:spcAft>
+              <a:buSzPts val="15200"/>
+              <a:buNone/>
+              <a:defRPr sz="15200"/>
+            </a:lvl3pPr>
+            <a:lvl4pPr lvl="3" rtl="0" algn="ctr">
+              <a:spcBef>
+                <a:spcPts val="0"/>
+              </a:spcBef>
+              <a:spcAft>
+                <a:spcPts val="0"/>
+              </a:spcAft>
+              <a:buSzPts val="15200"/>
+              <a:buNone/>
+              <a:defRPr sz="15200"/>
+            </a:lvl4pPr>
+            <a:lvl5pPr lvl="4" rtl="0" algn="ctr">
+              <a:spcBef>
+                <a:spcPts val="0"/>
+              </a:spcBef>
+              <a:spcAft>
+                <a:spcPts val="0"/>
+              </a:spcAft>
+              <a:buSzPts val="15200"/>
+              <a:buNone/>
+              <a:defRPr sz="15200"/>
+            </a:lvl5pPr>
+            <a:lvl6pPr lvl="5" rtl="0" algn="ctr">
+              <a:spcBef>
+                <a:spcPts val="0"/>
+              </a:spcBef>
+              <a:spcAft>
+                <a:spcPts val="0"/>
+              </a:spcAft>
+              <a:buSzPts val="15200"/>
+              <a:buNone/>
+              <a:defRPr sz="15200"/>
+            </a:lvl6pPr>
+            <a:lvl7pPr lvl="6" rtl="0" algn="ctr">
+              <a:spcBef>
+                <a:spcPts val="0"/>
+              </a:spcBef>
+              <a:spcAft>
+                <a:spcPts val="0"/>
+              </a:spcAft>
+              <a:buSzPts val="15200"/>
+              <a:buNone/>
+              <a:defRPr sz="15200"/>
+            </a:lvl7pPr>
+            <a:lvl8pPr lvl="7" rtl="0" algn="ctr">
+              <a:spcBef>
+                <a:spcPts val="0"/>
+              </a:spcBef>
+              <a:spcAft>
+                <a:spcPts val="0"/>
+              </a:spcAft>
+              <a:buSzPts val="15200"/>
+              <a:buNone/>
+              <a:defRPr sz="15200"/>
+            </a:lvl8pPr>
+            <a:lvl9pPr lvl="8" rtl="0" algn="ctr">
+              <a:spcBef>
+                <a:spcPts val="0"/>
+              </a:spcBef>
+              <a:spcAft>
+                <a:spcPts val="0"/>
+              </a:spcAft>
+              <a:buSzPts val="15200"/>
+              <a:buNone/>
+              <a:defRPr sz="15200"/>
+            </a:lvl9pPr>
+          </a:lstStyle>
+          <a:p>
+            <a:r>
+              <a:t>xx%</a:t>
+            </a:r>
+          </a:p>
+        </p:txBody>
+      </p:sp>
+      <p:sp>
+        <p:nvSpPr>
+          <p:cNvPr id="51" name="Google Shape;51;p13"/>
+          <p:cNvSpPr txBox="1"/>
+          <p:nvPr>
+            <p:ph idx="1" type="body"/>
+          </p:nvPr>
+        </p:nvSpPr>
+        <p:spPr>
+          <a:xfrm>
+            <a:off x="364468" y="4633192"/>
+            <a:ext cx="9963000" cy="1911900"/>
+          </a:xfrm>
+          <a:prstGeom prst="rect">
+            <a:avLst/>
+          </a:prstGeom>
+        </p:spPr>
+        <p:txBody>
+          <a:bodyPr anchorCtr="0" anchor="t" bIns="116050" lIns="116050" spcFirstLastPara="1" rIns="116050" wrap="square" tIns="116050">
+            <a:noAutofit/>
+          </a:bodyPr>
+          <a:lstStyle>
+            <a:lvl1pPr indent="-374650" lvl="0" marL="457200" rtl="0" algn="ctr">
+              <a:spcBef>
+                <a:spcPts val="0"/>
+              </a:spcBef>
+              <a:spcAft>
+                <a:spcPts val="0"/>
+              </a:spcAft>
+              <a:buSzPts val="2300"/>
+              <a:buChar char="●"/>
+              <a:defRPr/>
+            </a:lvl1pPr>
+            <a:lvl2pPr indent="-342900" lvl="1" marL="914400" rtl="0" algn="ctr">
+              <a:spcBef>
+                <a:spcPts val="2000"/>
+              </a:spcBef>
+              <a:spcAft>
+                <a:spcPts val="0"/>
+              </a:spcAft>
+              <a:buSzPts val="1800"/>
+              <a:buChar char="○"/>
+              <a:defRPr/>
+            </a:lvl2pPr>
+            <a:lvl3pPr indent="-342900" lvl="2" marL="1371600" rtl="0" algn="ctr">
+              <a:spcBef>
+                <a:spcPts val="2000"/>
+              </a:spcBef>
+              <a:spcAft>
+                <a:spcPts val="0"/>
+              </a:spcAft>
+              <a:buSzPts val="1800"/>
+              <a:buChar char="■"/>
+              <a:defRPr/>
+            </a:lvl3pPr>
+            <a:lvl4pPr indent="-342900" lvl="3" marL="1828800" rtl="0" algn="ctr">
+              <a:spcBef>
+                <a:spcPts val="2000"/>
+              </a:spcBef>
+              <a:spcAft>
+                <a:spcPts val="0"/>
+              </a:spcAft>
+              <a:buSzPts val="1800"/>
+              <a:buChar char="●"/>
+              <a:defRPr/>
+            </a:lvl4pPr>
+            <a:lvl5pPr indent="-342900" lvl="4" marL="2286000" rtl="0" algn="ctr">
+              <a:spcBef>
+                <a:spcPts val="2000"/>
+              </a:spcBef>
+              <a:spcAft>
+                <a:spcPts val="0"/>
+              </a:spcAft>
+              <a:buSzPts val="1800"/>
+              <a:buChar char="○"/>
+              <a:defRPr/>
+            </a:lvl5pPr>
+            <a:lvl6pPr indent="-342900" lvl="5" marL="2743200" rtl="0" algn="ctr">
+              <a:spcBef>
+                <a:spcPts val="2000"/>
+              </a:spcBef>
+              <a:spcAft>
+                <a:spcPts val="0"/>
+              </a:spcAft>
+              <a:buSzPts val="1800"/>
+              <a:buChar char="■"/>
+              <a:defRPr/>
+            </a:lvl6pPr>
+            <a:lvl7pPr indent="-342900" lvl="6" marL="3200400" rtl="0" algn="ctr">
+              <a:spcBef>
+                <a:spcPts val="2000"/>
+              </a:spcBef>
+              <a:spcAft>
+                <a:spcPts val="0"/>
+              </a:spcAft>
+              <a:buSzPts val="1800"/>
+              <a:buChar char="●"/>
+              <a:defRPr/>
+            </a:lvl7pPr>
+            <a:lvl8pPr indent="-342900" lvl="7" marL="3657600" rtl="0" algn="ctr">
+              <a:spcBef>
+                <a:spcPts val="2000"/>
+              </a:spcBef>
+              <a:spcAft>
+                <a:spcPts val="0"/>
+              </a:spcAft>
+              <a:buSzPts val="1800"/>
+              <a:buChar char="○"/>
+              <a:defRPr/>
+            </a:lvl8pPr>
+            <a:lvl9pPr indent="-342900" lvl="8" marL="4114800" rtl="0" algn="ctr">
+              <a:spcBef>
+                <a:spcPts val="2000"/>
+              </a:spcBef>
+              <a:spcAft>
+                <a:spcPts val="2000"/>
+              </a:spcAft>
+              <a:buSzPts val="1800"/>
+              <a:buChar char="■"/>
+              <a:defRPr/>
+            </a:lvl9pPr>
+          </a:lstStyle>
+          <a:p/>
+        </p:txBody>
+      </p:sp>
+      <p:sp>
+        <p:nvSpPr>
+          <p:cNvPr id="52" name="Google Shape;52;p13"/>
+          <p:cNvSpPr txBox="1"/>
+          <p:nvPr>
+            <p:ph idx="12" type="sldNum"/>
+          </p:nvPr>
+        </p:nvSpPr>
+        <p:spPr>
+          <a:xfrm>
+            <a:off x="9906772" y="6854072"/>
+            <a:ext cx="641700" cy="578400"/>
+          </a:xfrm>
+          <a:prstGeom prst="rect">
+            <a:avLst/>
+          </a:prstGeom>
+        </p:spPr>
+        <p:txBody>
+          <a:bodyPr anchorCtr="0" anchor="ctr" bIns="116050" lIns="116050" spcFirstLastPara="1" rIns="116050" wrap="square" tIns="116050">
+            <a:noAutofit/>
+          </a:bodyPr>
+          <a:lstStyle>
+            <a:lvl1pPr lvl="0" rtl="0">
+              <a:buNone/>
+              <a:defRPr/>
+            </a:lvl1pPr>
+            <a:lvl2pPr lvl="1" rtl="0">
+              <a:buNone/>
+              <a:defRPr/>
+            </a:lvl2pPr>
+            <a:lvl3pPr lvl="2" rtl="0">
+              <a:buNone/>
+              <a:defRPr/>
+            </a:lvl3pPr>
+            <a:lvl4pPr lvl="3" rtl="0">
+              <a:buNone/>
+              <a:defRPr/>
+            </a:lvl4pPr>
+            <a:lvl5pPr lvl="4" rtl="0">
+              <a:buNone/>
+              <a:defRPr/>
+            </a:lvl5pPr>
+            <a:lvl6pPr lvl="5" rtl="0">
+              <a:buNone/>
+              <a:defRPr/>
+            </a:lvl6pPr>
+            <a:lvl7pPr lvl="6" rtl="0">
+              <a:buNone/>
+              <a:defRPr/>
+            </a:lvl7pPr>
+            <a:lvl8pPr lvl="7" rtl="0">
+              <a:buNone/>
+              <a:defRPr/>
+            </a:lvl8pPr>
+            <a:lvl9pPr lvl="8" rtl="0">
+              <a:buNone/>
+              <a:defRPr/>
+            </a:lvl9pPr>
+          </a:lstStyle>
+          <a:p>
+            <a:pPr indent="0" lvl="0" marL="0" rtl="0" algn="r">
+              <a:spcBef>
+                <a:spcPts val="0"/>
+              </a:spcBef>
+              <a:spcAft>
+                <a:spcPts val="0"/>
+              </a:spcAft>
+              <a:buNone/>
+            </a:pPr>
+            <a:fld id="{00000000-1234-1234-1234-123412341234}" type="slidenum">
+              <a:rPr lang="en"/>
+              <a:t>‹#›</a:t>
+            </a:fld>
+            <a:endParaRPr/>
+          </a:p>
+        </p:txBody>
+      </p:sp>
+    </p:spTree>
+  </p:cSld>
+  <p:clrMapOvr>
+    <a:masterClrMapping/>
+  </p:clrMapOvr>
+</p:sldLayout>
+</file>
+
+<file path=ppt/slideLayouts/slideLayout12.xml><?xml version="1.0" encoding="utf-8"?>
+<p:sldLayout xmlns:a="http://schemas.openxmlformats.org/drawingml/2006/main" xmlns:r="http://schemas.openxmlformats.org/officeDocument/2006/relationships" xmlns:mc="http://schemas.openxmlformats.org/markup-compatibility/2006" xmlns:mv="urn:schemas-microsoft-com:mac:vml" xmlns:p="http://schemas.openxmlformats.org/presentationml/2006/main" xmlns:c="http://schemas.openxmlformats.org/drawingml/2006/chart" xmlns:dgm="http://schemas.openxmlformats.org/drawingml/2006/diagram" xmlns:o="urn:schemas-microsoft-com:office:office" xmlns:v="urn:schemas-microsoft-com:vml" xmlns:pvml="urn:schemas-microsoft-com:office:powerpoint" xmlns:com="http://schemas.openxmlformats.org/drawingml/2006/compatibility" xmlns:p14="http://schemas.microsoft.com/office/powerpoint/2010/main" xmlns:p15="http://schemas.microsoft.com/office/powerpoint/2012/main" matchingName="Blank" type="blank">
+  <p:cSld name="BLANK">
+    <p:spTree>
+      <p:nvGrpSpPr>
+        <p:cNvPr id="53" name="Shape 53"/>
+        <p:cNvGrpSpPr/>
+        <p:nvPr/>
+      </p:nvGrpSpPr>
+      <p:grpSpPr>
+        <a:xfrm>
+          <a:off x="0" y="0"/>
+          <a:ext cx="0" cy="0"/>
+          <a:chOff x="0" y="0"/>
+          <a:chExt cx="0" cy="0"/>
+        </a:xfrm>
+      </p:grpSpPr>
+      <p:sp>
+        <p:nvSpPr>
+          <p:cNvPr id="54" name="Google Shape;54;p14"/>
+          <p:cNvSpPr txBox="1"/>
+          <p:nvPr>
+            <p:ph idx="12" type="sldNum"/>
+          </p:nvPr>
+        </p:nvSpPr>
+        <p:spPr>
+          <a:xfrm>
+            <a:off x="9906772" y="6854072"/>
+            <a:ext cx="641700" cy="578400"/>
+          </a:xfrm>
+          <a:prstGeom prst="rect">
+            <a:avLst/>
+          </a:prstGeom>
+        </p:spPr>
+        <p:txBody>
+          <a:bodyPr anchorCtr="0" anchor="ctr" bIns="116050" lIns="116050" spcFirstLastPara="1" rIns="116050" wrap="square" tIns="116050">
+            <a:noAutofit/>
+          </a:bodyPr>
+          <a:lstStyle>
+            <a:lvl1pPr lvl="0" rtl="0">
+              <a:buNone/>
+              <a:defRPr/>
+            </a:lvl1pPr>
+            <a:lvl2pPr lvl="1" rtl="0">
+              <a:buNone/>
+              <a:defRPr/>
+            </a:lvl2pPr>
+            <a:lvl3pPr lvl="2" rtl="0">
+              <a:buNone/>
+              <a:defRPr/>
+            </a:lvl3pPr>
+            <a:lvl4pPr lvl="3" rtl="0">
+              <a:buNone/>
+              <a:defRPr/>
+            </a:lvl4pPr>
+            <a:lvl5pPr lvl="4" rtl="0">
+              <a:buNone/>
+              <a:defRPr/>
+            </a:lvl5pPr>
+            <a:lvl6pPr lvl="5" rtl="0">
+              <a:buNone/>
+              <a:defRPr/>
+            </a:lvl6pPr>
+            <a:lvl7pPr lvl="6" rtl="0">
+              <a:buNone/>
+              <a:defRPr/>
+            </a:lvl7pPr>
+            <a:lvl8pPr lvl="7" rtl="0">
+              <a:buNone/>
+              <a:defRPr/>
+            </a:lvl8pPr>
+            <a:lvl9pPr lvl="8" rtl="0">
+              <a:buNone/>
+              <a:defRPr/>
+            </a:lvl9pPr>
+          </a:lstStyle>
+          <a:p>
+            <a:pPr indent="0" lvl="0" marL="0" rtl="0" algn="r">
+              <a:spcBef>
+                <a:spcPts val="0"/>
+              </a:spcBef>
+              <a:spcAft>
+                <a:spcPts val="0"/>
+              </a:spcAft>
+              <a:buNone/>
+            </a:pPr>
+            <a:fld id="{00000000-1234-1234-1234-123412341234}" type="slidenum">
+              <a:rPr lang="en"/>
+              <a:t>‹#›</a:t>
+            </a:fld>
+            <a:endParaRPr/>
+          </a:p>
+        </p:txBody>
+      </p:sp>
+    </p:spTree>
+  </p:cSld>
+  <p:clrMapOvr>
+    <a:masterClrMapping/>
+  </p:clrMapOvr>
+</p:sldLayout>
+</file>
+
+<file path=ppt/slideLayouts/slideLayout2.xml><?xml version="1.0" encoding="utf-8"?>
+<p:sldLayout xmlns:a="http://schemas.openxmlformats.org/drawingml/2006/main" xmlns:r="http://schemas.openxmlformats.org/officeDocument/2006/relationships" xmlns:mc="http://schemas.openxmlformats.org/markup-compatibility/2006" xmlns:mv="urn:schemas-microsoft-com:mac:vml" xmlns:p="http://schemas.openxmlformats.org/presentationml/2006/main" xmlns:c="http://schemas.openxmlformats.org/drawingml/2006/chart" xmlns:dgm="http://schemas.openxmlformats.org/drawingml/2006/diagram" xmlns:o="urn:schemas-microsoft-com:office:office" xmlns:v="urn:schemas-microsoft-com:vml" xmlns:pvml="urn:schemas-microsoft-com:office:powerpoint" xmlns:com="http://schemas.openxmlformats.org/drawingml/2006/compatibility" xmlns:p14="http://schemas.microsoft.com/office/powerpoint/2010/main" xmlns:p15="http://schemas.microsoft.com/office/powerpoint/2012/main" matchingName="Title slide" type="title">
+  <p:cSld name="TITLE">
+    <p:spTree>
+      <p:nvGrpSpPr>
+        <p:cNvPr id="14" name="Shape 14"/>
+        <p:cNvGrpSpPr/>
+        <p:nvPr/>
+      </p:nvGrpSpPr>
+      <p:grpSpPr>
+        <a:xfrm>
+          <a:off x="0" y="0"/>
+          <a:ext cx="0" cy="0"/>
+          <a:chOff x="0" y="0"/>
+          <a:chExt cx="0" cy="0"/>
+        </a:xfrm>
+      </p:grpSpPr>
+      <p:sp>
+        <p:nvSpPr>
+          <p:cNvPr id="15" name="Google Shape;15;p4"/>
           <p:cNvSpPr txBox="1"/>
           <p:nvPr>
             <p:ph type="ctrTitle"/>
@@ -1285,7 +2036,7 @@
             <a:noAutofit/>
           </a:bodyPr>
           <a:lstStyle>
-            <a:lvl1pPr lvl="0" algn="ctr">
+            <a:lvl1pPr lvl="0" rtl="0" algn="ctr">
               <a:spcBef>
                 <a:spcPts val="0"/>
               </a:spcBef>
@@ -1296,7 +2047,7 @@
               <a:buNone/>
               <a:defRPr sz="6600"/>
             </a:lvl1pPr>
-            <a:lvl2pPr lvl="1" algn="ctr">
+            <a:lvl2pPr lvl="1" rtl="0" algn="ctr">
               <a:spcBef>
                 <a:spcPts val="0"/>
               </a:spcBef>
@@ -1307,7 +2058,7 @@
               <a:buNone/>
               <a:defRPr sz="6600"/>
             </a:lvl2pPr>
-            <a:lvl3pPr lvl="2" algn="ctr">
+            <a:lvl3pPr lvl="2" rtl="0" algn="ctr">
               <a:spcBef>
                 <a:spcPts val="0"/>
               </a:spcBef>
@@ -1318,7 +2069,7 @@
               <a:buNone/>
               <a:defRPr sz="6600"/>
             </a:lvl3pPr>
-            <a:lvl4pPr lvl="3" algn="ctr">
+            <a:lvl4pPr lvl="3" rtl="0" algn="ctr">
               <a:spcBef>
                 <a:spcPts val="0"/>
               </a:spcBef>
@@ -1329,7 +2080,7 @@
               <a:buNone/>
               <a:defRPr sz="6600"/>
             </a:lvl4pPr>
-            <a:lvl5pPr lvl="4" algn="ctr">
+            <a:lvl5pPr lvl="4" rtl="0" algn="ctr">
               <a:spcBef>
                 <a:spcPts val="0"/>
               </a:spcBef>
@@ -1340,7 +2091,7 @@
               <a:buNone/>
               <a:defRPr sz="6600"/>
             </a:lvl5pPr>
-            <a:lvl6pPr lvl="5" algn="ctr">
+            <a:lvl6pPr lvl="5" rtl="0" algn="ctr">
               <a:spcBef>
                 <a:spcPts val="0"/>
               </a:spcBef>
@@ -1351,7 +2102,7 @@
               <a:buNone/>
               <a:defRPr sz="6600"/>
             </a:lvl6pPr>
-            <a:lvl7pPr lvl="6" algn="ctr">
+            <a:lvl7pPr lvl="6" rtl="0" algn="ctr">
               <a:spcBef>
                 <a:spcPts val="0"/>
               </a:spcBef>
@@ -1362,7 +2113,7 @@
               <a:buNone/>
               <a:defRPr sz="6600"/>
             </a:lvl7pPr>
-            <a:lvl8pPr lvl="7" algn="ctr">
+            <a:lvl8pPr lvl="7" rtl="0" algn="ctr">
               <a:spcBef>
                 <a:spcPts val="0"/>
               </a:spcBef>
@@ -1373,7 +2124,7 @@
               <a:buNone/>
               <a:defRPr sz="6600"/>
             </a:lvl8pPr>
-            <a:lvl9pPr lvl="8" algn="ctr">
+            <a:lvl9pPr lvl="8" rtl="0" algn="ctr">
               <a:spcBef>
                 <a:spcPts val="0"/>
               </a:spcBef>
@@ -1390,7 +2141,7 @@
       </p:sp>
       <p:sp>
         <p:nvSpPr>
-          <p:cNvPr id="11" name="Google Shape;11;p2"/>
+          <p:cNvPr id="16" name="Google Shape;16;p4"/>
           <p:cNvSpPr txBox="1"/>
           <p:nvPr>
             <p:ph idx="1" type="subTitle"/>
@@ -1410,7 +2161,7 @@
             <a:noAutofit/>
           </a:bodyPr>
           <a:lstStyle>
-            <a:lvl1pPr lvl="0" algn="ctr">
+            <a:lvl1pPr lvl="0" rtl="0" algn="ctr">
               <a:lnSpc>
                 <a:spcPct val="100000"/>
               </a:lnSpc>
@@ -1424,7 +2175,7 @@
               <a:buNone/>
               <a:defRPr sz="3600"/>
             </a:lvl1pPr>
-            <a:lvl2pPr lvl="1" algn="ctr">
+            <a:lvl2pPr lvl="1" rtl="0" algn="ctr">
               <a:lnSpc>
                 <a:spcPct val="100000"/>
               </a:lnSpc>
@@ -1438,7 +2189,7 @@
               <a:buNone/>
               <a:defRPr sz="3600"/>
             </a:lvl2pPr>
-            <a:lvl3pPr lvl="2" algn="ctr">
+            <a:lvl3pPr lvl="2" rtl="0" algn="ctr">
               <a:lnSpc>
                 <a:spcPct val="100000"/>
               </a:lnSpc>
@@ -1452,7 +2203,7 @@
               <a:buNone/>
               <a:defRPr sz="3600"/>
             </a:lvl3pPr>
-            <a:lvl4pPr lvl="3" algn="ctr">
+            <a:lvl4pPr lvl="3" rtl="0" algn="ctr">
               <a:lnSpc>
                 <a:spcPct val="100000"/>
               </a:lnSpc>
@@ -1466,7 +2217,7 @@
               <a:buNone/>
               <a:defRPr sz="3600"/>
             </a:lvl4pPr>
-            <a:lvl5pPr lvl="4" algn="ctr">
+            <a:lvl5pPr lvl="4" rtl="0" algn="ctr">
               <a:lnSpc>
                 <a:spcPct val="100000"/>
               </a:lnSpc>
@@ -1480,7 +2231,7 @@
               <a:buNone/>
               <a:defRPr sz="3600"/>
             </a:lvl5pPr>
-            <a:lvl6pPr lvl="5" algn="ctr">
+            <a:lvl6pPr lvl="5" rtl="0" algn="ctr">
               <a:lnSpc>
                 <a:spcPct val="100000"/>
               </a:lnSpc>
@@ -1494,7 +2245,7 @@
               <a:buNone/>
               <a:defRPr sz="3600"/>
             </a:lvl6pPr>
-            <a:lvl7pPr lvl="6" algn="ctr">
+            <a:lvl7pPr lvl="6" rtl="0" algn="ctr">
               <a:lnSpc>
                 <a:spcPct val="100000"/>
               </a:lnSpc>
@@ -1508,7 +2259,7 @@
               <a:buNone/>
               <a:defRPr sz="3600"/>
             </a:lvl7pPr>
-            <a:lvl8pPr lvl="7" algn="ctr">
+            <a:lvl8pPr lvl="7" rtl="0" algn="ctr">
               <a:lnSpc>
                 <a:spcPct val="100000"/>
               </a:lnSpc>
@@ -1522,7 +2273,7 @@
               <a:buNone/>
               <a:defRPr sz="3600"/>
             </a:lvl8pPr>
-            <a:lvl9pPr lvl="8" algn="ctr">
+            <a:lvl9pPr lvl="8" rtl="0" algn="ctr">
               <a:lnSpc>
                 <a:spcPct val="100000"/>
               </a:lnSpc>
@@ -1542,7 +2293,7 @@
       </p:sp>
       <p:sp>
         <p:nvSpPr>
-          <p:cNvPr id="12" name="Google Shape;12;p2"/>
+          <p:cNvPr id="17" name="Google Shape;17;p4"/>
           <p:cNvSpPr txBox="1"/>
           <p:nvPr>
             <p:ph idx="12" type="sldNum"/>
@@ -1562,39 +2313,39 @@
             <a:noAutofit/>
           </a:bodyPr>
           <a:lstStyle>
-            <a:lvl1pPr lvl="0">
+            <a:lvl1pPr lvl="0" rtl="0">
               <a:buNone/>
               <a:defRPr/>
             </a:lvl1pPr>
-            <a:lvl2pPr lvl="1">
+            <a:lvl2pPr lvl="1" rtl="0">
               <a:buNone/>
               <a:defRPr/>
             </a:lvl2pPr>
-            <a:lvl3pPr lvl="2">
+            <a:lvl3pPr lvl="2" rtl="0">
               <a:buNone/>
               <a:defRPr/>
             </a:lvl3pPr>
-            <a:lvl4pPr lvl="3">
+            <a:lvl4pPr lvl="3" rtl="0">
               <a:buNone/>
               <a:defRPr/>
             </a:lvl4pPr>
-            <a:lvl5pPr lvl="4">
+            <a:lvl5pPr lvl="4" rtl="0">
               <a:buNone/>
               <a:defRPr/>
             </a:lvl5pPr>
-            <a:lvl6pPr lvl="5">
+            <a:lvl6pPr lvl="5" rtl="0">
               <a:buNone/>
               <a:defRPr/>
             </a:lvl6pPr>
-            <a:lvl7pPr lvl="6">
+            <a:lvl7pPr lvl="6" rtl="0">
               <a:buNone/>
               <a:defRPr/>
             </a:lvl7pPr>
-            <a:lvl8pPr lvl="7">
+            <a:lvl8pPr lvl="7" rtl="0">
               <a:buNone/>
               <a:defRPr/>
             </a:lvl8pPr>
-            <a:lvl9pPr lvl="8">
+            <a:lvl9pPr lvl="8" rtl="0">
               <a:buNone/>
               <a:defRPr/>
             </a:lvl9pPr>
@@ -1625,12 +2376,12 @@
 </p:sldLayout>
 </file>
 
-<file path=ppt/slideLayouts/slideLayout10.xml><?xml version="1.0" encoding="utf-8"?>
-<p:sldLayout xmlns:a="http://schemas.openxmlformats.org/drawingml/2006/main" xmlns:r="http://schemas.openxmlformats.org/officeDocument/2006/relationships" xmlns:mc="http://schemas.openxmlformats.org/markup-compatibility/2006" xmlns:mv="urn:schemas-microsoft-com:mac:vml" xmlns:p="http://schemas.openxmlformats.org/presentationml/2006/main" xmlns:c="http://schemas.openxmlformats.org/drawingml/2006/chart" xmlns:dgm="http://schemas.openxmlformats.org/drawingml/2006/diagram" xmlns:o="urn:schemas-microsoft-com:office:office" xmlns:v="urn:schemas-microsoft-com:vml" xmlns:pvml="urn:schemas-microsoft-com:office:powerpoint" xmlns:com="http://schemas.openxmlformats.org/drawingml/2006/compatibility" xmlns:p14="http://schemas.microsoft.com/office/powerpoint/2010/main" xmlns:p15="http://schemas.microsoft.com/office/powerpoint/2012/main" matchingName="Big number">
-  <p:cSld name="BIG_NUMBER">
+<file path=ppt/slideLayouts/slideLayout3.xml><?xml version="1.0" encoding="utf-8"?>
+<p:sldLayout xmlns:a="http://schemas.openxmlformats.org/drawingml/2006/main" xmlns:r="http://schemas.openxmlformats.org/officeDocument/2006/relationships" xmlns:mc="http://schemas.openxmlformats.org/markup-compatibility/2006" xmlns:mv="urn:schemas-microsoft-com:mac:vml" xmlns:p="http://schemas.openxmlformats.org/presentationml/2006/main" xmlns:c="http://schemas.openxmlformats.org/drawingml/2006/chart" xmlns:dgm="http://schemas.openxmlformats.org/drawingml/2006/diagram" xmlns:o="urn:schemas-microsoft-com:office:office" xmlns:v="urn:schemas-microsoft-com:vml" xmlns:pvml="urn:schemas-microsoft-com:office:powerpoint" xmlns:com="http://schemas.openxmlformats.org/drawingml/2006/compatibility" xmlns:p14="http://schemas.microsoft.com/office/powerpoint/2010/main" xmlns:p15="http://schemas.microsoft.com/office/powerpoint/2012/main" matchingName="Section header" type="secHead">
+  <p:cSld name="SECTION_HEADER">
     <p:spTree>
       <p:nvGrpSpPr>
-        <p:cNvPr id="44" name="Shape 44"/>
+        <p:cNvPr id="18" name="Shape 18"/>
         <p:cNvGrpSpPr/>
         <p:nvPr/>
       </p:nvGrpSpPr>
@@ -1644,253 +2395,124 @@
       </p:grpSpPr>
       <p:sp>
         <p:nvSpPr>
-          <p:cNvPr id="45" name="Google Shape;45;p11"/>
+          <p:cNvPr id="19" name="Google Shape;19;p5"/>
           <p:cNvSpPr txBox="1"/>
           <p:nvPr>
-            <p:ph hasCustomPrompt="1" type="title"/>
+            <p:ph type="title"/>
           </p:nvPr>
         </p:nvSpPr>
         <p:spPr>
           <a:xfrm>
-            <a:off x="364468" y="1625801"/>
-            <a:ext cx="9963000" cy="2886000"/>
+            <a:off x="364468" y="3161354"/>
+            <a:ext cx="9963000" cy="1237200"/>
           </a:xfrm>
           <a:prstGeom prst="rect">
             <a:avLst/>
           </a:prstGeom>
         </p:spPr>
         <p:txBody>
-          <a:bodyPr anchorCtr="0" anchor="b" bIns="116050" lIns="116050" spcFirstLastPara="1" rIns="116050" wrap="square" tIns="116050">
+          <a:bodyPr anchorCtr="0" anchor="ctr" bIns="116050" lIns="116050" spcFirstLastPara="1" rIns="116050" wrap="square" tIns="116050">
             <a:noAutofit/>
           </a:bodyPr>
           <a:lstStyle>
-            <a:lvl1pPr lvl="0" algn="ctr">
-              <a:spcBef>
-                <a:spcPts val="0"/>
-              </a:spcBef>
-              <a:spcAft>
-                <a:spcPts val="0"/>
-              </a:spcAft>
-              <a:buSzPts val="15200"/>
-              <a:buNone/>
-              <a:defRPr sz="15200"/>
+            <a:lvl1pPr lvl="0" rtl="0" algn="ctr">
+              <a:spcBef>
+                <a:spcPts val="0"/>
+              </a:spcBef>
+              <a:spcAft>
+                <a:spcPts val="0"/>
+              </a:spcAft>
+              <a:buSzPts val="4600"/>
+              <a:buNone/>
+              <a:defRPr sz="4600"/>
             </a:lvl1pPr>
-            <a:lvl2pPr lvl="1" algn="ctr">
-              <a:spcBef>
-                <a:spcPts val="0"/>
-              </a:spcBef>
-              <a:spcAft>
-                <a:spcPts val="0"/>
-              </a:spcAft>
-              <a:buSzPts val="15200"/>
-              <a:buNone/>
-              <a:defRPr sz="15200"/>
+            <a:lvl2pPr lvl="1" rtl="0" algn="ctr">
+              <a:spcBef>
+                <a:spcPts val="0"/>
+              </a:spcBef>
+              <a:spcAft>
+                <a:spcPts val="0"/>
+              </a:spcAft>
+              <a:buSzPts val="4600"/>
+              <a:buNone/>
+              <a:defRPr sz="4600"/>
             </a:lvl2pPr>
-            <a:lvl3pPr lvl="2" algn="ctr">
-              <a:spcBef>
-                <a:spcPts val="0"/>
-              </a:spcBef>
-              <a:spcAft>
-                <a:spcPts val="0"/>
-              </a:spcAft>
-              <a:buSzPts val="15200"/>
-              <a:buNone/>
-              <a:defRPr sz="15200"/>
+            <a:lvl3pPr lvl="2" rtl="0" algn="ctr">
+              <a:spcBef>
+                <a:spcPts val="0"/>
+              </a:spcBef>
+              <a:spcAft>
+                <a:spcPts val="0"/>
+              </a:spcAft>
+              <a:buSzPts val="4600"/>
+              <a:buNone/>
+              <a:defRPr sz="4600"/>
             </a:lvl3pPr>
-            <a:lvl4pPr lvl="3" algn="ctr">
-              <a:spcBef>
-                <a:spcPts val="0"/>
-              </a:spcBef>
-              <a:spcAft>
-                <a:spcPts val="0"/>
-              </a:spcAft>
-              <a:buSzPts val="15200"/>
-              <a:buNone/>
-              <a:defRPr sz="15200"/>
+            <a:lvl4pPr lvl="3" rtl="0" algn="ctr">
+              <a:spcBef>
+                <a:spcPts val="0"/>
+              </a:spcBef>
+              <a:spcAft>
+                <a:spcPts val="0"/>
+              </a:spcAft>
+              <a:buSzPts val="4600"/>
+              <a:buNone/>
+              <a:defRPr sz="4600"/>
             </a:lvl4pPr>
-            <a:lvl5pPr lvl="4" algn="ctr">
-              <a:spcBef>
-                <a:spcPts val="0"/>
-              </a:spcBef>
-              <a:spcAft>
-                <a:spcPts val="0"/>
-              </a:spcAft>
-              <a:buSzPts val="15200"/>
-              <a:buNone/>
-              <a:defRPr sz="15200"/>
+            <a:lvl5pPr lvl="4" rtl="0" algn="ctr">
+              <a:spcBef>
+                <a:spcPts val="0"/>
+              </a:spcBef>
+              <a:spcAft>
+                <a:spcPts val="0"/>
+              </a:spcAft>
+              <a:buSzPts val="4600"/>
+              <a:buNone/>
+              <a:defRPr sz="4600"/>
             </a:lvl5pPr>
-            <a:lvl6pPr lvl="5" algn="ctr">
-              <a:spcBef>
-                <a:spcPts val="0"/>
-              </a:spcBef>
-              <a:spcAft>
-                <a:spcPts val="0"/>
-              </a:spcAft>
-              <a:buSzPts val="15200"/>
-              <a:buNone/>
-              <a:defRPr sz="15200"/>
+            <a:lvl6pPr lvl="5" rtl="0" algn="ctr">
+              <a:spcBef>
+                <a:spcPts val="0"/>
+              </a:spcBef>
+              <a:spcAft>
+                <a:spcPts val="0"/>
+              </a:spcAft>
+              <a:buSzPts val="4600"/>
+              <a:buNone/>
+              <a:defRPr sz="4600"/>
             </a:lvl6pPr>
-            <a:lvl7pPr lvl="6" algn="ctr">
-              <a:spcBef>
-                <a:spcPts val="0"/>
-              </a:spcBef>
-              <a:spcAft>
-                <a:spcPts val="0"/>
-              </a:spcAft>
-              <a:buSzPts val="15200"/>
-              <a:buNone/>
-              <a:defRPr sz="15200"/>
+            <a:lvl7pPr lvl="6" rtl="0" algn="ctr">
+              <a:spcBef>
+                <a:spcPts val="0"/>
+              </a:spcBef>
+              <a:spcAft>
+                <a:spcPts val="0"/>
+              </a:spcAft>
+              <a:buSzPts val="4600"/>
+              <a:buNone/>
+              <a:defRPr sz="4600"/>
             </a:lvl7pPr>
-            <a:lvl8pPr lvl="7" algn="ctr">
-              <a:spcBef>
-                <a:spcPts val="0"/>
-              </a:spcBef>
-              <a:spcAft>
-                <a:spcPts val="0"/>
-              </a:spcAft>
-              <a:buSzPts val="15200"/>
-              <a:buNone/>
-              <a:defRPr sz="15200"/>
+            <a:lvl8pPr lvl="7" rtl="0" algn="ctr">
+              <a:spcBef>
+                <a:spcPts val="0"/>
+              </a:spcBef>
+              <a:spcAft>
+                <a:spcPts val="0"/>
+              </a:spcAft>
+              <a:buSzPts val="4600"/>
+              <a:buNone/>
+              <a:defRPr sz="4600"/>
             </a:lvl8pPr>
-            <a:lvl9pPr lvl="8" algn="ctr">
-              <a:spcBef>
-                <a:spcPts val="0"/>
-              </a:spcBef>
-              <a:spcAft>
-                <a:spcPts val="0"/>
-              </a:spcAft>
-              <a:buSzPts val="15200"/>
-              <a:buNone/>
-              <a:defRPr sz="15200"/>
-            </a:lvl9pPr>
-          </a:lstStyle>
-          <a:p>
-            <a:r>
-              <a:t>xx%</a:t>
-            </a:r>
-          </a:p>
-        </p:txBody>
-      </p:sp>
-      <p:sp>
-        <p:nvSpPr>
-          <p:cNvPr id="46" name="Google Shape;46;p11"/>
-          <p:cNvSpPr txBox="1"/>
-          <p:nvPr>
-            <p:ph idx="1" type="body"/>
-          </p:nvPr>
-        </p:nvSpPr>
-        <p:spPr>
-          <a:xfrm>
-            <a:off x="364468" y="4633192"/>
-            <a:ext cx="9963000" cy="1911900"/>
-          </a:xfrm>
-          <a:prstGeom prst="rect">
-            <a:avLst/>
-          </a:prstGeom>
-        </p:spPr>
-        <p:txBody>
-          <a:bodyPr anchorCtr="0" anchor="t" bIns="116050" lIns="116050" spcFirstLastPara="1" rIns="116050" wrap="square" tIns="116050">
-            <a:noAutofit/>
-          </a:bodyPr>
-          <a:lstStyle>
-            <a:lvl1pPr indent="-374650" lvl="0" marL="457200" algn="ctr">
-              <a:spcBef>
-                <a:spcPts val="0"/>
-              </a:spcBef>
-              <a:spcAft>
-                <a:spcPts val="0"/>
-              </a:spcAft>
-              <a:buSzPts val="2300"/>
-              <a:buChar char="●"/>
-              <a:defRPr/>
-            </a:lvl1pPr>
-            <a:lvl2pPr indent="-342900" lvl="1" marL="914400" algn="ctr">
-              <a:spcBef>
-                <a:spcPts val="2000"/>
-              </a:spcBef>
-              <a:spcAft>
-                <a:spcPts val="0"/>
-              </a:spcAft>
-              <a:buSzPts val="1800"/>
-              <a:buChar char="○"/>
-              <a:defRPr/>
-            </a:lvl2pPr>
-            <a:lvl3pPr indent="-342900" lvl="2" marL="1371600" algn="ctr">
-              <a:spcBef>
-                <a:spcPts val="2000"/>
-              </a:spcBef>
-              <a:spcAft>
-                <a:spcPts val="0"/>
-              </a:spcAft>
-              <a:buSzPts val="1800"/>
-              <a:buChar char="■"/>
-              <a:defRPr/>
-            </a:lvl3pPr>
-            <a:lvl4pPr indent="-342900" lvl="3" marL="1828800" algn="ctr">
-              <a:spcBef>
-                <a:spcPts val="2000"/>
-              </a:spcBef>
-              <a:spcAft>
-                <a:spcPts val="0"/>
-              </a:spcAft>
-              <a:buSzPts val="1800"/>
-              <a:buChar char="●"/>
-              <a:defRPr/>
-            </a:lvl4pPr>
-            <a:lvl5pPr indent="-342900" lvl="4" marL="2286000" algn="ctr">
-              <a:spcBef>
-                <a:spcPts val="2000"/>
-              </a:spcBef>
-              <a:spcAft>
-                <a:spcPts val="0"/>
-              </a:spcAft>
-              <a:buSzPts val="1800"/>
-              <a:buChar char="○"/>
-              <a:defRPr/>
-            </a:lvl5pPr>
-            <a:lvl6pPr indent="-342900" lvl="5" marL="2743200" algn="ctr">
-              <a:spcBef>
-                <a:spcPts val="2000"/>
-              </a:spcBef>
-              <a:spcAft>
-                <a:spcPts val="0"/>
-              </a:spcAft>
-              <a:buSzPts val="1800"/>
-              <a:buChar char="■"/>
-              <a:defRPr/>
-            </a:lvl6pPr>
-            <a:lvl7pPr indent="-342900" lvl="6" marL="3200400" algn="ctr">
-              <a:spcBef>
-                <a:spcPts val="2000"/>
-              </a:spcBef>
-              <a:spcAft>
-                <a:spcPts val="0"/>
-              </a:spcAft>
-              <a:buSzPts val="1800"/>
-              <a:buChar char="●"/>
-              <a:defRPr/>
-            </a:lvl7pPr>
-            <a:lvl8pPr indent="-342900" lvl="7" marL="3657600" algn="ctr">
-              <a:spcBef>
-                <a:spcPts val="2000"/>
-              </a:spcBef>
-              <a:spcAft>
-                <a:spcPts val="0"/>
-              </a:spcAft>
-              <a:buSzPts val="1800"/>
-              <a:buChar char="○"/>
-              <a:defRPr/>
-            </a:lvl8pPr>
-            <a:lvl9pPr indent="-342900" lvl="8" marL="4114800" algn="ctr">
-              <a:spcBef>
-                <a:spcPts val="2000"/>
-              </a:spcBef>
-              <a:spcAft>
-                <a:spcPts val="2000"/>
-              </a:spcAft>
-              <a:buSzPts val="1800"/>
-              <a:buChar char="■"/>
-              <a:defRPr/>
+            <a:lvl9pPr lvl="8" rtl="0" algn="ctr">
+              <a:spcBef>
+                <a:spcPts val="0"/>
+              </a:spcBef>
+              <a:spcAft>
+                <a:spcPts val="0"/>
+              </a:spcAft>
+              <a:buSzPts val="4600"/>
+              <a:buNone/>
+              <a:defRPr sz="4600"/>
             </a:lvl9pPr>
           </a:lstStyle>
           <a:p/>
@@ -1898,7 +2520,7 @@
       </p:sp>
       <p:sp>
         <p:nvSpPr>
-          <p:cNvPr id="47" name="Google Shape;47;p11"/>
+          <p:cNvPr id="20" name="Google Shape;20;p5"/>
           <p:cNvSpPr txBox="1"/>
           <p:nvPr>
             <p:ph idx="12" type="sldNum"/>
@@ -1918,39 +2540,39 @@
             <a:noAutofit/>
           </a:bodyPr>
           <a:lstStyle>
-            <a:lvl1pPr lvl="0">
+            <a:lvl1pPr lvl="0" rtl="0">
               <a:buNone/>
               <a:defRPr/>
             </a:lvl1pPr>
-            <a:lvl2pPr lvl="1">
+            <a:lvl2pPr lvl="1" rtl="0">
               <a:buNone/>
               <a:defRPr/>
             </a:lvl2pPr>
-            <a:lvl3pPr lvl="2">
+            <a:lvl3pPr lvl="2" rtl="0">
               <a:buNone/>
               <a:defRPr/>
             </a:lvl3pPr>
-            <a:lvl4pPr lvl="3">
+            <a:lvl4pPr lvl="3" rtl="0">
               <a:buNone/>
               <a:defRPr/>
             </a:lvl4pPr>
-            <a:lvl5pPr lvl="4">
+            <a:lvl5pPr lvl="4" rtl="0">
               <a:buNone/>
               <a:defRPr/>
             </a:lvl5pPr>
-            <a:lvl6pPr lvl="5">
+            <a:lvl6pPr lvl="5" rtl="0">
               <a:buNone/>
               <a:defRPr/>
             </a:lvl6pPr>
-            <a:lvl7pPr lvl="6">
+            <a:lvl7pPr lvl="6" rtl="0">
               <a:buNone/>
               <a:defRPr/>
             </a:lvl7pPr>
-            <a:lvl8pPr lvl="7">
+            <a:lvl8pPr lvl="7" rtl="0">
               <a:buNone/>
               <a:defRPr/>
             </a:lvl8pPr>
-            <a:lvl9pPr lvl="8">
+            <a:lvl9pPr lvl="8" rtl="0">
               <a:buNone/>
               <a:defRPr/>
             </a:lvl9pPr>
@@ -1981,12 +2603,12 @@
 </p:sldLayout>
 </file>
 
-<file path=ppt/slideLayouts/slideLayout11.xml><?xml version="1.0" encoding="utf-8"?>
-<p:sldLayout xmlns:a="http://schemas.openxmlformats.org/drawingml/2006/main" xmlns:r="http://schemas.openxmlformats.org/officeDocument/2006/relationships" xmlns:mc="http://schemas.openxmlformats.org/markup-compatibility/2006" xmlns:mv="urn:schemas-microsoft-com:mac:vml" xmlns:p="http://schemas.openxmlformats.org/presentationml/2006/main" xmlns:c="http://schemas.openxmlformats.org/drawingml/2006/chart" xmlns:dgm="http://schemas.openxmlformats.org/drawingml/2006/diagram" xmlns:o="urn:schemas-microsoft-com:office:office" xmlns:v="urn:schemas-microsoft-com:vml" xmlns:pvml="urn:schemas-microsoft-com:office:powerpoint" xmlns:com="http://schemas.openxmlformats.org/drawingml/2006/compatibility" xmlns:p14="http://schemas.microsoft.com/office/powerpoint/2010/main" xmlns:p15="http://schemas.microsoft.com/office/powerpoint/2012/main" matchingName="Blank" type="blank">
-  <p:cSld name="BLANK">
+<file path=ppt/slideLayouts/slideLayout4.xml><?xml version="1.0" encoding="utf-8"?>
+<p:sldLayout xmlns:a="http://schemas.openxmlformats.org/drawingml/2006/main" xmlns:r="http://schemas.openxmlformats.org/officeDocument/2006/relationships" xmlns:mc="http://schemas.openxmlformats.org/markup-compatibility/2006" xmlns:mv="urn:schemas-microsoft-com:mac:vml" xmlns:p="http://schemas.openxmlformats.org/presentationml/2006/main" xmlns:c="http://schemas.openxmlformats.org/drawingml/2006/chart" xmlns:dgm="http://schemas.openxmlformats.org/drawingml/2006/diagram" xmlns:o="urn:schemas-microsoft-com:office:office" xmlns:v="urn:schemas-microsoft-com:vml" xmlns:pvml="urn:schemas-microsoft-com:office:powerpoint" xmlns:com="http://schemas.openxmlformats.org/drawingml/2006/compatibility" xmlns:p14="http://schemas.microsoft.com/office/powerpoint/2010/main" xmlns:p15="http://schemas.microsoft.com/office/powerpoint/2012/main" matchingName="Title and body" type="tx">
+  <p:cSld name="TITLE_AND_BODY">
     <p:spTree>
       <p:nvGrpSpPr>
-        <p:cNvPr id="48" name="Shape 48"/>
+        <p:cNvPr id="21" name="Shape 21"/>
         <p:cNvGrpSpPr/>
         <p:nvPr/>
       </p:nvGrpSpPr>
@@ -2000,7 +2622,257 @@
       </p:grpSpPr>
       <p:sp>
         <p:nvSpPr>
-          <p:cNvPr id="49" name="Google Shape;49;p12"/>
+          <p:cNvPr id="22" name="Google Shape;22;p6"/>
+          <p:cNvSpPr txBox="1"/>
+          <p:nvPr>
+            <p:ph type="title"/>
+          </p:nvPr>
+        </p:nvSpPr>
+        <p:spPr>
+          <a:xfrm>
+            <a:off x="364468" y="654105"/>
+            <a:ext cx="9963000" cy="841800"/>
+          </a:xfrm>
+          <a:prstGeom prst="rect">
+            <a:avLst/>
+          </a:prstGeom>
+        </p:spPr>
+        <p:txBody>
+          <a:bodyPr anchorCtr="0" anchor="t" bIns="116050" lIns="116050" spcFirstLastPara="1" rIns="116050" wrap="square" tIns="116050">
+            <a:noAutofit/>
+          </a:bodyPr>
+          <a:lstStyle>
+            <a:lvl1pPr lvl="0" rtl="0">
+              <a:spcBef>
+                <a:spcPts val="0"/>
+              </a:spcBef>
+              <a:spcAft>
+                <a:spcPts val="0"/>
+              </a:spcAft>
+              <a:buSzPts val="3600"/>
+              <a:buNone/>
+              <a:defRPr/>
+            </a:lvl1pPr>
+            <a:lvl2pPr lvl="1" rtl="0">
+              <a:spcBef>
+                <a:spcPts val="0"/>
+              </a:spcBef>
+              <a:spcAft>
+                <a:spcPts val="0"/>
+              </a:spcAft>
+              <a:buSzPts val="3600"/>
+              <a:buNone/>
+              <a:defRPr/>
+            </a:lvl2pPr>
+            <a:lvl3pPr lvl="2" rtl="0">
+              <a:spcBef>
+                <a:spcPts val="0"/>
+              </a:spcBef>
+              <a:spcAft>
+                <a:spcPts val="0"/>
+              </a:spcAft>
+              <a:buSzPts val="3600"/>
+              <a:buNone/>
+              <a:defRPr/>
+            </a:lvl3pPr>
+            <a:lvl4pPr lvl="3" rtl="0">
+              <a:spcBef>
+                <a:spcPts val="0"/>
+              </a:spcBef>
+              <a:spcAft>
+                <a:spcPts val="0"/>
+              </a:spcAft>
+              <a:buSzPts val="3600"/>
+              <a:buNone/>
+              <a:defRPr/>
+            </a:lvl4pPr>
+            <a:lvl5pPr lvl="4" rtl="0">
+              <a:spcBef>
+                <a:spcPts val="0"/>
+              </a:spcBef>
+              <a:spcAft>
+                <a:spcPts val="0"/>
+              </a:spcAft>
+              <a:buSzPts val="3600"/>
+              <a:buNone/>
+              <a:defRPr/>
+            </a:lvl5pPr>
+            <a:lvl6pPr lvl="5" rtl="0">
+              <a:spcBef>
+                <a:spcPts val="0"/>
+              </a:spcBef>
+              <a:spcAft>
+                <a:spcPts val="0"/>
+              </a:spcAft>
+              <a:buSzPts val="3600"/>
+              <a:buNone/>
+              <a:defRPr/>
+            </a:lvl6pPr>
+            <a:lvl7pPr lvl="6" rtl="0">
+              <a:spcBef>
+                <a:spcPts val="0"/>
+              </a:spcBef>
+              <a:spcAft>
+                <a:spcPts val="0"/>
+              </a:spcAft>
+              <a:buSzPts val="3600"/>
+              <a:buNone/>
+              <a:defRPr/>
+            </a:lvl7pPr>
+            <a:lvl8pPr lvl="7" rtl="0">
+              <a:spcBef>
+                <a:spcPts val="0"/>
+              </a:spcBef>
+              <a:spcAft>
+                <a:spcPts val="0"/>
+              </a:spcAft>
+              <a:buSzPts val="3600"/>
+              <a:buNone/>
+              <a:defRPr/>
+            </a:lvl8pPr>
+            <a:lvl9pPr lvl="8" rtl="0">
+              <a:spcBef>
+                <a:spcPts val="0"/>
+              </a:spcBef>
+              <a:spcAft>
+                <a:spcPts val="0"/>
+              </a:spcAft>
+              <a:buSzPts val="3600"/>
+              <a:buNone/>
+              <a:defRPr/>
+            </a:lvl9pPr>
+          </a:lstStyle>
+          <a:p/>
+        </p:txBody>
+      </p:sp>
+      <p:sp>
+        <p:nvSpPr>
+          <p:cNvPr id="23" name="Google Shape;23;p6"/>
+          <p:cNvSpPr txBox="1"/>
+          <p:nvPr>
+            <p:ph idx="1" type="body"/>
+          </p:nvPr>
+        </p:nvSpPr>
+        <p:spPr>
+          <a:xfrm>
+            <a:off x="364468" y="1693927"/>
+            <a:ext cx="9963000" cy="5021400"/>
+          </a:xfrm>
+          <a:prstGeom prst="rect">
+            <a:avLst/>
+          </a:prstGeom>
+        </p:spPr>
+        <p:txBody>
+          <a:bodyPr anchorCtr="0" anchor="t" bIns="116050" lIns="116050" spcFirstLastPara="1" rIns="116050" wrap="square" tIns="116050">
+            <a:noAutofit/>
+          </a:bodyPr>
+          <a:lstStyle>
+            <a:lvl1pPr indent="-374650" lvl="0" marL="457200" rtl="0">
+              <a:spcBef>
+                <a:spcPts val="0"/>
+              </a:spcBef>
+              <a:spcAft>
+                <a:spcPts val="0"/>
+              </a:spcAft>
+              <a:buSzPts val="2300"/>
+              <a:buChar char="●"/>
+              <a:defRPr/>
+            </a:lvl1pPr>
+            <a:lvl2pPr indent="-342900" lvl="1" marL="914400" rtl="0">
+              <a:spcBef>
+                <a:spcPts val="2000"/>
+              </a:spcBef>
+              <a:spcAft>
+                <a:spcPts val="0"/>
+              </a:spcAft>
+              <a:buSzPts val="1800"/>
+              <a:buChar char="○"/>
+              <a:defRPr/>
+            </a:lvl2pPr>
+            <a:lvl3pPr indent="-342900" lvl="2" marL="1371600" rtl="0">
+              <a:spcBef>
+                <a:spcPts val="2000"/>
+              </a:spcBef>
+              <a:spcAft>
+                <a:spcPts val="0"/>
+              </a:spcAft>
+              <a:buSzPts val="1800"/>
+              <a:buChar char="■"/>
+              <a:defRPr/>
+            </a:lvl3pPr>
+            <a:lvl4pPr indent="-342900" lvl="3" marL="1828800" rtl="0">
+              <a:spcBef>
+                <a:spcPts val="2000"/>
+              </a:spcBef>
+              <a:spcAft>
+                <a:spcPts val="0"/>
+              </a:spcAft>
+              <a:buSzPts val="1800"/>
+              <a:buChar char="●"/>
+              <a:defRPr/>
+            </a:lvl4pPr>
+            <a:lvl5pPr indent="-342900" lvl="4" marL="2286000" rtl="0">
+              <a:spcBef>
+                <a:spcPts val="2000"/>
+              </a:spcBef>
+              <a:spcAft>
+                <a:spcPts val="0"/>
+              </a:spcAft>
+              <a:buSzPts val="1800"/>
+              <a:buChar char="○"/>
+              <a:defRPr/>
+            </a:lvl5pPr>
+            <a:lvl6pPr indent="-342900" lvl="5" marL="2743200" rtl="0">
+              <a:spcBef>
+                <a:spcPts val="2000"/>
+              </a:spcBef>
+              <a:spcAft>
+                <a:spcPts val="0"/>
+              </a:spcAft>
+              <a:buSzPts val="1800"/>
+              <a:buChar char="■"/>
+              <a:defRPr/>
+            </a:lvl6pPr>
+            <a:lvl7pPr indent="-342900" lvl="6" marL="3200400" rtl="0">
+              <a:spcBef>
+                <a:spcPts val="2000"/>
+              </a:spcBef>
+              <a:spcAft>
+                <a:spcPts val="0"/>
+              </a:spcAft>
+              <a:buSzPts val="1800"/>
+              <a:buChar char="●"/>
+              <a:defRPr/>
+            </a:lvl7pPr>
+            <a:lvl8pPr indent="-342900" lvl="7" marL="3657600" rtl="0">
+              <a:spcBef>
+                <a:spcPts val="2000"/>
+              </a:spcBef>
+              <a:spcAft>
+                <a:spcPts val="0"/>
+              </a:spcAft>
+              <a:buSzPts val="1800"/>
+              <a:buChar char="○"/>
+              <a:defRPr/>
+            </a:lvl8pPr>
+            <a:lvl9pPr indent="-342900" lvl="8" marL="4114800" rtl="0">
+              <a:spcBef>
+                <a:spcPts val="2000"/>
+              </a:spcBef>
+              <a:spcAft>
+                <a:spcPts val="2000"/>
+              </a:spcAft>
+              <a:buSzPts val="1800"/>
+              <a:buChar char="■"/>
+              <a:defRPr/>
+            </a:lvl9pPr>
+          </a:lstStyle>
+          <a:p/>
+        </p:txBody>
+      </p:sp>
+      <p:sp>
+        <p:nvSpPr>
+          <p:cNvPr id="24" name="Google Shape;24;p6"/>
           <p:cNvSpPr txBox="1"/>
           <p:nvPr>
             <p:ph idx="12" type="sldNum"/>
@@ -2020,39 +2892,39 @@
             <a:noAutofit/>
           </a:bodyPr>
           <a:lstStyle>
-            <a:lvl1pPr lvl="0">
+            <a:lvl1pPr lvl="0" rtl="0">
               <a:buNone/>
               <a:defRPr/>
             </a:lvl1pPr>
-            <a:lvl2pPr lvl="1">
+            <a:lvl2pPr lvl="1" rtl="0">
               <a:buNone/>
               <a:defRPr/>
             </a:lvl2pPr>
-            <a:lvl3pPr lvl="2">
+            <a:lvl3pPr lvl="2" rtl="0">
               <a:buNone/>
               <a:defRPr/>
             </a:lvl3pPr>
-            <a:lvl4pPr lvl="3">
+            <a:lvl4pPr lvl="3" rtl="0">
               <a:buNone/>
               <a:defRPr/>
             </a:lvl4pPr>
-            <a:lvl5pPr lvl="4">
+            <a:lvl5pPr lvl="4" rtl="0">
               <a:buNone/>
               <a:defRPr/>
             </a:lvl5pPr>
-            <a:lvl6pPr lvl="5">
+            <a:lvl6pPr lvl="5" rtl="0">
               <a:buNone/>
               <a:defRPr/>
             </a:lvl6pPr>
-            <a:lvl7pPr lvl="6">
+            <a:lvl7pPr lvl="6" rtl="0">
               <a:buNone/>
               <a:defRPr/>
             </a:lvl7pPr>
-            <a:lvl8pPr lvl="7">
+            <a:lvl8pPr lvl="7" rtl="0">
               <a:buNone/>
               <a:defRPr/>
             </a:lvl8pPr>
-            <a:lvl9pPr lvl="8">
+            <a:lvl9pPr lvl="8" rtl="0">
               <a:buNone/>
               <a:defRPr/>
             </a:lvl9pPr>
@@ -2083,12 +2955,12 @@
 </p:sldLayout>
 </file>
 
-<file path=ppt/slideLayouts/slideLayout2.xml><?xml version="1.0" encoding="utf-8"?>
-<p:sldLayout xmlns:a="http://schemas.openxmlformats.org/drawingml/2006/main" xmlns:r="http://schemas.openxmlformats.org/officeDocument/2006/relationships" xmlns:mc="http://schemas.openxmlformats.org/markup-compatibility/2006" xmlns:mv="urn:schemas-microsoft-com:mac:vml" xmlns:p="http://schemas.openxmlformats.org/presentationml/2006/main" xmlns:c="http://schemas.openxmlformats.org/drawingml/2006/chart" xmlns:dgm="http://schemas.openxmlformats.org/drawingml/2006/diagram" xmlns:o="urn:schemas-microsoft-com:office:office" xmlns:v="urn:schemas-microsoft-com:vml" xmlns:pvml="urn:schemas-microsoft-com:office:powerpoint" xmlns:com="http://schemas.openxmlformats.org/drawingml/2006/compatibility" xmlns:p14="http://schemas.microsoft.com/office/powerpoint/2010/main" xmlns:p15="http://schemas.microsoft.com/office/powerpoint/2012/main" matchingName="Section header" type="secHead">
-  <p:cSld name="SECTION_HEADER">
+<file path=ppt/slideLayouts/slideLayout5.xml><?xml version="1.0" encoding="utf-8"?>
+<p:sldLayout xmlns:a="http://schemas.openxmlformats.org/drawingml/2006/main" xmlns:r="http://schemas.openxmlformats.org/officeDocument/2006/relationships" xmlns:mc="http://schemas.openxmlformats.org/markup-compatibility/2006" xmlns:mv="urn:schemas-microsoft-com:mac:vml" xmlns:p="http://schemas.openxmlformats.org/presentationml/2006/main" xmlns:c="http://schemas.openxmlformats.org/drawingml/2006/chart" xmlns:dgm="http://schemas.openxmlformats.org/drawingml/2006/diagram" xmlns:o="urn:schemas-microsoft-com:office:office" xmlns:v="urn:schemas-microsoft-com:vml" xmlns:pvml="urn:schemas-microsoft-com:office:powerpoint" xmlns:com="http://schemas.openxmlformats.org/drawingml/2006/compatibility" xmlns:p14="http://schemas.microsoft.com/office/powerpoint/2010/main" xmlns:p15="http://schemas.microsoft.com/office/powerpoint/2012/main" matchingName="Title and two columns" type="twoColTx">
+  <p:cSld name="TITLE_AND_TWO_COLUMNS">
     <p:spTree>
       <p:nvGrpSpPr>
-        <p:cNvPr id="13" name="Shape 13"/>
+        <p:cNvPr id="25" name="Shape 25"/>
         <p:cNvGrpSpPr/>
         <p:nvPr/>
       </p:nvGrpSpPr>
@@ -2102,7 +2974,7 @@
       </p:grpSpPr>
       <p:sp>
         <p:nvSpPr>
-          <p:cNvPr id="14" name="Google Shape;14;p3"/>
+          <p:cNvPr id="26" name="Google Shape;26;p7"/>
           <p:cNvSpPr txBox="1"/>
           <p:nvPr>
             <p:ph type="title"/>
@@ -2110,116 +2982,116 @@
         </p:nvSpPr>
         <p:spPr>
           <a:xfrm>
-            <a:off x="364468" y="3161354"/>
-            <a:ext cx="9963000" cy="1237200"/>
+            <a:off x="364468" y="654105"/>
+            <a:ext cx="9963000" cy="841800"/>
           </a:xfrm>
           <a:prstGeom prst="rect">
             <a:avLst/>
           </a:prstGeom>
         </p:spPr>
         <p:txBody>
-          <a:bodyPr anchorCtr="0" anchor="ctr" bIns="116050" lIns="116050" spcFirstLastPara="1" rIns="116050" wrap="square" tIns="116050">
+          <a:bodyPr anchorCtr="0" anchor="t" bIns="116050" lIns="116050" spcFirstLastPara="1" rIns="116050" wrap="square" tIns="116050">
             <a:noAutofit/>
           </a:bodyPr>
           <a:lstStyle>
-            <a:lvl1pPr lvl="0" algn="ctr">
-              <a:spcBef>
-                <a:spcPts val="0"/>
-              </a:spcBef>
-              <a:spcAft>
-                <a:spcPts val="0"/>
-              </a:spcAft>
-              <a:buSzPts val="4600"/>
-              <a:buNone/>
-              <a:defRPr sz="4600"/>
+            <a:lvl1pPr lvl="0" rtl="0">
+              <a:spcBef>
+                <a:spcPts val="0"/>
+              </a:spcBef>
+              <a:spcAft>
+                <a:spcPts val="0"/>
+              </a:spcAft>
+              <a:buSzPts val="3600"/>
+              <a:buNone/>
+              <a:defRPr/>
             </a:lvl1pPr>
-            <a:lvl2pPr lvl="1" algn="ctr">
-              <a:spcBef>
-                <a:spcPts val="0"/>
-              </a:spcBef>
-              <a:spcAft>
-                <a:spcPts val="0"/>
-              </a:spcAft>
-              <a:buSzPts val="4600"/>
-              <a:buNone/>
-              <a:defRPr sz="4600"/>
+            <a:lvl2pPr lvl="1" rtl="0">
+              <a:spcBef>
+                <a:spcPts val="0"/>
+              </a:spcBef>
+              <a:spcAft>
+                <a:spcPts val="0"/>
+              </a:spcAft>
+              <a:buSzPts val="3600"/>
+              <a:buNone/>
+              <a:defRPr/>
             </a:lvl2pPr>
-            <a:lvl3pPr lvl="2" algn="ctr">
-              <a:spcBef>
-                <a:spcPts val="0"/>
-              </a:spcBef>
-              <a:spcAft>
-                <a:spcPts val="0"/>
-              </a:spcAft>
-              <a:buSzPts val="4600"/>
-              <a:buNone/>
-              <a:defRPr sz="4600"/>
+            <a:lvl3pPr lvl="2" rtl="0">
+              <a:spcBef>
+                <a:spcPts val="0"/>
+              </a:spcBef>
+              <a:spcAft>
+                <a:spcPts val="0"/>
+              </a:spcAft>
+              <a:buSzPts val="3600"/>
+              <a:buNone/>
+              <a:defRPr/>
             </a:lvl3pPr>
-            <a:lvl4pPr lvl="3" algn="ctr">
-              <a:spcBef>
-                <a:spcPts val="0"/>
-              </a:spcBef>
-              <a:spcAft>
-                <a:spcPts val="0"/>
-              </a:spcAft>
-              <a:buSzPts val="4600"/>
-              <a:buNone/>
-              <a:defRPr sz="4600"/>
+            <a:lvl4pPr lvl="3" rtl="0">
+              <a:spcBef>
+                <a:spcPts val="0"/>
+              </a:spcBef>
+              <a:spcAft>
+                <a:spcPts val="0"/>
+              </a:spcAft>
+              <a:buSzPts val="3600"/>
+              <a:buNone/>
+              <a:defRPr/>
             </a:lvl4pPr>
-            <a:lvl5pPr lvl="4" algn="ctr">
-              <a:spcBef>
-                <a:spcPts val="0"/>
-              </a:spcBef>
-              <a:spcAft>
-                <a:spcPts val="0"/>
-              </a:spcAft>
-              <a:buSzPts val="4600"/>
-              <a:buNone/>
-              <a:defRPr sz="4600"/>
+            <a:lvl5pPr lvl="4" rtl="0">
+              <a:spcBef>
+                <a:spcPts val="0"/>
+              </a:spcBef>
+              <a:spcAft>
+                <a:spcPts val="0"/>
+              </a:spcAft>
+              <a:buSzPts val="3600"/>
+              <a:buNone/>
+              <a:defRPr/>
             </a:lvl5pPr>
-            <a:lvl6pPr lvl="5" algn="ctr">
-              <a:spcBef>
-                <a:spcPts val="0"/>
-              </a:spcBef>
-              <a:spcAft>
-                <a:spcPts val="0"/>
-              </a:spcAft>
-              <a:buSzPts val="4600"/>
-              <a:buNone/>
-              <a:defRPr sz="4600"/>
+            <a:lvl6pPr lvl="5" rtl="0">
+              <a:spcBef>
+                <a:spcPts val="0"/>
+              </a:spcBef>
+              <a:spcAft>
+                <a:spcPts val="0"/>
+              </a:spcAft>
+              <a:buSzPts val="3600"/>
+              <a:buNone/>
+              <a:defRPr/>
             </a:lvl6pPr>
-            <a:lvl7pPr lvl="6" algn="ctr">
-              <a:spcBef>
-                <a:spcPts val="0"/>
-              </a:spcBef>
-              <a:spcAft>
-                <a:spcPts val="0"/>
-              </a:spcAft>
-              <a:buSzPts val="4600"/>
-              <a:buNone/>
-              <a:defRPr sz="4600"/>
+            <a:lvl7pPr lvl="6" rtl="0">
+              <a:spcBef>
+                <a:spcPts val="0"/>
+              </a:spcBef>
+              <a:spcAft>
+                <a:spcPts val="0"/>
+              </a:spcAft>
+              <a:buSzPts val="3600"/>
+              <a:buNone/>
+              <a:defRPr/>
             </a:lvl7pPr>
-            <a:lvl8pPr lvl="7" algn="ctr">
-              <a:spcBef>
-                <a:spcPts val="0"/>
-              </a:spcBef>
-              <a:spcAft>
-                <a:spcPts val="0"/>
-              </a:spcAft>
-              <a:buSzPts val="4600"/>
-              <a:buNone/>
-              <a:defRPr sz="4600"/>
+            <a:lvl8pPr lvl="7" rtl="0">
+              <a:spcBef>
+                <a:spcPts val="0"/>
+              </a:spcBef>
+              <a:spcAft>
+                <a:spcPts val="0"/>
+              </a:spcAft>
+              <a:buSzPts val="3600"/>
+              <a:buNone/>
+              <a:defRPr/>
             </a:lvl8pPr>
-            <a:lvl9pPr lvl="8" algn="ctr">
-              <a:spcBef>
-                <a:spcPts val="0"/>
-              </a:spcBef>
-              <a:spcAft>
-                <a:spcPts val="0"/>
-              </a:spcAft>
-              <a:buSzPts val="4600"/>
-              <a:buNone/>
-              <a:defRPr sz="4600"/>
+            <a:lvl9pPr lvl="8" rtl="0">
+              <a:spcBef>
+                <a:spcPts val="0"/>
+              </a:spcBef>
+              <a:spcAft>
+                <a:spcPts val="0"/>
+              </a:spcAft>
+              <a:buSzPts val="3600"/>
+              <a:buNone/>
+              <a:defRPr/>
             </a:lvl9pPr>
           </a:lstStyle>
           <a:p/>
@@ -2227,7 +3099,257 @@
       </p:sp>
       <p:sp>
         <p:nvSpPr>
-          <p:cNvPr id="15" name="Google Shape;15;p3"/>
+          <p:cNvPr id="27" name="Google Shape;27;p7"/>
+          <p:cNvSpPr txBox="1"/>
+          <p:nvPr>
+            <p:ph idx="1" type="body"/>
+          </p:nvPr>
+        </p:nvSpPr>
+        <p:spPr>
+          <a:xfrm>
+            <a:off x="364468" y="1693927"/>
+            <a:ext cx="4677000" cy="5021400"/>
+          </a:xfrm>
+          <a:prstGeom prst="rect">
+            <a:avLst/>
+          </a:prstGeom>
+        </p:spPr>
+        <p:txBody>
+          <a:bodyPr anchorCtr="0" anchor="t" bIns="116050" lIns="116050" spcFirstLastPara="1" rIns="116050" wrap="square" tIns="116050">
+            <a:noAutofit/>
+          </a:bodyPr>
+          <a:lstStyle>
+            <a:lvl1pPr indent="-342900" lvl="0" marL="457200" rtl="0">
+              <a:spcBef>
+                <a:spcPts val="0"/>
+              </a:spcBef>
+              <a:spcAft>
+                <a:spcPts val="0"/>
+              </a:spcAft>
+              <a:buSzPts val="1800"/>
+              <a:buChar char="●"/>
+              <a:defRPr sz="1800"/>
+            </a:lvl1pPr>
+            <a:lvl2pPr indent="-323850" lvl="1" marL="914400" rtl="0">
+              <a:spcBef>
+                <a:spcPts val="2000"/>
+              </a:spcBef>
+              <a:spcAft>
+                <a:spcPts val="0"/>
+              </a:spcAft>
+              <a:buSzPts val="1500"/>
+              <a:buChar char="○"/>
+              <a:defRPr sz="1500"/>
+            </a:lvl2pPr>
+            <a:lvl3pPr indent="-323850" lvl="2" marL="1371600" rtl="0">
+              <a:spcBef>
+                <a:spcPts val="2000"/>
+              </a:spcBef>
+              <a:spcAft>
+                <a:spcPts val="0"/>
+              </a:spcAft>
+              <a:buSzPts val="1500"/>
+              <a:buChar char="■"/>
+              <a:defRPr sz="1500"/>
+            </a:lvl3pPr>
+            <a:lvl4pPr indent="-323850" lvl="3" marL="1828800" rtl="0">
+              <a:spcBef>
+                <a:spcPts val="2000"/>
+              </a:spcBef>
+              <a:spcAft>
+                <a:spcPts val="0"/>
+              </a:spcAft>
+              <a:buSzPts val="1500"/>
+              <a:buChar char="●"/>
+              <a:defRPr sz="1500"/>
+            </a:lvl4pPr>
+            <a:lvl5pPr indent="-323850" lvl="4" marL="2286000" rtl="0">
+              <a:spcBef>
+                <a:spcPts val="2000"/>
+              </a:spcBef>
+              <a:spcAft>
+                <a:spcPts val="0"/>
+              </a:spcAft>
+              <a:buSzPts val="1500"/>
+              <a:buChar char="○"/>
+              <a:defRPr sz="1500"/>
+            </a:lvl5pPr>
+            <a:lvl6pPr indent="-323850" lvl="5" marL="2743200" rtl="0">
+              <a:spcBef>
+                <a:spcPts val="2000"/>
+              </a:spcBef>
+              <a:spcAft>
+                <a:spcPts val="0"/>
+              </a:spcAft>
+              <a:buSzPts val="1500"/>
+              <a:buChar char="■"/>
+              <a:defRPr sz="1500"/>
+            </a:lvl6pPr>
+            <a:lvl7pPr indent="-323850" lvl="6" marL="3200400" rtl="0">
+              <a:spcBef>
+                <a:spcPts val="2000"/>
+              </a:spcBef>
+              <a:spcAft>
+                <a:spcPts val="0"/>
+              </a:spcAft>
+              <a:buSzPts val="1500"/>
+              <a:buChar char="●"/>
+              <a:defRPr sz="1500"/>
+            </a:lvl7pPr>
+            <a:lvl8pPr indent="-323850" lvl="7" marL="3657600" rtl="0">
+              <a:spcBef>
+                <a:spcPts val="2000"/>
+              </a:spcBef>
+              <a:spcAft>
+                <a:spcPts val="0"/>
+              </a:spcAft>
+              <a:buSzPts val="1500"/>
+              <a:buChar char="○"/>
+              <a:defRPr sz="1500"/>
+            </a:lvl8pPr>
+            <a:lvl9pPr indent="-323850" lvl="8" marL="4114800" rtl="0">
+              <a:spcBef>
+                <a:spcPts val="2000"/>
+              </a:spcBef>
+              <a:spcAft>
+                <a:spcPts val="2000"/>
+              </a:spcAft>
+              <a:buSzPts val="1500"/>
+              <a:buChar char="■"/>
+              <a:defRPr sz="1500"/>
+            </a:lvl9pPr>
+          </a:lstStyle>
+          <a:p/>
+        </p:txBody>
+      </p:sp>
+      <p:sp>
+        <p:nvSpPr>
+          <p:cNvPr id="28" name="Google Shape;28;p7"/>
+          <p:cNvSpPr txBox="1"/>
+          <p:nvPr>
+            <p:ph idx="2" type="body"/>
+          </p:nvPr>
+        </p:nvSpPr>
+        <p:spPr>
+          <a:xfrm>
+            <a:off x="5650483" y="1693927"/>
+            <a:ext cx="4677000" cy="5021400"/>
+          </a:xfrm>
+          <a:prstGeom prst="rect">
+            <a:avLst/>
+          </a:prstGeom>
+        </p:spPr>
+        <p:txBody>
+          <a:bodyPr anchorCtr="0" anchor="t" bIns="116050" lIns="116050" spcFirstLastPara="1" rIns="116050" wrap="square" tIns="116050">
+            <a:noAutofit/>
+          </a:bodyPr>
+          <a:lstStyle>
+            <a:lvl1pPr indent="-342900" lvl="0" marL="457200" rtl="0">
+              <a:spcBef>
+                <a:spcPts val="0"/>
+              </a:spcBef>
+              <a:spcAft>
+                <a:spcPts val="0"/>
+              </a:spcAft>
+              <a:buSzPts val="1800"/>
+              <a:buChar char="●"/>
+              <a:defRPr sz="1800"/>
+            </a:lvl1pPr>
+            <a:lvl2pPr indent="-323850" lvl="1" marL="914400" rtl="0">
+              <a:spcBef>
+                <a:spcPts val="2000"/>
+              </a:spcBef>
+              <a:spcAft>
+                <a:spcPts val="0"/>
+              </a:spcAft>
+              <a:buSzPts val="1500"/>
+              <a:buChar char="○"/>
+              <a:defRPr sz="1500"/>
+            </a:lvl2pPr>
+            <a:lvl3pPr indent="-323850" lvl="2" marL="1371600" rtl="0">
+              <a:spcBef>
+                <a:spcPts val="2000"/>
+              </a:spcBef>
+              <a:spcAft>
+                <a:spcPts val="0"/>
+              </a:spcAft>
+              <a:buSzPts val="1500"/>
+              <a:buChar char="■"/>
+              <a:defRPr sz="1500"/>
+            </a:lvl3pPr>
+            <a:lvl4pPr indent="-323850" lvl="3" marL="1828800" rtl="0">
+              <a:spcBef>
+                <a:spcPts val="2000"/>
+              </a:spcBef>
+              <a:spcAft>
+                <a:spcPts val="0"/>
+              </a:spcAft>
+              <a:buSzPts val="1500"/>
+              <a:buChar char="●"/>
+              <a:defRPr sz="1500"/>
+            </a:lvl4pPr>
+            <a:lvl5pPr indent="-323850" lvl="4" marL="2286000" rtl="0">
+              <a:spcBef>
+                <a:spcPts val="2000"/>
+              </a:spcBef>
+              <a:spcAft>
+                <a:spcPts val="0"/>
+              </a:spcAft>
+              <a:buSzPts val="1500"/>
+              <a:buChar char="○"/>
+              <a:defRPr sz="1500"/>
+            </a:lvl5pPr>
+            <a:lvl6pPr indent="-323850" lvl="5" marL="2743200" rtl="0">
+              <a:spcBef>
+                <a:spcPts val="2000"/>
+              </a:spcBef>
+              <a:spcAft>
+                <a:spcPts val="0"/>
+              </a:spcAft>
+              <a:buSzPts val="1500"/>
+              <a:buChar char="■"/>
+              <a:defRPr sz="1500"/>
+            </a:lvl6pPr>
+            <a:lvl7pPr indent="-323850" lvl="6" marL="3200400" rtl="0">
+              <a:spcBef>
+                <a:spcPts val="2000"/>
+              </a:spcBef>
+              <a:spcAft>
+                <a:spcPts val="0"/>
+              </a:spcAft>
+              <a:buSzPts val="1500"/>
+              <a:buChar char="●"/>
+              <a:defRPr sz="1500"/>
+            </a:lvl7pPr>
+            <a:lvl8pPr indent="-323850" lvl="7" marL="3657600" rtl="0">
+              <a:spcBef>
+                <a:spcPts val="2000"/>
+              </a:spcBef>
+              <a:spcAft>
+                <a:spcPts val="0"/>
+              </a:spcAft>
+              <a:buSzPts val="1500"/>
+              <a:buChar char="○"/>
+              <a:defRPr sz="1500"/>
+            </a:lvl8pPr>
+            <a:lvl9pPr indent="-323850" lvl="8" marL="4114800" rtl="0">
+              <a:spcBef>
+                <a:spcPts val="2000"/>
+              </a:spcBef>
+              <a:spcAft>
+                <a:spcPts val="2000"/>
+              </a:spcAft>
+              <a:buSzPts val="1500"/>
+              <a:buChar char="■"/>
+              <a:defRPr sz="1500"/>
+            </a:lvl9pPr>
+          </a:lstStyle>
+          <a:p/>
+        </p:txBody>
+      </p:sp>
+      <p:sp>
+        <p:nvSpPr>
+          <p:cNvPr id="29" name="Google Shape;29;p7"/>
           <p:cNvSpPr txBox="1"/>
           <p:nvPr>
             <p:ph idx="12" type="sldNum"/>
@@ -2247,39 +3369,39 @@
             <a:noAutofit/>
           </a:bodyPr>
           <a:lstStyle>
-            <a:lvl1pPr lvl="0">
+            <a:lvl1pPr lvl="0" rtl="0">
               <a:buNone/>
               <a:defRPr/>
             </a:lvl1pPr>
-            <a:lvl2pPr lvl="1">
+            <a:lvl2pPr lvl="1" rtl="0">
               <a:buNone/>
               <a:defRPr/>
             </a:lvl2pPr>
-            <a:lvl3pPr lvl="2">
+            <a:lvl3pPr lvl="2" rtl="0">
               <a:buNone/>
               <a:defRPr/>
             </a:lvl3pPr>
-            <a:lvl4pPr lvl="3">
+            <a:lvl4pPr lvl="3" rtl="0">
               <a:buNone/>
               <a:defRPr/>
             </a:lvl4pPr>
-            <a:lvl5pPr lvl="4">
+            <a:lvl5pPr lvl="4" rtl="0">
               <a:buNone/>
               <a:defRPr/>
             </a:lvl5pPr>
-            <a:lvl6pPr lvl="5">
+            <a:lvl6pPr lvl="5" rtl="0">
               <a:buNone/>
               <a:defRPr/>
             </a:lvl6pPr>
-            <a:lvl7pPr lvl="6">
+            <a:lvl7pPr lvl="6" rtl="0">
               <a:buNone/>
               <a:defRPr/>
             </a:lvl7pPr>
-            <a:lvl8pPr lvl="7">
+            <a:lvl8pPr lvl="7" rtl="0">
               <a:buNone/>
               <a:defRPr/>
             </a:lvl8pPr>
-            <a:lvl9pPr lvl="8">
+            <a:lvl9pPr lvl="8" rtl="0">
               <a:buNone/>
               <a:defRPr/>
             </a:lvl9pPr>
@@ -2310,12 +3432,12 @@
 </p:sldLayout>
 </file>
 
-<file path=ppt/slideLayouts/slideLayout3.xml><?xml version="1.0" encoding="utf-8"?>
-<p:sldLayout xmlns:a="http://schemas.openxmlformats.org/drawingml/2006/main" xmlns:r="http://schemas.openxmlformats.org/officeDocument/2006/relationships" xmlns:mc="http://schemas.openxmlformats.org/markup-compatibility/2006" xmlns:mv="urn:schemas-microsoft-com:mac:vml" xmlns:p="http://schemas.openxmlformats.org/presentationml/2006/main" xmlns:c="http://schemas.openxmlformats.org/drawingml/2006/chart" xmlns:dgm="http://schemas.openxmlformats.org/drawingml/2006/diagram" xmlns:o="urn:schemas-microsoft-com:office:office" xmlns:v="urn:schemas-microsoft-com:vml" xmlns:pvml="urn:schemas-microsoft-com:office:powerpoint" xmlns:com="http://schemas.openxmlformats.org/drawingml/2006/compatibility" xmlns:p14="http://schemas.microsoft.com/office/powerpoint/2010/main" xmlns:p15="http://schemas.microsoft.com/office/powerpoint/2012/main" matchingName="Title and body" type="tx">
-  <p:cSld name="TITLE_AND_BODY">
+<file path=ppt/slideLayouts/slideLayout6.xml><?xml version="1.0" encoding="utf-8"?>
+<p:sldLayout xmlns:a="http://schemas.openxmlformats.org/drawingml/2006/main" xmlns:r="http://schemas.openxmlformats.org/officeDocument/2006/relationships" xmlns:mc="http://schemas.openxmlformats.org/markup-compatibility/2006" xmlns:mv="urn:schemas-microsoft-com:mac:vml" xmlns:p="http://schemas.openxmlformats.org/presentationml/2006/main" xmlns:c="http://schemas.openxmlformats.org/drawingml/2006/chart" xmlns:dgm="http://schemas.openxmlformats.org/drawingml/2006/diagram" xmlns:o="urn:schemas-microsoft-com:office:office" xmlns:v="urn:schemas-microsoft-com:vml" xmlns:pvml="urn:schemas-microsoft-com:office:powerpoint" xmlns:com="http://schemas.openxmlformats.org/drawingml/2006/compatibility" xmlns:p14="http://schemas.microsoft.com/office/powerpoint/2010/main" xmlns:p15="http://schemas.microsoft.com/office/powerpoint/2012/main" matchingName="Title only" type="titleOnly">
+  <p:cSld name="TITLE_ONLY">
     <p:spTree>
       <p:nvGrpSpPr>
-        <p:cNvPr id="16" name="Shape 16"/>
+        <p:cNvPr id="30" name="Shape 30"/>
         <p:cNvGrpSpPr/>
         <p:nvPr/>
       </p:nvGrpSpPr>
@@ -2329,7 +3451,7 @@
       </p:grpSpPr>
       <p:sp>
         <p:nvSpPr>
-          <p:cNvPr id="17" name="Google Shape;17;p4"/>
+          <p:cNvPr id="31" name="Google Shape;31;p8"/>
           <p:cNvSpPr txBox="1"/>
           <p:nvPr>
             <p:ph type="title"/>
@@ -2349,7 +3471,7 @@
             <a:noAutofit/>
           </a:bodyPr>
           <a:lstStyle>
-            <a:lvl1pPr lvl="0">
+            <a:lvl1pPr lvl="0" rtl="0">
               <a:spcBef>
                 <a:spcPts val="0"/>
               </a:spcBef>
@@ -2360,7 +3482,7 @@
               <a:buNone/>
               <a:defRPr/>
             </a:lvl1pPr>
-            <a:lvl2pPr lvl="1">
+            <a:lvl2pPr lvl="1" rtl="0">
               <a:spcBef>
                 <a:spcPts val="0"/>
               </a:spcBef>
@@ -2371,7 +3493,7 @@
               <a:buNone/>
               <a:defRPr/>
             </a:lvl2pPr>
-            <a:lvl3pPr lvl="2">
+            <a:lvl3pPr lvl="2" rtl="0">
               <a:spcBef>
                 <a:spcPts val="0"/>
               </a:spcBef>
@@ -2382,7 +3504,7 @@
               <a:buNone/>
               <a:defRPr/>
             </a:lvl3pPr>
-            <a:lvl4pPr lvl="3">
+            <a:lvl4pPr lvl="3" rtl="0">
               <a:spcBef>
                 <a:spcPts val="0"/>
               </a:spcBef>
@@ -2393,7 +3515,7 @@
               <a:buNone/>
               <a:defRPr/>
             </a:lvl4pPr>
-            <a:lvl5pPr lvl="4">
+            <a:lvl5pPr lvl="4" rtl="0">
               <a:spcBef>
                 <a:spcPts val="0"/>
               </a:spcBef>
@@ -2404,7 +3526,7 @@
               <a:buNone/>
               <a:defRPr/>
             </a:lvl5pPr>
-            <a:lvl6pPr lvl="5">
+            <a:lvl6pPr lvl="5" rtl="0">
               <a:spcBef>
                 <a:spcPts val="0"/>
               </a:spcBef>
@@ -2415,7 +3537,7 @@
               <a:buNone/>
               <a:defRPr/>
             </a:lvl6pPr>
-            <a:lvl7pPr lvl="6">
+            <a:lvl7pPr lvl="6" rtl="0">
               <a:spcBef>
                 <a:spcPts val="0"/>
               </a:spcBef>
@@ -2426,7 +3548,7 @@
               <a:buNone/>
               <a:defRPr/>
             </a:lvl7pPr>
-            <a:lvl8pPr lvl="7">
+            <a:lvl8pPr lvl="7" rtl="0">
               <a:spcBef>
                 <a:spcPts val="0"/>
               </a:spcBef>
@@ -2437,7 +3559,7 @@
               <a:buNone/>
               <a:defRPr/>
             </a:lvl8pPr>
-            <a:lvl9pPr lvl="8">
+            <a:lvl9pPr lvl="8" rtl="0">
               <a:spcBef>
                 <a:spcPts val="0"/>
               </a:spcBef>
@@ -2454,132 +3576,7 @@
       </p:sp>
       <p:sp>
         <p:nvSpPr>
-          <p:cNvPr id="18" name="Google Shape;18;p4"/>
-          <p:cNvSpPr txBox="1"/>
-          <p:nvPr>
-            <p:ph idx="1" type="body"/>
-          </p:nvPr>
-        </p:nvSpPr>
-        <p:spPr>
-          <a:xfrm>
-            <a:off x="364468" y="1693927"/>
-            <a:ext cx="9963000" cy="5021400"/>
-          </a:xfrm>
-          <a:prstGeom prst="rect">
-            <a:avLst/>
-          </a:prstGeom>
-        </p:spPr>
-        <p:txBody>
-          <a:bodyPr anchorCtr="0" anchor="t" bIns="116050" lIns="116050" spcFirstLastPara="1" rIns="116050" wrap="square" tIns="116050">
-            <a:noAutofit/>
-          </a:bodyPr>
-          <a:lstStyle>
-            <a:lvl1pPr indent="-374650" lvl="0" marL="457200">
-              <a:spcBef>
-                <a:spcPts val="0"/>
-              </a:spcBef>
-              <a:spcAft>
-                <a:spcPts val="0"/>
-              </a:spcAft>
-              <a:buSzPts val="2300"/>
-              <a:buChar char="●"/>
-              <a:defRPr/>
-            </a:lvl1pPr>
-            <a:lvl2pPr indent="-342900" lvl="1" marL="914400">
-              <a:spcBef>
-                <a:spcPts val="2000"/>
-              </a:spcBef>
-              <a:spcAft>
-                <a:spcPts val="0"/>
-              </a:spcAft>
-              <a:buSzPts val="1800"/>
-              <a:buChar char="○"/>
-              <a:defRPr/>
-            </a:lvl2pPr>
-            <a:lvl3pPr indent="-342900" lvl="2" marL="1371600">
-              <a:spcBef>
-                <a:spcPts val="2000"/>
-              </a:spcBef>
-              <a:spcAft>
-                <a:spcPts val="0"/>
-              </a:spcAft>
-              <a:buSzPts val="1800"/>
-              <a:buChar char="■"/>
-              <a:defRPr/>
-            </a:lvl3pPr>
-            <a:lvl4pPr indent="-342900" lvl="3" marL="1828800">
-              <a:spcBef>
-                <a:spcPts val="2000"/>
-              </a:spcBef>
-              <a:spcAft>
-                <a:spcPts val="0"/>
-              </a:spcAft>
-              <a:buSzPts val="1800"/>
-              <a:buChar char="●"/>
-              <a:defRPr/>
-            </a:lvl4pPr>
-            <a:lvl5pPr indent="-342900" lvl="4" marL="2286000">
-              <a:spcBef>
-                <a:spcPts val="2000"/>
-              </a:spcBef>
-              <a:spcAft>
-                <a:spcPts val="0"/>
-              </a:spcAft>
-              <a:buSzPts val="1800"/>
-              <a:buChar char="○"/>
-              <a:defRPr/>
-            </a:lvl5pPr>
-            <a:lvl6pPr indent="-342900" lvl="5" marL="2743200">
-              <a:spcBef>
-                <a:spcPts val="2000"/>
-              </a:spcBef>
-              <a:spcAft>
-                <a:spcPts val="0"/>
-              </a:spcAft>
-              <a:buSzPts val="1800"/>
-              <a:buChar char="■"/>
-              <a:defRPr/>
-            </a:lvl6pPr>
-            <a:lvl7pPr indent="-342900" lvl="6" marL="3200400">
-              <a:spcBef>
-                <a:spcPts val="2000"/>
-              </a:spcBef>
-              <a:spcAft>
-                <a:spcPts val="0"/>
-              </a:spcAft>
-              <a:buSzPts val="1800"/>
-              <a:buChar char="●"/>
-              <a:defRPr/>
-            </a:lvl7pPr>
-            <a:lvl8pPr indent="-342900" lvl="7" marL="3657600">
-              <a:spcBef>
-                <a:spcPts val="2000"/>
-              </a:spcBef>
-              <a:spcAft>
-                <a:spcPts val="0"/>
-              </a:spcAft>
-              <a:buSzPts val="1800"/>
-              <a:buChar char="○"/>
-              <a:defRPr/>
-            </a:lvl8pPr>
-            <a:lvl9pPr indent="-342900" lvl="8" marL="4114800">
-              <a:spcBef>
-                <a:spcPts val="2000"/>
-              </a:spcBef>
-              <a:spcAft>
-                <a:spcPts val="2000"/>
-              </a:spcAft>
-              <a:buSzPts val="1800"/>
-              <a:buChar char="■"/>
-              <a:defRPr/>
-            </a:lvl9pPr>
-          </a:lstStyle>
-          <a:p/>
-        </p:txBody>
-      </p:sp>
-      <p:sp>
-        <p:nvSpPr>
-          <p:cNvPr id="19" name="Google Shape;19;p4"/>
+          <p:cNvPr id="32" name="Google Shape;32;p8"/>
           <p:cNvSpPr txBox="1"/>
           <p:nvPr>
             <p:ph idx="12" type="sldNum"/>
@@ -2599,39 +3596,39 @@
             <a:noAutofit/>
           </a:bodyPr>
           <a:lstStyle>
-            <a:lvl1pPr lvl="0">
+            <a:lvl1pPr lvl="0" rtl="0">
               <a:buNone/>
               <a:defRPr/>
             </a:lvl1pPr>
-            <a:lvl2pPr lvl="1">
+            <a:lvl2pPr lvl="1" rtl="0">
               <a:buNone/>
               <a:defRPr/>
             </a:lvl2pPr>
-            <a:lvl3pPr lvl="2">
+            <a:lvl3pPr lvl="2" rtl="0">
               <a:buNone/>
               <a:defRPr/>
             </a:lvl3pPr>
-            <a:lvl4pPr lvl="3">
+            <a:lvl4pPr lvl="3" rtl="0">
               <a:buNone/>
               <a:defRPr/>
             </a:lvl4pPr>
-            <a:lvl5pPr lvl="4">
+            <a:lvl5pPr lvl="4" rtl="0">
               <a:buNone/>
               <a:defRPr/>
             </a:lvl5pPr>
-            <a:lvl6pPr lvl="5">
+            <a:lvl6pPr lvl="5" rtl="0">
               <a:buNone/>
               <a:defRPr/>
             </a:lvl6pPr>
-            <a:lvl7pPr lvl="6">
+            <a:lvl7pPr lvl="6" rtl="0">
               <a:buNone/>
               <a:defRPr/>
             </a:lvl7pPr>
-            <a:lvl8pPr lvl="7">
+            <a:lvl8pPr lvl="7" rtl="0">
               <a:buNone/>
               <a:defRPr/>
             </a:lvl8pPr>
-            <a:lvl9pPr lvl="8">
+            <a:lvl9pPr lvl="8" rtl="0">
               <a:buNone/>
               <a:defRPr/>
             </a:lvl9pPr>
@@ -2662,12 +3659,12 @@
 </p:sldLayout>
 </file>
 
-<file path=ppt/slideLayouts/slideLayout4.xml><?xml version="1.0" encoding="utf-8"?>
-<p:sldLayout xmlns:a="http://schemas.openxmlformats.org/drawingml/2006/main" xmlns:r="http://schemas.openxmlformats.org/officeDocument/2006/relationships" xmlns:mc="http://schemas.openxmlformats.org/markup-compatibility/2006" xmlns:mv="urn:schemas-microsoft-com:mac:vml" xmlns:p="http://schemas.openxmlformats.org/presentationml/2006/main" xmlns:c="http://schemas.openxmlformats.org/drawingml/2006/chart" xmlns:dgm="http://schemas.openxmlformats.org/drawingml/2006/diagram" xmlns:o="urn:schemas-microsoft-com:office:office" xmlns:v="urn:schemas-microsoft-com:vml" xmlns:pvml="urn:schemas-microsoft-com:office:powerpoint" xmlns:com="http://schemas.openxmlformats.org/drawingml/2006/compatibility" xmlns:p14="http://schemas.microsoft.com/office/powerpoint/2010/main" xmlns:p15="http://schemas.microsoft.com/office/powerpoint/2012/main" matchingName="Title and two columns" type="twoColTx">
-  <p:cSld name="TITLE_AND_TWO_COLUMNS">
+<file path=ppt/slideLayouts/slideLayout7.xml><?xml version="1.0" encoding="utf-8"?>
+<p:sldLayout xmlns:a="http://schemas.openxmlformats.org/drawingml/2006/main" xmlns:r="http://schemas.openxmlformats.org/officeDocument/2006/relationships" xmlns:mc="http://schemas.openxmlformats.org/markup-compatibility/2006" xmlns:mv="urn:schemas-microsoft-com:mac:vml" xmlns:p="http://schemas.openxmlformats.org/presentationml/2006/main" xmlns:c="http://schemas.openxmlformats.org/drawingml/2006/chart" xmlns:dgm="http://schemas.openxmlformats.org/drawingml/2006/diagram" xmlns:o="urn:schemas-microsoft-com:office:office" xmlns:v="urn:schemas-microsoft-com:vml" xmlns:pvml="urn:schemas-microsoft-com:office:powerpoint" xmlns:com="http://schemas.openxmlformats.org/drawingml/2006/compatibility" xmlns:p14="http://schemas.microsoft.com/office/powerpoint/2010/main" xmlns:p15="http://schemas.microsoft.com/office/powerpoint/2012/main" matchingName="One column text">
+  <p:cSld name="ONE_COLUMN_TEXT">
     <p:spTree>
       <p:nvGrpSpPr>
-        <p:cNvPr id="20" name="Shape 20"/>
+        <p:cNvPr id="33" name="Shape 33"/>
         <p:cNvGrpSpPr/>
         <p:nvPr/>
       </p:nvGrpSpPr>
@@ -2681,7 +3678,7 @@
       </p:grpSpPr>
       <p:sp>
         <p:nvSpPr>
-          <p:cNvPr id="21" name="Google Shape;21;p5"/>
+          <p:cNvPr id="34" name="Google Shape;34;p9"/>
           <p:cNvSpPr txBox="1"/>
           <p:nvPr>
             <p:ph type="title"/>
@@ -2689,8 +3686,133 @@
         </p:nvSpPr>
         <p:spPr>
           <a:xfrm>
-            <a:off x="364468" y="654105"/>
-            <a:ext cx="9963000" cy="841800"/>
+            <a:off x="364468" y="816630"/>
+            <a:ext cx="3283500" cy="1110600"/>
+          </a:xfrm>
+          <a:prstGeom prst="rect">
+            <a:avLst/>
+          </a:prstGeom>
+        </p:spPr>
+        <p:txBody>
+          <a:bodyPr anchorCtr="0" anchor="b" bIns="116050" lIns="116050" spcFirstLastPara="1" rIns="116050" wrap="square" tIns="116050">
+            <a:noAutofit/>
+          </a:bodyPr>
+          <a:lstStyle>
+            <a:lvl1pPr lvl="0" rtl="0">
+              <a:spcBef>
+                <a:spcPts val="0"/>
+              </a:spcBef>
+              <a:spcAft>
+                <a:spcPts val="0"/>
+              </a:spcAft>
+              <a:buSzPts val="3000"/>
+              <a:buNone/>
+              <a:defRPr sz="3000"/>
+            </a:lvl1pPr>
+            <a:lvl2pPr lvl="1" rtl="0">
+              <a:spcBef>
+                <a:spcPts val="0"/>
+              </a:spcBef>
+              <a:spcAft>
+                <a:spcPts val="0"/>
+              </a:spcAft>
+              <a:buSzPts val="3000"/>
+              <a:buNone/>
+              <a:defRPr sz="3000"/>
+            </a:lvl2pPr>
+            <a:lvl3pPr lvl="2" rtl="0">
+              <a:spcBef>
+                <a:spcPts val="0"/>
+              </a:spcBef>
+              <a:spcAft>
+                <a:spcPts val="0"/>
+              </a:spcAft>
+              <a:buSzPts val="3000"/>
+              <a:buNone/>
+              <a:defRPr sz="3000"/>
+            </a:lvl3pPr>
+            <a:lvl4pPr lvl="3" rtl="0">
+              <a:spcBef>
+                <a:spcPts val="0"/>
+              </a:spcBef>
+              <a:spcAft>
+                <a:spcPts val="0"/>
+              </a:spcAft>
+              <a:buSzPts val="3000"/>
+              <a:buNone/>
+              <a:defRPr sz="3000"/>
+            </a:lvl4pPr>
+            <a:lvl5pPr lvl="4" rtl="0">
+              <a:spcBef>
+                <a:spcPts val="0"/>
+              </a:spcBef>
+              <a:spcAft>
+                <a:spcPts val="0"/>
+              </a:spcAft>
+              <a:buSzPts val="3000"/>
+              <a:buNone/>
+              <a:defRPr sz="3000"/>
+            </a:lvl5pPr>
+            <a:lvl6pPr lvl="5" rtl="0">
+              <a:spcBef>
+                <a:spcPts val="0"/>
+              </a:spcBef>
+              <a:spcAft>
+                <a:spcPts val="0"/>
+              </a:spcAft>
+              <a:buSzPts val="3000"/>
+              <a:buNone/>
+              <a:defRPr sz="3000"/>
+            </a:lvl6pPr>
+            <a:lvl7pPr lvl="6" rtl="0">
+              <a:spcBef>
+                <a:spcPts val="0"/>
+              </a:spcBef>
+              <a:spcAft>
+                <a:spcPts val="0"/>
+              </a:spcAft>
+              <a:buSzPts val="3000"/>
+              <a:buNone/>
+              <a:defRPr sz="3000"/>
+            </a:lvl7pPr>
+            <a:lvl8pPr lvl="7" rtl="0">
+              <a:spcBef>
+                <a:spcPts val="0"/>
+              </a:spcBef>
+              <a:spcAft>
+                <a:spcPts val="0"/>
+              </a:spcAft>
+              <a:buSzPts val="3000"/>
+              <a:buNone/>
+              <a:defRPr sz="3000"/>
+            </a:lvl8pPr>
+            <a:lvl9pPr lvl="8" rtl="0">
+              <a:spcBef>
+                <a:spcPts val="0"/>
+              </a:spcBef>
+              <a:spcAft>
+                <a:spcPts val="0"/>
+              </a:spcAft>
+              <a:buSzPts val="3000"/>
+              <a:buNone/>
+              <a:defRPr sz="3000"/>
+            </a:lvl9pPr>
+          </a:lstStyle>
+          <a:p/>
+        </p:txBody>
+      </p:sp>
+      <p:sp>
+        <p:nvSpPr>
+          <p:cNvPr id="35" name="Google Shape;35;p9"/>
+          <p:cNvSpPr txBox="1"/>
+          <p:nvPr>
+            <p:ph idx="1" type="body"/>
+          </p:nvPr>
+        </p:nvSpPr>
+        <p:spPr>
+          <a:xfrm>
+            <a:off x="364468" y="2042457"/>
+            <a:ext cx="3283500" cy="4673100"/>
           </a:xfrm>
           <a:prstGeom prst="rect">
             <a:avLst/>
@@ -2701,143 +3823,18 @@
             <a:noAutofit/>
           </a:bodyPr>
           <a:lstStyle>
-            <a:lvl1pPr lvl="0">
-              <a:spcBef>
-                <a:spcPts val="0"/>
-              </a:spcBef>
-              <a:spcAft>
-                <a:spcPts val="0"/>
-              </a:spcAft>
-              <a:buSzPts val="3600"/>
-              <a:buNone/>
-              <a:defRPr/>
+            <a:lvl1pPr indent="-323850" lvl="0" marL="457200" rtl="0">
+              <a:spcBef>
+                <a:spcPts val="0"/>
+              </a:spcBef>
+              <a:spcAft>
+                <a:spcPts val="0"/>
+              </a:spcAft>
+              <a:buSzPts val="1500"/>
+              <a:buChar char="●"/>
+              <a:defRPr sz="1500"/>
             </a:lvl1pPr>
-            <a:lvl2pPr lvl="1">
-              <a:spcBef>
-                <a:spcPts val="0"/>
-              </a:spcBef>
-              <a:spcAft>
-                <a:spcPts val="0"/>
-              </a:spcAft>
-              <a:buSzPts val="3600"/>
-              <a:buNone/>
-              <a:defRPr/>
-            </a:lvl2pPr>
-            <a:lvl3pPr lvl="2">
-              <a:spcBef>
-                <a:spcPts val="0"/>
-              </a:spcBef>
-              <a:spcAft>
-                <a:spcPts val="0"/>
-              </a:spcAft>
-              <a:buSzPts val="3600"/>
-              <a:buNone/>
-              <a:defRPr/>
-            </a:lvl3pPr>
-            <a:lvl4pPr lvl="3">
-              <a:spcBef>
-                <a:spcPts val="0"/>
-              </a:spcBef>
-              <a:spcAft>
-                <a:spcPts val="0"/>
-              </a:spcAft>
-              <a:buSzPts val="3600"/>
-              <a:buNone/>
-              <a:defRPr/>
-            </a:lvl4pPr>
-            <a:lvl5pPr lvl="4">
-              <a:spcBef>
-                <a:spcPts val="0"/>
-              </a:spcBef>
-              <a:spcAft>
-                <a:spcPts val="0"/>
-              </a:spcAft>
-              <a:buSzPts val="3600"/>
-              <a:buNone/>
-              <a:defRPr/>
-            </a:lvl5pPr>
-            <a:lvl6pPr lvl="5">
-              <a:spcBef>
-                <a:spcPts val="0"/>
-              </a:spcBef>
-              <a:spcAft>
-                <a:spcPts val="0"/>
-              </a:spcAft>
-              <a:buSzPts val="3600"/>
-              <a:buNone/>
-              <a:defRPr/>
-            </a:lvl6pPr>
-            <a:lvl7pPr lvl="6">
-              <a:spcBef>
-                <a:spcPts val="0"/>
-              </a:spcBef>
-              <a:spcAft>
-                <a:spcPts val="0"/>
-              </a:spcAft>
-              <a:buSzPts val="3600"/>
-              <a:buNone/>
-              <a:defRPr/>
-            </a:lvl7pPr>
-            <a:lvl8pPr lvl="7">
-              <a:spcBef>
-                <a:spcPts val="0"/>
-              </a:spcBef>
-              <a:spcAft>
-                <a:spcPts val="0"/>
-              </a:spcAft>
-              <a:buSzPts val="3600"/>
-              <a:buNone/>
-              <a:defRPr/>
-            </a:lvl8pPr>
-            <a:lvl9pPr lvl="8">
-              <a:spcBef>
-                <a:spcPts val="0"/>
-              </a:spcBef>
-              <a:spcAft>
-                <a:spcPts val="0"/>
-              </a:spcAft>
-              <a:buSzPts val="3600"/>
-              <a:buNone/>
-              <a:defRPr/>
-            </a:lvl9pPr>
-          </a:lstStyle>
-          <a:p/>
-        </p:txBody>
-      </p:sp>
-      <p:sp>
-        <p:nvSpPr>
-          <p:cNvPr id="22" name="Google Shape;22;p5"/>
-          <p:cNvSpPr txBox="1"/>
-          <p:nvPr>
-            <p:ph idx="1" type="body"/>
-          </p:nvPr>
-        </p:nvSpPr>
-        <p:spPr>
-          <a:xfrm>
-            <a:off x="364468" y="1693927"/>
-            <a:ext cx="4677000" cy="5021400"/>
-          </a:xfrm>
-          <a:prstGeom prst="rect">
-            <a:avLst/>
-          </a:prstGeom>
-        </p:spPr>
-        <p:txBody>
-          <a:bodyPr anchorCtr="0" anchor="t" bIns="116050" lIns="116050" spcFirstLastPara="1" rIns="116050" wrap="square" tIns="116050">
-            <a:noAutofit/>
-          </a:bodyPr>
-          <a:lstStyle>
-            <a:lvl1pPr indent="-342900" lvl="0" marL="457200">
-              <a:spcBef>
-                <a:spcPts val="0"/>
-              </a:spcBef>
-              <a:spcAft>
-                <a:spcPts val="0"/>
-              </a:spcAft>
-              <a:buSzPts val="1800"/>
-              <a:buChar char="●"/>
-              <a:defRPr sz="1800"/>
-            </a:lvl1pPr>
-            <a:lvl2pPr indent="-323850" lvl="1" marL="914400">
+            <a:lvl2pPr indent="-323850" lvl="1" marL="914400" rtl="0">
               <a:spcBef>
                 <a:spcPts val="2000"/>
               </a:spcBef>
@@ -2848,7 +3845,7 @@
               <a:buChar char="○"/>
               <a:defRPr sz="1500"/>
             </a:lvl2pPr>
-            <a:lvl3pPr indent="-323850" lvl="2" marL="1371600">
+            <a:lvl3pPr indent="-323850" lvl="2" marL="1371600" rtl="0">
               <a:spcBef>
                 <a:spcPts val="2000"/>
               </a:spcBef>
@@ -2859,7 +3856,7 @@
               <a:buChar char="■"/>
               <a:defRPr sz="1500"/>
             </a:lvl3pPr>
-            <a:lvl4pPr indent="-323850" lvl="3" marL="1828800">
+            <a:lvl4pPr indent="-323850" lvl="3" marL="1828800" rtl="0">
               <a:spcBef>
                 <a:spcPts val="2000"/>
               </a:spcBef>
@@ -2870,7 +3867,7 @@
               <a:buChar char="●"/>
               <a:defRPr sz="1500"/>
             </a:lvl4pPr>
-            <a:lvl5pPr indent="-323850" lvl="4" marL="2286000">
+            <a:lvl5pPr indent="-323850" lvl="4" marL="2286000" rtl="0">
               <a:spcBef>
                 <a:spcPts val="2000"/>
               </a:spcBef>
@@ -2881,7 +3878,7 @@
               <a:buChar char="○"/>
               <a:defRPr sz="1500"/>
             </a:lvl5pPr>
-            <a:lvl6pPr indent="-323850" lvl="5" marL="2743200">
+            <a:lvl6pPr indent="-323850" lvl="5" marL="2743200" rtl="0">
               <a:spcBef>
                 <a:spcPts val="2000"/>
               </a:spcBef>
@@ -2892,7 +3889,7 @@
               <a:buChar char="■"/>
               <a:defRPr sz="1500"/>
             </a:lvl6pPr>
-            <a:lvl7pPr indent="-323850" lvl="6" marL="3200400">
+            <a:lvl7pPr indent="-323850" lvl="6" marL="3200400" rtl="0">
               <a:spcBef>
                 <a:spcPts val="2000"/>
               </a:spcBef>
@@ -2903,7 +3900,7 @@
               <a:buChar char="●"/>
               <a:defRPr sz="1500"/>
             </a:lvl7pPr>
-            <a:lvl8pPr indent="-323850" lvl="7" marL="3657600">
+            <a:lvl8pPr indent="-323850" lvl="7" marL="3657600" rtl="0">
               <a:spcBef>
                 <a:spcPts val="2000"/>
               </a:spcBef>
@@ -2914,7 +3911,7 @@
               <a:buChar char="○"/>
               <a:defRPr sz="1500"/>
             </a:lvl8pPr>
-            <a:lvl9pPr indent="-323850" lvl="8" marL="4114800">
+            <a:lvl9pPr indent="-323850" lvl="8" marL="4114800" rtl="0">
               <a:spcBef>
                 <a:spcPts val="2000"/>
               </a:spcBef>
@@ -2931,132 +3928,7 @@
       </p:sp>
       <p:sp>
         <p:nvSpPr>
-          <p:cNvPr id="23" name="Google Shape;23;p5"/>
-          <p:cNvSpPr txBox="1"/>
-          <p:nvPr>
-            <p:ph idx="2" type="body"/>
-          </p:nvPr>
-        </p:nvSpPr>
-        <p:spPr>
-          <a:xfrm>
-            <a:off x="5650483" y="1693927"/>
-            <a:ext cx="4677000" cy="5021400"/>
-          </a:xfrm>
-          <a:prstGeom prst="rect">
-            <a:avLst/>
-          </a:prstGeom>
-        </p:spPr>
-        <p:txBody>
-          <a:bodyPr anchorCtr="0" anchor="t" bIns="116050" lIns="116050" spcFirstLastPara="1" rIns="116050" wrap="square" tIns="116050">
-            <a:noAutofit/>
-          </a:bodyPr>
-          <a:lstStyle>
-            <a:lvl1pPr indent="-342900" lvl="0" marL="457200">
-              <a:spcBef>
-                <a:spcPts val="0"/>
-              </a:spcBef>
-              <a:spcAft>
-                <a:spcPts val="0"/>
-              </a:spcAft>
-              <a:buSzPts val="1800"/>
-              <a:buChar char="●"/>
-              <a:defRPr sz="1800"/>
-            </a:lvl1pPr>
-            <a:lvl2pPr indent="-323850" lvl="1" marL="914400">
-              <a:spcBef>
-                <a:spcPts val="2000"/>
-              </a:spcBef>
-              <a:spcAft>
-                <a:spcPts val="0"/>
-              </a:spcAft>
-              <a:buSzPts val="1500"/>
-              <a:buChar char="○"/>
-              <a:defRPr sz="1500"/>
-            </a:lvl2pPr>
-            <a:lvl3pPr indent="-323850" lvl="2" marL="1371600">
-              <a:spcBef>
-                <a:spcPts val="2000"/>
-              </a:spcBef>
-              <a:spcAft>
-                <a:spcPts val="0"/>
-              </a:spcAft>
-              <a:buSzPts val="1500"/>
-              <a:buChar char="■"/>
-              <a:defRPr sz="1500"/>
-            </a:lvl3pPr>
-            <a:lvl4pPr indent="-323850" lvl="3" marL="1828800">
-              <a:spcBef>
-                <a:spcPts val="2000"/>
-              </a:spcBef>
-              <a:spcAft>
-                <a:spcPts val="0"/>
-              </a:spcAft>
-              <a:buSzPts val="1500"/>
-              <a:buChar char="●"/>
-              <a:defRPr sz="1500"/>
-            </a:lvl4pPr>
-            <a:lvl5pPr indent="-323850" lvl="4" marL="2286000">
-              <a:spcBef>
-                <a:spcPts val="2000"/>
-              </a:spcBef>
-              <a:spcAft>
-                <a:spcPts val="0"/>
-              </a:spcAft>
-              <a:buSzPts val="1500"/>
-              <a:buChar char="○"/>
-              <a:defRPr sz="1500"/>
-            </a:lvl5pPr>
-            <a:lvl6pPr indent="-323850" lvl="5" marL="2743200">
-              <a:spcBef>
-                <a:spcPts val="2000"/>
-              </a:spcBef>
-              <a:spcAft>
-                <a:spcPts val="0"/>
-              </a:spcAft>
-              <a:buSzPts val="1500"/>
-              <a:buChar char="■"/>
-              <a:defRPr sz="1500"/>
-            </a:lvl6pPr>
-            <a:lvl7pPr indent="-323850" lvl="6" marL="3200400">
-              <a:spcBef>
-                <a:spcPts val="2000"/>
-              </a:spcBef>
-              <a:spcAft>
-                <a:spcPts val="0"/>
-              </a:spcAft>
-              <a:buSzPts val="1500"/>
-              <a:buChar char="●"/>
-              <a:defRPr sz="1500"/>
-            </a:lvl7pPr>
-            <a:lvl8pPr indent="-323850" lvl="7" marL="3657600">
-              <a:spcBef>
-                <a:spcPts val="2000"/>
-              </a:spcBef>
-              <a:spcAft>
-                <a:spcPts val="0"/>
-              </a:spcAft>
-              <a:buSzPts val="1500"/>
-              <a:buChar char="○"/>
-              <a:defRPr sz="1500"/>
-            </a:lvl8pPr>
-            <a:lvl9pPr indent="-323850" lvl="8" marL="4114800">
-              <a:spcBef>
-                <a:spcPts val="2000"/>
-              </a:spcBef>
-              <a:spcAft>
-                <a:spcPts val="2000"/>
-              </a:spcAft>
-              <a:buSzPts val="1500"/>
-              <a:buChar char="■"/>
-              <a:defRPr sz="1500"/>
-            </a:lvl9pPr>
-          </a:lstStyle>
-          <a:p/>
-        </p:txBody>
-      </p:sp>
-      <p:sp>
-        <p:nvSpPr>
-          <p:cNvPr id="24" name="Google Shape;24;p5"/>
+          <p:cNvPr id="36" name="Google Shape;36;p9"/>
           <p:cNvSpPr txBox="1"/>
           <p:nvPr>
             <p:ph idx="12" type="sldNum"/>
@@ -3076,39 +3948,39 @@
             <a:noAutofit/>
           </a:bodyPr>
           <a:lstStyle>
-            <a:lvl1pPr lvl="0">
+            <a:lvl1pPr lvl="0" rtl="0">
               <a:buNone/>
               <a:defRPr/>
             </a:lvl1pPr>
-            <a:lvl2pPr lvl="1">
+            <a:lvl2pPr lvl="1" rtl="0">
               <a:buNone/>
               <a:defRPr/>
             </a:lvl2pPr>
-            <a:lvl3pPr lvl="2">
+            <a:lvl3pPr lvl="2" rtl="0">
               <a:buNone/>
               <a:defRPr/>
             </a:lvl3pPr>
-            <a:lvl4pPr lvl="3">
+            <a:lvl4pPr lvl="3" rtl="0">
               <a:buNone/>
               <a:defRPr/>
             </a:lvl4pPr>
-            <a:lvl5pPr lvl="4">
+            <a:lvl5pPr lvl="4" rtl="0">
               <a:buNone/>
               <a:defRPr/>
             </a:lvl5pPr>
-            <a:lvl6pPr lvl="5">
+            <a:lvl6pPr lvl="5" rtl="0">
               <a:buNone/>
               <a:defRPr/>
             </a:lvl6pPr>
-            <a:lvl7pPr lvl="6">
+            <a:lvl7pPr lvl="6" rtl="0">
               <a:buNone/>
               <a:defRPr/>
             </a:lvl7pPr>
-            <a:lvl8pPr lvl="7">
+            <a:lvl8pPr lvl="7" rtl="0">
               <a:buNone/>
               <a:defRPr/>
             </a:lvl8pPr>
-            <a:lvl9pPr lvl="8">
+            <a:lvl9pPr lvl="8" rtl="0">
               <a:buNone/>
               <a:defRPr/>
             </a:lvl9pPr>
@@ -3139,12 +4011,12 @@
 </p:sldLayout>
 </file>
 
-<file path=ppt/slideLayouts/slideLayout5.xml><?xml version="1.0" encoding="utf-8"?>
-<p:sldLayout xmlns:a="http://schemas.openxmlformats.org/drawingml/2006/main" xmlns:r="http://schemas.openxmlformats.org/officeDocument/2006/relationships" xmlns:mc="http://schemas.openxmlformats.org/markup-compatibility/2006" xmlns:mv="urn:schemas-microsoft-com:mac:vml" xmlns:p="http://schemas.openxmlformats.org/presentationml/2006/main" xmlns:c="http://schemas.openxmlformats.org/drawingml/2006/chart" xmlns:dgm="http://schemas.openxmlformats.org/drawingml/2006/diagram" xmlns:o="urn:schemas-microsoft-com:office:office" xmlns:v="urn:schemas-microsoft-com:vml" xmlns:pvml="urn:schemas-microsoft-com:office:powerpoint" xmlns:com="http://schemas.openxmlformats.org/drawingml/2006/compatibility" xmlns:p14="http://schemas.microsoft.com/office/powerpoint/2010/main" xmlns:p15="http://schemas.microsoft.com/office/powerpoint/2012/main" matchingName="Title only" type="titleOnly">
-  <p:cSld name="TITLE_ONLY">
+<file path=ppt/slideLayouts/slideLayout8.xml><?xml version="1.0" encoding="utf-8"?>
+<p:sldLayout xmlns:a="http://schemas.openxmlformats.org/drawingml/2006/main" xmlns:r="http://schemas.openxmlformats.org/officeDocument/2006/relationships" xmlns:mc="http://schemas.openxmlformats.org/markup-compatibility/2006" xmlns:mv="urn:schemas-microsoft-com:mac:vml" xmlns:p="http://schemas.openxmlformats.org/presentationml/2006/main" xmlns:c="http://schemas.openxmlformats.org/drawingml/2006/chart" xmlns:dgm="http://schemas.openxmlformats.org/drawingml/2006/diagram" xmlns:o="urn:schemas-microsoft-com:office:office" xmlns:v="urn:schemas-microsoft-com:vml" xmlns:pvml="urn:schemas-microsoft-com:office:powerpoint" xmlns:com="http://schemas.openxmlformats.org/drawingml/2006/compatibility" xmlns:p14="http://schemas.microsoft.com/office/powerpoint/2010/main" xmlns:p15="http://schemas.microsoft.com/office/powerpoint/2012/main" matchingName="Main point">
+  <p:cSld name="MAIN_POINT">
     <p:spTree>
       <p:nvGrpSpPr>
-        <p:cNvPr id="25" name="Shape 25"/>
+        <p:cNvPr id="37" name="Shape 37"/>
         <p:cNvGrpSpPr/>
         <p:nvPr/>
       </p:nvGrpSpPr>
@@ -3158,7 +4030,7 @@
       </p:grpSpPr>
       <p:sp>
         <p:nvSpPr>
-          <p:cNvPr id="26" name="Google Shape;26;p6"/>
+          <p:cNvPr id="38" name="Google Shape;38;p10"/>
           <p:cNvSpPr txBox="1"/>
           <p:nvPr>
             <p:ph type="title"/>
@@ -3166,116 +4038,116 @@
         </p:nvSpPr>
         <p:spPr>
           <a:xfrm>
-            <a:off x="364468" y="654105"/>
-            <a:ext cx="9963000" cy="841800"/>
+            <a:off x="573245" y="661638"/>
+            <a:ext cx="7445700" cy="6012600"/>
           </a:xfrm>
           <a:prstGeom prst="rect">
             <a:avLst/>
           </a:prstGeom>
         </p:spPr>
         <p:txBody>
-          <a:bodyPr anchorCtr="0" anchor="t" bIns="116050" lIns="116050" spcFirstLastPara="1" rIns="116050" wrap="square" tIns="116050">
+          <a:bodyPr anchorCtr="0" anchor="ctr" bIns="116050" lIns="116050" spcFirstLastPara="1" rIns="116050" wrap="square" tIns="116050">
             <a:noAutofit/>
           </a:bodyPr>
           <a:lstStyle>
-            <a:lvl1pPr lvl="0">
-              <a:spcBef>
-                <a:spcPts val="0"/>
-              </a:spcBef>
-              <a:spcAft>
-                <a:spcPts val="0"/>
-              </a:spcAft>
-              <a:buSzPts val="3600"/>
-              <a:buNone/>
-              <a:defRPr/>
+            <a:lvl1pPr lvl="0" rtl="0">
+              <a:spcBef>
+                <a:spcPts val="0"/>
+              </a:spcBef>
+              <a:spcAft>
+                <a:spcPts val="0"/>
+              </a:spcAft>
+              <a:buSzPts val="6100"/>
+              <a:buNone/>
+              <a:defRPr sz="6100"/>
             </a:lvl1pPr>
-            <a:lvl2pPr lvl="1">
-              <a:spcBef>
-                <a:spcPts val="0"/>
-              </a:spcBef>
-              <a:spcAft>
-                <a:spcPts val="0"/>
-              </a:spcAft>
-              <a:buSzPts val="3600"/>
-              <a:buNone/>
-              <a:defRPr/>
+            <a:lvl2pPr lvl="1" rtl="0">
+              <a:spcBef>
+                <a:spcPts val="0"/>
+              </a:spcBef>
+              <a:spcAft>
+                <a:spcPts val="0"/>
+              </a:spcAft>
+              <a:buSzPts val="6100"/>
+              <a:buNone/>
+              <a:defRPr sz="6100"/>
             </a:lvl2pPr>
-            <a:lvl3pPr lvl="2">
-              <a:spcBef>
-                <a:spcPts val="0"/>
-              </a:spcBef>
-              <a:spcAft>
-                <a:spcPts val="0"/>
-              </a:spcAft>
-              <a:buSzPts val="3600"/>
-              <a:buNone/>
-              <a:defRPr/>
+            <a:lvl3pPr lvl="2" rtl="0">
+              <a:spcBef>
+                <a:spcPts val="0"/>
+              </a:spcBef>
+              <a:spcAft>
+                <a:spcPts val="0"/>
+              </a:spcAft>
+              <a:buSzPts val="6100"/>
+              <a:buNone/>
+              <a:defRPr sz="6100"/>
             </a:lvl3pPr>
-            <a:lvl4pPr lvl="3">
-              <a:spcBef>
-                <a:spcPts val="0"/>
-              </a:spcBef>
-              <a:spcAft>
-                <a:spcPts val="0"/>
-              </a:spcAft>
-              <a:buSzPts val="3600"/>
-              <a:buNone/>
-              <a:defRPr/>
+            <a:lvl4pPr lvl="3" rtl="0">
+              <a:spcBef>
+                <a:spcPts val="0"/>
+              </a:spcBef>
+              <a:spcAft>
+                <a:spcPts val="0"/>
+              </a:spcAft>
+              <a:buSzPts val="6100"/>
+              <a:buNone/>
+              <a:defRPr sz="6100"/>
             </a:lvl4pPr>
-            <a:lvl5pPr lvl="4">
-              <a:spcBef>
-                <a:spcPts val="0"/>
-              </a:spcBef>
-              <a:spcAft>
-                <a:spcPts val="0"/>
-              </a:spcAft>
-              <a:buSzPts val="3600"/>
-              <a:buNone/>
-              <a:defRPr/>
+            <a:lvl5pPr lvl="4" rtl="0">
+              <a:spcBef>
+                <a:spcPts val="0"/>
+              </a:spcBef>
+              <a:spcAft>
+                <a:spcPts val="0"/>
+              </a:spcAft>
+              <a:buSzPts val="6100"/>
+              <a:buNone/>
+              <a:defRPr sz="6100"/>
             </a:lvl5pPr>
-            <a:lvl6pPr lvl="5">
-              <a:spcBef>
-                <a:spcPts val="0"/>
-              </a:spcBef>
-              <a:spcAft>
-                <a:spcPts val="0"/>
-              </a:spcAft>
-              <a:buSzPts val="3600"/>
-              <a:buNone/>
-              <a:defRPr/>
+            <a:lvl6pPr lvl="5" rtl="0">
+              <a:spcBef>
+                <a:spcPts val="0"/>
+              </a:spcBef>
+              <a:spcAft>
+                <a:spcPts val="0"/>
+              </a:spcAft>
+              <a:buSzPts val="6100"/>
+              <a:buNone/>
+              <a:defRPr sz="6100"/>
             </a:lvl6pPr>
-            <a:lvl7pPr lvl="6">
-              <a:spcBef>
-                <a:spcPts val="0"/>
-              </a:spcBef>
-              <a:spcAft>
-                <a:spcPts val="0"/>
-              </a:spcAft>
-              <a:buSzPts val="3600"/>
-              <a:buNone/>
-              <a:defRPr/>
+            <a:lvl7pPr lvl="6" rtl="0">
+              <a:spcBef>
+                <a:spcPts val="0"/>
+              </a:spcBef>
+              <a:spcAft>
+                <a:spcPts val="0"/>
+              </a:spcAft>
+              <a:buSzPts val="6100"/>
+              <a:buNone/>
+              <a:defRPr sz="6100"/>
             </a:lvl7pPr>
-            <a:lvl8pPr lvl="7">
-              <a:spcBef>
-                <a:spcPts val="0"/>
-              </a:spcBef>
-              <a:spcAft>
-                <a:spcPts val="0"/>
-              </a:spcAft>
-              <a:buSzPts val="3600"/>
-              <a:buNone/>
-              <a:defRPr/>
+            <a:lvl8pPr lvl="7" rtl="0">
+              <a:spcBef>
+                <a:spcPts val="0"/>
+              </a:spcBef>
+              <a:spcAft>
+                <a:spcPts val="0"/>
+              </a:spcAft>
+              <a:buSzPts val="6100"/>
+              <a:buNone/>
+              <a:defRPr sz="6100"/>
             </a:lvl8pPr>
-            <a:lvl9pPr lvl="8">
-              <a:spcBef>
-                <a:spcPts val="0"/>
-              </a:spcBef>
-              <a:spcAft>
-                <a:spcPts val="0"/>
-              </a:spcAft>
-              <a:buSzPts val="3600"/>
-              <a:buNone/>
-              <a:defRPr/>
+            <a:lvl9pPr lvl="8" rtl="0">
+              <a:spcBef>
+                <a:spcPts val="0"/>
+              </a:spcBef>
+              <a:spcAft>
+                <a:spcPts val="0"/>
+              </a:spcAft>
+              <a:buSzPts val="6100"/>
+              <a:buNone/>
+              <a:defRPr sz="6100"/>
             </a:lvl9pPr>
           </a:lstStyle>
           <a:p/>
@@ -3283,7 +4155,7 @@
       </p:sp>
       <p:sp>
         <p:nvSpPr>
-          <p:cNvPr id="27" name="Google Shape;27;p6"/>
+          <p:cNvPr id="39" name="Google Shape;39;p10"/>
           <p:cNvSpPr txBox="1"/>
           <p:nvPr>
             <p:ph idx="12" type="sldNum"/>
@@ -3303,39 +4175,39 @@
             <a:noAutofit/>
           </a:bodyPr>
           <a:lstStyle>
-            <a:lvl1pPr lvl="0">
+            <a:lvl1pPr lvl="0" rtl="0">
               <a:buNone/>
               <a:defRPr/>
             </a:lvl1pPr>
-            <a:lvl2pPr lvl="1">
+            <a:lvl2pPr lvl="1" rtl="0">
               <a:buNone/>
               <a:defRPr/>
             </a:lvl2pPr>
-            <a:lvl3pPr lvl="2">
+            <a:lvl3pPr lvl="2" rtl="0">
               <a:buNone/>
               <a:defRPr/>
             </a:lvl3pPr>
-            <a:lvl4pPr lvl="3">
+            <a:lvl4pPr lvl="3" rtl="0">
               <a:buNone/>
               <a:defRPr/>
             </a:lvl4pPr>
-            <a:lvl5pPr lvl="4">
+            <a:lvl5pPr lvl="4" rtl="0">
               <a:buNone/>
               <a:defRPr/>
             </a:lvl5pPr>
-            <a:lvl6pPr lvl="5">
+            <a:lvl6pPr lvl="5" rtl="0">
               <a:buNone/>
               <a:defRPr/>
             </a:lvl6pPr>
-            <a:lvl7pPr lvl="6">
+            <a:lvl7pPr lvl="6" rtl="0">
               <a:buNone/>
               <a:defRPr/>
             </a:lvl7pPr>
-            <a:lvl8pPr lvl="7">
+            <a:lvl8pPr lvl="7" rtl="0">
               <a:buNone/>
               <a:defRPr/>
             </a:lvl8pPr>
-            <a:lvl9pPr lvl="8">
+            <a:lvl9pPr lvl="8" rtl="0">
               <a:buNone/>
               <a:defRPr/>
             </a:lvl9pPr>
@@ -3366,12 +4238,12 @@
 </p:sldLayout>
 </file>
 
-<file path=ppt/slideLayouts/slideLayout6.xml><?xml version="1.0" encoding="utf-8"?>
-<p:sldLayout xmlns:a="http://schemas.openxmlformats.org/drawingml/2006/main" xmlns:r="http://schemas.openxmlformats.org/officeDocument/2006/relationships" xmlns:mc="http://schemas.openxmlformats.org/markup-compatibility/2006" xmlns:mv="urn:schemas-microsoft-com:mac:vml" xmlns:p="http://schemas.openxmlformats.org/presentationml/2006/main" xmlns:c="http://schemas.openxmlformats.org/drawingml/2006/chart" xmlns:dgm="http://schemas.openxmlformats.org/drawingml/2006/diagram" xmlns:o="urn:schemas-microsoft-com:office:office" xmlns:v="urn:schemas-microsoft-com:vml" xmlns:pvml="urn:schemas-microsoft-com:office:powerpoint" xmlns:com="http://schemas.openxmlformats.org/drawingml/2006/compatibility" xmlns:p14="http://schemas.microsoft.com/office/powerpoint/2010/main" xmlns:p15="http://schemas.microsoft.com/office/powerpoint/2012/main" matchingName="One column text">
-  <p:cSld name="ONE_COLUMN_TEXT">
+<file path=ppt/slideLayouts/slideLayout9.xml><?xml version="1.0" encoding="utf-8"?>
+<p:sldLayout xmlns:a="http://schemas.openxmlformats.org/drawingml/2006/main" xmlns:r="http://schemas.openxmlformats.org/officeDocument/2006/relationships" xmlns:mc="http://schemas.openxmlformats.org/markup-compatibility/2006" xmlns:mv="urn:schemas-microsoft-com:mac:vml" xmlns:p="http://schemas.openxmlformats.org/presentationml/2006/main" xmlns:c="http://schemas.openxmlformats.org/drawingml/2006/chart" xmlns:dgm="http://schemas.openxmlformats.org/drawingml/2006/diagram" xmlns:o="urn:schemas-microsoft-com:office:office" xmlns:v="urn:schemas-microsoft-com:vml" xmlns:pvml="urn:schemas-microsoft-com:office:powerpoint" xmlns:com="http://schemas.openxmlformats.org/drawingml/2006/compatibility" xmlns:p14="http://schemas.microsoft.com/office/powerpoint/2010/main" xmlns:p15="http://schemas.microsoft.com/office/powerpoint/2012/main" matchingName="Section title and description">
+  <p:cSld name="SECTION_TITLE_AND_DESCRIPTION">
     <p:spTree>
       <p:nvGrpSpPr>
-        <p:cNvPr id="28" name="Shape 28"/>
+        <p:cNvPr id="40" name="Shape 40"/>
         <p:cNvGrpSpPr/>
         <p:nvPr/>
       </p:nvGrpSpPr>
@@ -3385,586 +4257,7 @@
       </p:grpSpPr>
       <p:sp>
         <p:nvSpPr>
-          <p:cNvPr id="29" name="Google Shape;29;p7"/>
-          <p:cNvSpPr txBox="1"/>
-          <p:nvPr>
-            <p:ph type="title"/>
-          </p:nvPr>
-        </p:nvSpPr>
-        <p:spPr>
-          <a:xfrm>
-            <a:off x="364468" y="816630"/>
-            <a:ext cx="3283500" cy="1110600"/>
-          </a:xfrm>
-          <a:prstGeom prst="rect">
-            <a:avLst/>
-          </a:prstGeom>
-        </p:spPr>
-        <p:txBody>
-          <a:bodyPr anchorCtr="0" anchor="b" bIns="116050" lIns="116050" spcFirstLastPara="1" rIns="116050" wrap="square" tIns="116050">
-            <a:noAutofit/>
-          </a:bodyPr>
-          <a:lstStyle>
-            <a:lvl1pPr lvl="0">
-              <a:spcBef>
-                <a:spcPts val="0"/>
-              </a:spcBef>
-              <a:spcAft>
-                <a:spcPts val="0"/>
-              </a:spcAft>
-              <a:buSzPts val="3000"/>
-              <a:buNone/>
-              <a:defRPr sz="3000"/>
-            </a:lvl1pPr>
-            <a:lvl2pPr lvl="1">
-              <a:spcBef>
-                <a:spcPts val="0"/>
-              </a:spcBef>
-              <a:spcAft>
-                <a:spcPts val="0"/>
-              </a:spcAft>
-              <a:buSzPts val="3000"/>
-              <a:buNone/>
-              <a:defRPr sz="3000"/>
-            </a:lvl2pPr>
-            <a:lvl3pPr lvl="2">
-              <a:spcBef>
-                <a:spcPts val="0"/>
-              </a:spcBef>
-              <a:spcAft>
-                <a:spcPts val="0"/>
-              </a:spcAft>
-              <a:buSzPts val="3000"/>
-              <a:buNone/>
-              <a:defRPr sz="3000"/>
-            </a:lvl3pPr>
-            <a:lvl4pPr lvl="3">
-              <a:spcBef>
-                <a:spcPts val="0"/>
-              </a:spcBef>
-              <a:spcAft>
-                <a:spcPts val="0"/>
-              </a:spcAft>
-              <a:buSzPts val="3000"/>
-              <a:buNone/>
-              <a:defRPr sz="3000"/>
-            </a:lvl4pPr>
-            <a:lvl5pPr lvl="4">
-              <a:spcBef>
-                <a:spcPts val="0"/>
-              </a:spcBef>
-              <a:spcAft>
-                <a:spcPts val="0"/>
-              </a:spcAft>
-              <a:buSzPts val="3000"/>
-              <a:buNone/>
-              <a:defRPr sz="3000"/>
-            </a:lvl5pPr>
-            <a:lvl6pPr lvl="5">
-              <a:spcBef>
-                <a:spcPts val="0"/>
-              </a:spcBef>
-              <a:spcAft>
-                <a:spcPts val="0"/>
-              </a:spcAft>
-              <a:buSzPts val="3000"/>
-              <a:buNone/>
-              <a:defRPr sz="3000"/>
-            </a:lvl6pPr>
-            <a:lvl7pPr lvl="6">
-              <a:spcBef>
-                <a:spcPts val="0"/>
-              </a:spcBef>
-              <a:spcAft>
-                <a:spcPts val="0"/>
-              </a:spcAft>
-              <a:buSzPts val="3000"/>
-              <a:buNone/>
-              <a:defRPr sz="3000"/>
-            </a:lvl7pPr>
-            <a:lvl8pPr lvl="7">
-              <a:spcBef>
-                <a:spcPts val="0"/>
-              </a:spcBef>
-              <a:spcAft>
-                <a:spcPts val="0"/>
-              </a:spcAft>
-              <a:buSzPts val="3000"/>
-              <a:buNone/>
-              <a:defRPr sz="3000"/>
-            </a:lvl8pPr>
-            <a:lvl9pPr lvl="8">
-              <a:spcBef>
-                <a:spcPts val="0"/>
-              </a:spcBef>
-              <a:spcAft>
-                <a:spcPts val="0"/>
-              </a:spcAft>
-              <a:buSzPts val="3000"/>
-              <a:buNone/>
-              <a:defRPr sz="3000"/>
-            </a:lvl9pPr>
-          </a:lstStyle>
-          <a:p/>
-        </p:txBody>
-      </p:sp>
-      <p:sp>
-        <p:nvSpPr>
-          <p:cNvPr id="30" name="Google Shape;30;p7"/>
-          <p:cNvSpPr txBox="1"/>
-          <p:nvPr>
-            <p:ph idx="1" type="body"/>
-          </p:nvPr>
-        </p:nvSpPr>
-        <p:spPr>
-          <a:xfrm>
-            <a:off x="364468" y="2042457"/>
-            <a:ext cx="3283500" cy="4673100"/>
-          </a:xfrm>
-          <a:prstGeom prst="rect">
-            <a:avLst/>
-          </a:prstGeom>
-        </p:spPr>
-        <p:txBody>
-          <a:bodyPr anchorCtr="0" anchor="t" bIns="116050" lIns="116050" spcFirstLastPara="1" rIns="116050" wrap="square" tIns="116050">
-            <a:noAutofit/>
-          </a:bodyPr>
-          <a:lstStyle>
-            <a:lvl1pPr indent="-323850" lvl="0" marL="457200">
-              <a:spcBef>
-                <a:spcPts val="0"/>
-              </a:spcBef>
-              <a:spcAft>
-                <a:spcPts val="0"/>
-              </a:spcAft>
-              <a:buSzPts val="1500"/>
-              <a:buChar char="●"/>
-              <a:defRPr sz="1500"/>
-            </a:lvl1pPr>
-            <a:lvl2pPr indent="-323850" lvl="1" marL="914400">
-              <a:spcBef>
-                <a:spcPts val="2000"/>
-              </a:spcBef>
-              <a:spcAft>
-                <a:spcPts val="0"/>
-              </a:spcAft>
-              <a:buSzPts val="1500"/>
-              <a:buChar char="○"/>
-              <a:defRPr sz="1500"/>
-            </a:lvl2pPr>
-            <a:lvl3pPr indent="-323850" lvl="2" marL="1371600">
-              <a:spcBef>
-                <a:spcPts val="2000"/>
-              </a:spcBef>
-              <a:spcAft>
-                <a:spcPts val="0"/>
-              </a:spcAft>
-              <a:buSzPts val="1500"/>
-              <a:buChar char="■"/>
-              <a:defRPr sz="1500"/>
-            </a:lvl3pPr>
-            <a:lvl4pPr indent="-323850" lvl="3" marL="1828800">
-              <a:spcBef>
-                <a:spcPts val="2000"/>
-              </a:spcBef>
-              <a:spcAft>
-                <a:spcPts val="0"/>
-              </a:spcAft>
-              <a:buSzPts val="1500"/>
-              <a:buChar char="●"/>
-              <a:defRPr sz="1500"/>
-            </a:lvl4pPr>
-            <a:lvl5pPr indent="-323850" lvl="4" marL="2286000">
-              <a:spcBef>
-                <a:spcPts val="2000"/>
-              </a:spcBef>
-              <a:spcAft>
-                <a:spcPts val="0"/>
-              </a:spcAft>
-              <a:buSzPts val="1500"/>
-              <a:buChar char="○"/>
-              <a:defRPr sz="1500"/>
-            </a:lvl5pPr>
-            <a:lvl6pPr indent="-323850" lvl="5" marL="2743200">
-              <a:spcBef>
-                <a:spcPts val="2000"/>
-              </a:spcBef>
-              <a:spcAft>
-                <a:spcPts val="0"/>
-              </a:spcAft>
-              <a:buSzPts val="1500"/>
-              <a:buChar char="■"/>
-              <a:defRPr sz="1500"/>
-            </a:lvl6pPr>
-            <a:lvl7pPr indent="-323850" lvl="6" marL="3200400">
-              <a:spcBef>
-                <a:spcPts val="2000"/>
-              </a:spcBef>
-              <a:spcAft>
-                <a:spcPts val="0"/>
-              </a:spcAft>
-              <a:buSzPts val="1500"/>
-              <a:buChar char="●"/>
-              <a:defRPr sz="1500"/>
-            </a:lvl7pPr>
-            <a:lvl8pPr indent="-323850" lvl="7" marL="3657600">
-              <a:spcBef>
-                <a:spcPts val="2000"/>
-              </a:spcBef>
-              <a:spcAft>
-                <a:spcPts val="0"/>
-              </a:spcAft>
-              <a:buSzPts val="1500"/>
-              <a:buChar char="○"/>
-              <a:defRPr sz="1500"/>
-            </a:lvl8pPr>
-            <a:lvl9pPr indent="-323850" lvl="8" marL="4114800">
-              <a:spcBef>
-                <a:spcPts val="2000"/>
-              </a:spcBef>
-              <a:spcAft>
-                <a:spcPts val="2000"/>
-              </a:spcAft>
-              <a:buSzPts val="1500"/>
-              <a:buChar char="■"/>
-              <a:defRPr sz="1500"/>
-            </a:lvl9pPr>
-          </a:lstStyle>
-          <a:p/>
-        </p:txBody>
-      </p:sp>
-      <p:sp>
-        <p:nvSpPr>
-          <p:cNvPr id="31" name="Google Shape;31;p7"/>
-          <p:cNvSpPr txBox="1"/>
-          <p:nvPr>
-            <p:ph idx="12" type="sldNum"/>
-          </p:nvPr>
-        </p:nvSpPr>
-        <p:spPr>
-          <a:xfrm>
-            <a:off x="9906772" y="6854072"/>
-            <a:ext cx="641700" cy="578400"/>
-          </a:xfrm>
-          <a:prstGeom prst="rect">
-            <a:avLst/>
-          </a:prstGeom>
-        </p:spPr>
-        <p:txBody>
-          <a:bodyPr anchorCtr="0" anchor="ctr" bIns="116050" lIns="116050" spcFirstLastPara="1" rIns="116050" wrap="square" tIns="116050">
-            <a:noAutofit/>
-          </a:bodyPr>
-          <a:lstStyle>
-            <a:lvl1pPr lvl="0">
-              <a:buNone/>
-              <a:defRPr/>
-            </a:lvl1pPr>
-            <a:lvl2pPr lvl="1">
-              <a:buNone/>
-              <a:defRPr/>
-            </a:lvl2pPr>
-            <a:lvl3pPr lvl="2">
-              <a:buNone/>
-              <a:defRPr/>
-            </a:lvl3pPr>
-            <a:lvl4pPr lvl="3">
-              <a:buNone/>
-              <a:defRPr/>
-            </a:lvl4pPr>
-            <a:lvl5pPr lvl="4">
-              <a:buNone/>
-              <a:defRPr/>
-            </a:lvl5pPr>
-            <a:lvl6pPr lvl="5">
-              <a:buNone/>
-              <a:defRPr/>
-            </a:lvl6pPr>
-            <a:lvl7pPr lvl="6">
-              <a:buNone/>
-              <a:defRPr/>
-            </a:lvl7pPr>
-            <a:lvl8pPr lvl="7">
-              <a:buNone/>
-              <a:defRPr/>
-            </a:lvl8pPr>
-            <a:lvl9pPr lvl="8">
-              <a:buNone/>
-              <a:defRPr/>
-            </a:lvl9pPr>
-          </a:lstStyle>
-          <a:p>
-            <a:pPr indent="0" lvl="0" marL="0" rtl="0" algn="r">
-              <a:spcBef>
-                <a:spcPts val="0"/>
-              </a:spcBef>
-              <a:spcAft>
-                <a:spcPts val="0"/>
-              </a:spcAft>
-              <a:buNone/>
-            </a:pPr>
-            <a:fld id="{00000000-1234-1234-1234-123412341234}" type="slidenum">
-              <a:rPr lang="en"/>
-              <a:t>‹#›</a:t>
-            </a:fld>
-            <a:endParaRPr/>
-          </a:p>
-        </p:txBody>
-      </p:sp>
-    </p:spTree>
-  </p:cSld>
-  <p:clrMapOvr>
-    <a:masterClrMapping/>
-  </p:clrMapOvr>
-</p:sldLayout>
-</file>
-
-<file path=ppt/slideLayouts/slideLayout7.xml><?xml version="1.0" encoding="utf-8"?>
-<p:sldLayout xmlns:a="http://schemas.openxmlformats.org/drawingml/2006/main" xmlns:r="http://schemas.openxmlformats.org/officeDocument/2006/relationships" xmlns:mc="http://schemas.openxmlformats.org/markup-compatibility/2006" xmlns:mv="urn:schemas-microsoft-com:mac:vml" xmlns:p="http://schemas.openxmlformats.org/presentationml/2006/main" xmlns:c="http://schemas.openxmlformats.org/drawingml/2006/chart" xmlns:dgm="http://schemas.openxmlformats.org/drawingml/2006/diagram" xmlns:o="urn:schemas-microsoft-com:office:office" xmlns:v="urn:schemas-microsoft-com:vml" xmlns:pvml="urn:schemas-microsoft-com:office:powerpoint" xmlns:com="http://schemas.openxmlformats.org/drawingml/2006/compatibility" xmlns:p14="http://schemas.microsoft.com/office/powerpoint/2010/main" xmlns:p15="http://schemas.microsoft.com/office/powerpoint/2012/main" matchingName="Main point">
-  <p:cSld name="MAIN_POINT">
-    <p:spTree>
-      <p:nvGrpSpPr>
-        <p:cNvPr id="32" name="Shape 32"/>
-        <p:cNvGrpSpPr/>
-        <p:nvPr/>
-      </p:nvGrpSpPr>
-      <p:grpSpPr>
-        <a:xfrm>
-          <a:off x="0" y="0"/>
-          <a:ext cx="0" cy="0"/>
-          <a:chOff x="0" y="0"/>
-          <a:chExt cx="0" cy="0"/>
-        </a:xfrm>
-      </p:grpSpPr>
-      <p:sp>
-        <p:nvSpPr>
-          <p:cNvPr id="33" name="Google Shape;33;p8"/>
-          <p:cNvSpPr txBox="1"/>
-          <p:nvPr>
-            <p:ph type="title"/>
-          </p:nvPr>
-        </p:nvSpPr>
-        <p:spPr>
-          <a:xfrm>
-            <a:off x="573245" y="661638"/>
-            <a:ext cx="7445700" cy="6012600"/>
-          </a:xfrm>
-          <a:prstGeom prst="rect">
-            <a:avLst/>
-          </a:prstGeom>
-        </p:spPr>
-        <p:txBody>
-          <a:bodyPr anchorCtr="0" anchor="ctr" bIns="116050" lIns="116050" spcFirstLastPara="1" rIns="116050" wrap="square" tIns="116050">
-            <a:noAutofit/>
-          </a:bodyPr>
-          <a:lstStyle>
-            <a:lvl1pPr lvl="0">
-              <a:spcBef>
-                <a:spcPts val="0"/>
-              </a:spcBef>
-              <a:spcAft>
-                <a:spcPts val="0"/>
-              </a:spcAft>
-              <a:buSzPts val="6100"/>
-              <a:buNone/>
-              <a:defRPr sz="6100"/>
-            </a:lvl1pPr>
-            <a:lvl2pPr lvl="1">
-              <a:spcBef>
-                <a:spcPts val="0"/>
-              </a:spcBef>
-              <a:spcAft>
-                <a:spcPts val="0"/>
-              </a:spcAft>
-              <a:buSzPts val="6100"/>
-              <a:buNone/>
-              <a:defRPr sz="6100"/>
-            </a:lvl2pPr>
-            <a:lvl3pPr lvl="2">
-              <a:spcBef>
-                <a:spcPts val="0"/>
-              </a:spcBef>
-              <a:spcAft>
-                <a:spcPts val="0"/>
-              </a:spcAft>
-              <a:buSzPts val="6100"/>
-              <a:buNone/>
-              <a:defRPr sz="6100"/>
-            </a:lvl3pPr>
-            <a:lvl4pPr lvl="3">
-              <a:spcBef>
-                <a:spcPts val="0"/>
-              </a:spcBef>
-              <a:spcAft>
-                <a:spcPts val="0"/>
-              </a:spcAft>
-              <a:buSzPts val="6100"/>
-              <a:buNone/>
-              <a:defRPr sz="6100"/>
-            </a:lvl4pPr>
-            <a:lvl5pPr lvl="4">
-              <a:spcBef>
-                <a:spcPts val="0"/>
-              </a:spcBef>
-              <a:spcAft>
-                <a:spcPts val="0"/>
-              </a:spcAft>
-              <a:buSzPts val="6100"/>
-              <a:buNone/>
-              <a:defRPr sz="6100"/>
-            </a:lvl5pPr>
-            <a:lvl6pPr lvl="5">
-              <a:spcBef>
-                <a:spcPts val="0"/>
-              </a:spcBef>
-              <a:spcAft>
-                <a:spcPts val="0"/>
-              </a:spcAft>
-              <a:buSzPts val="6100"/>
-              <a:buNone/>
-              <a:defRPr sz="6100"/>
-            </a:lvl6pPr>
-            <a:lvl7pPr lvl="6">
-              <a:spcBef>
-                <a:spcPts val="0"/>
-              </a:spcBef>
-              <a:spcAft>
-                <a:spcPts val="0"/>
-              </a:spcAft>
-              <a:buSzPts val="6100"/>
-              <a:buNone/>
-              <a:defRPr sz="6100"/>
-            </a:lvl7pPr>
-            <a:lvl8pPr lvl="7">
-              <a:spcBef>
-                <a:spcPts val="0"/>
-              </a:spcBef>
-              <a:spcAft>
-                <a:spcPts val="0"/>
-              </a:spcAft>
-              <a:buSzPts val="6100"/>
-              <a:buNone/>
-              <a:defRPr sz="6100"/>
-            </a:lvl8pPr>
-            <a:lvl9pPr lvl="8">
-              <a:spcBef>
-                <a:spcPts val="0"/>
-              </a:spcBef>
-              <a:spcAft>
-                <a:spcPts val="0"/>
-              </a:spcAft>
-              <a:buSzPts val="6100"/>
-              <a:buNone/>
-              <a:defRPr sz="6100"/>
-            </a:lvl9pPr>
-          </a:lstStyle>
-          <a:p/>
-        </p:txBody>
-      </p:sp>
-      <p:sp>
-        <p:nvSpPr>
-          <p:cNvPr id="34" name="Google Shape;34;p8"/>
-          <p:cNvSpPr txBox="1"/>
-          <p:nvPr>
-            <p:ph idx="12" type="sldNum"/>
-          </p:nvPr>
-        </p:nvSpPr>
-        <p:spPr>
-          <a:xfrm>
-            <a:off x="9906772" y="6854072"/>
-            <a:ext cx="641700" cy="578400"/>
-          </a:xfrm>
-          <a:prstGeom prst="rect">
-            <a:avLst/>
-          </a:prstGeom>
-        </p:spPr>
-        <p:txBody>
-          <a:bodyPr anchorCtr="0" anchor="ctr" bIns="116050" lIns="116050" spcFirstLastPara="1" rIns="116050" wrap="square" tIns="116050">
-            <a:noAutofit/>
-          </a:bodyPr>
-          <a:lstStyle>
-            <a:lvl1pPr lvl="0">
-              <a:buNone/>
-              <a:defRPr/>
-            </a:lvl1pPr>
-            <a:lvl2pPr lvl="1">
-              <a:buNone/>
-              <a:defRPr/>
-            </a:lvl2pPr>
-            <a:lvl3pPr lvl="2">
-              <a:buNone/>
-              <a:defRPr/>
-            </a:lvl3pPr>
-            <a:lvl4pPr lvl="3">
-              <a:buNone/>
-              <a:defRPr/>
-            </a:lvl4pPr>
-            <a:lvl5pPr lvl="4">
-              <a:buNone/>
-              <a:defRPr/>
-            </a:lvl5pPr>
-            <a:lvl6pPr lvl="5">
-              <a:buNone/>
-              <a:defRPr/>
-            </a:lvl6pPr>
-            <a:lvl7pPr lvl="6">
-              <a:buNone/>
-              <a:defRPr/>
-            </a:lvl7pPr>
-            <a:lvl8pPr lvl="7">
-              <a:buNone/>
-              <a:defRPr/>
-            </a:lvl8pPr>
-            <a:lvl9pPr lvl="8">
-              <a:buNone/>
-              <a:defRPr/>
-            </a:lvl9pPr>
-          </a:lstStyle>
-          <a:p>
-            <a:pPr indent="0" lvl="0" marL="0" rtl="0" algn="r">
-              <a:spcBef>
-                <a:spcPts val="0"/>
-              </a:spcBef>
-              <a:spcAft>
-                <a:spcPts val="0"/>
-              </a:spcAft>
-              <a:buNone/>
-            </a:pPr>
-            <a:fld id="{00000000-1234-1234-1234-123412341234}" type="slidenum">
-              <a:rPr lang="en"/>
-              <a:t>‹#›</a:t>
-            </a:fld>
-            <a:endParaRPr/>
-          </a:p>
-        </p:txBody>
-      </p:sp>
-    </p:spTree>
-  </p:cSld>
-  <p:clrMapOvr>
-    <a:masterClrMapping/>
-  </p:clrMapOvr>
-</p:sldLayout>
-</file>
-
-<file path=ppt/slideLayouts/slideLayout8.xml><?xml version="1.0" encoding="utf-8"?>
-<p:sldLayout xmlns:a="http://schemas.openxmlformats.org/drawingml/2006/main" xmlns:r="http://schemas.openxmlformats.org/officeDocument/2006/relationships" xmlns:mc="http://schemas.openxmlformats.org/markup-compatibility/2006" xmlns:mv="urn:schemas-microsoft-com:mac:vml" xmlns:p="http://schemas.openxmlformats.org/presentationml/2006/main" xmlns:c="http://schemas.openxmlformats.org/drawingml/2006/chart" xmlns:dgm="http://schemas.openxmlformats.org/drawingml/2006/diagram" xmlns:o="urn:schemas-microsoft-com:office:office" xmlns:v="urn:schemas-microsoft-com:vml" xmlns:pvml="urn:schemas-microsoft-com:office:powerpoint" xmlns:com="http://schemas.openxmlformats.org/drawingml/2006/compatibility" xmlns:p14="http://schemas.microsoft.com/office/powerpoint/2010/main" xmlns:p15="http://schemas.microsoft.com/office/powerpoint/2012/main" matchingName="Section title and description">
-  <p:cSld name="SECTION_TITLE_AND_DESCRIPTION">
-    <p:spTree>
-      <p:nvGrpSpPr>
-        <p:cNvPr id="35" name="Shape 35"/>
-        <p:cNvGrpSpPr/>
-        <p:nvPr/>
-      </p:nvGrpSpPr>
-      <p:grpSpPr>
-        <a:xfrm>
-          <a:off x="0" y="0"/>
-          <a:ext cx="0" cy="0"/>
-          <a:chOff x="0" y="0"/>
-          <a:chExt cx="0" cy="0"/>
-        </a:xfrm>
-      </p:grpSpPr>
-      <p:sp>
-        <p:nvSpPr>
-          <p:cNvPr id="36" name="Google Shape;36;p9"/>
+          <p:cNvPr id="41" name="Google Shape;41;p11"/>
           <p:cNvSpPr/>
           <p:nvPr/>
         </p:nvSpPr>
@@ -4007,7 +4300,7 @@
       </p:sp>
       <p:sp>
         <p:nvSpPr>
-          <p:cNvPr id="37" name="Google Shape;37;p9"/>
+          <p:cNvPr id="42" name="Google Shape;42;p11"/>
           <p:cNvSpPr txBox="1"/>
           <p:nvPr>
             <p:ph type="title"/>
@@ -4027,7 +4320,7 @@
             <a:noAutofit/>
           </a:bodyPr>
           <a:lstStyle>
-            <a:lvl1pPr lvl="0" algn="ctr">
+            <a:lvl1pPr lvl="0" rtl="0" algn="ctr">
               <a:spcBef>
                 <a:spcPts val="0"/>
               </a:spcBef>
@@ -4038,7 +4331,7 @@
               <a:buNone/>
               <a:defRPr sz="5300"/>
             </a:lvl1pPr>
-            <a:lvl2pPr lvl="1" algn="ctr">
+            <a:lvl2pPr lvl="1" rtl="0" algn="ctr">
               <a:spcBef>
                 <a:spcPts val="0"/>
               </a:spcBef>
@@ -4049,7 +4342,7 @@
               <a:buNone/>
               <a:defRPr sz="5300"/>
             </a:lvl2pPr>
-            <a:lvl3pPr lvl="2" algn="ctr">
+            <a:lvl3pPr lvl="2" rtl="0" algn="ctr">
               <a:spcBef>
                 <a:spcPts val="0"/>
               </a:spcBef>
@@ -4060,7 +4353,7 @@
               <a:buNone/>
               <a:defRPr sz="5300"/>
             </a:lvl3pPr>
-            <a:lvl4pPr lvl="3" algn="ctr">
+            <a:lvl4pPr lvl="3" rtl="0" algn="ctr">
               <a:spcBef>
                 <a:spcPts val="0"/>
               </a:spcBef>
@@ -4071,7 +4364,7 @@
               <a:buNone/>
               <a:defRPr sz="5300"/>
             </a:lvl4pPr>
-            <a:lvl5pPr lvl="4" algn="ctr">
+            <a:lvl5pPr lvl="4" rtl="0" algn="ctr">
               <a:spcBef>
                 <a:spcPts val="0"/>
               </a:spcBef>
@@ -4082,7 +4375,7 @@
               <a:buNone/>
               <a:defRPr sz="5300"/>
             </a:lvl5pPr>
-            <a:lvl6pPr lvl="5" algn="ctr">
+            <a:lvl6pPr lvl="5" rtl="0" algn="ctr">
               <a:spcBef>
                 <a:spcPts val="0"/>
               </a:spcBef>
@@ -4093,7 +4386,7 @@
               <a:buNone/>
               <a:defRPr sz="5300"/>
             </a:lvl6pPr>
-            <a:lvl7pPr lvl="6" algn="ctr">
+            <a:lvl7pPr lvl="6" rtl="0" algn="ctr">
               <a:spcBef>
                 <a:spcPts val="0"/>
               </a:spcBef>
@@ -4104,7 +4397,7 @@
               <a:buNone/>
               <a:defRPr sz="5300"/>
             </a:lvl7pPr>
-            <a:lvl8pPr lvl="7" algn="ctr">
+            <a:lvl8pPr lvl="7" rtl="0" algn="ctr">
               <a:spcBef>
                 <a:spcPts val="0"/>
               </a:spcBef>
@@ -4115,7 +4408,7 @@
               <a:buNone/>
               <a:defRPr sz="5300"/>
             </a:lvl8pPr>
-            <a:lvl9pPr lvl="8" algn="ctr">
+            <a:lvl9pPr lvl="8" rtl="0" algn="ctr">
               <a:spcBef>
                 <a:spcPts val="0"/>
               </a:spcBef>
@@ -4132,7 +4425,7 @@
       </p:sp>
       <p:sp>
         <p:nvSpPr>
-          <p:cNvPr id="38" name="Google Shape;38;p9"/>
+          <p:cNvPr id="43" name="Google Shape;43;p11"/>
           <p:cNvSpPr txBox="1"/>
           <p:nvPr>
             <p:ph idx="1" type="subTitle"/>
@@ -4152,7 +4445,7 @@
             <a:noAutofit/>
           </a:bodyPr>
           <a:lstStyle>
-            <a:lvl1pPr lvl="0" algn="ctr">
+            <a:lvl1pPr lvl="0" rtl="0" algn="ctr">
               <a:lnSpc>
                 <a:spcPct val="100000"/>
               </a:lnSpc>
@@ -4166,7 +4459,7 @@
               <a:buNone/>
               <a:defRPr sz="2700"/>
             </a:lvl1pPr>
-            <a:lvl2pPr lvl="1" algn="ctr">
+            <a:lvl2pPr lvl="1" rtl="0" algn="ctr">
               <a:lnSpc>
                 <a:spcPct val="100000"/>
               </a:lnSpc>
@@ -4180,7 +4473,7 @@
               <a:buNone/>
               <a:defRPr sz="2700"/>
             </a:lvl2pPr>
-            <a:lvl3pPr lvl="2" algn="ctr">
+            <a:lvl3pPr lvl="2" rtl="0" algn="ctr">
               <a:lnSpc>
                 <a:spcPct val="100000"/>
               </a:lnSpc>
@@ -4194,7 +4487,7 @@
               <a:buNone/>
               <a:defRPr sz="2700"/>
             </a:lvl3pPr>
-            <a:lvl4pPr lvl="3" algn="ctr">
+            <a:lvl4pPr lvl="3" rtl="0" algn="ctr">
               <a:lnSpc>
                 <a:spcPct val="100000"/>
               </a:lnSpc>
@@ -4208,7 +4501,7 @@
               <a:buNone/>
               <a:defRPr sz="2700"/>
             </a:lvl4pPr>
-            <a:lvl5pPr lvl="4" algn="ctr">
+            <a:lvl5pPr lvl="4" rtl="0" algn="ctr">
               <a:lnSpc>
                 <a:spcPct val="100000"/>
               </a:lnSpc>
@@ -4222,7 +4515,7 @@
               <a:buNone/>
               <a:defRPr sz="2700"/>
             </a:lvl5pPr>
-            <a:lvl6pPr lvl="5" algn="ctr">
+            <a:lvl6pPr lvl="5" rtl="0" algn="ctr">
               <a:lnSpc>
                 <a:spcPct val="100000"/>
               </a:lnSpc>
@@ -4236,7 +4529,7 @@
               <a:buNone/>
               <a:defRPr sz="2700"/>
             </a:lvl6pPr>
-            <a:lvl7pPr lvl="6" algn="ctr">
+            <a:lvl7pPr lvl="6" rtl="0" algn="ctr">
               <a:lnSpc>
                 <a:spcPct val="100000"/>
               </a:lnSpc>
@@ -4250,7 +4543,7 @@
               <a:buNone/>
               <a:defRPr sz="2700"/>
             </a:lvl7pPr>
-            <a:lvl8pPr lvl="7" algn="ctr">
+            <a:lvl8pPr lvl="7" rtl="0" algn="ctr">
               <a:lnSpc>
                 <a:spcPct val="100000"/>
               </a:lnSpc>
@@ -4264,7 +4557,7 @@
               <a:buNone/>
               <a:defRPr sz="2700"/>
             </a:lvl8pPr>
-            <a:lvl9pPr lvl="8" algn="ctr">
+            <a:lvl9pPr lvl="8" rtl="0" algn="ctr">
               <a:lnSpc>
                 <a:spcPct val="100000"/>
               </a:lnSpc>
@@ -4284,7 +4577,7 @@
       </p:sp>
       <p:sp>
         <p:nvSpPr>
-          <p:cNvPr id="39" name="Google Shape;39;p9"/>
+          <p:cNvPr id="44" name="Google Shape;44;p11"/>
           <p:cNvSpPr txBox="1"/>
           <p:nvPr>
             <p:ph idx="2" type="body"/>
@@ -4304,7 +4597,7 @@
             <a:noAutofit/>
           </a:bodyPr>
           <a:lstStyle>
-            <a:lvl1pPr indent="-374650" lvl="0" marL="457200">
+            <a:lvl1pPr indent="-374650" lvl="0" marL="457200" rtl="0">
               <a:spcBef>
                 <a:spcPts val="0"/>
               </a:spcBef>
@@ -4315,7 +4608,7 @@
               <a:buChar char="●"/>
               <a:defRPr/>
             </a:lvl1pPr>
-            <a:lvl2pPr indent="-342900" lvl="1" marL="914400">
+            <a:lvl2pPr indent="-342900" lvl="1" marL="914400" rtl="0">
               <a:spcBef>
                 <a:spcPts val="2000"/>
               </a:spcBef>
@@ -4326,7 +4619,7 @@
               <a:buChar char="○"/>
               <a:defRPr/>
             </a:lvl2pPr>
-            <a:lvl3pPr indent="-342900" lvl="2" marL="1371600">
+            <a:lvl3pPr indent="-342900" lvl="2" marL="1371600" rtl="0">
               <a:spcBef>
                 <a:spcPts val="2000"/>
               </a:spcBef>
@@ -4337,7 +4630,7 @@
               <a:buChar char="■"/>
               <a:defRPr/>
             </a:lvl3pPr>
-            <a:lvl4pPr indent="-342900" lvl="3" marL="1828800">
+            <a:lvl4pPr indent="-342900" lvl="3" marL="1828800" rtl="0">
               <a:spcBef>
                 <a:spcPts val="2000"/>
               </a:spcBef>
@@ -4348,7 +4641,7 @@
               <a:buChar char="●"/>
               <a:defRPr/>
             </a:lvl4pPr>
-            <a:lvl5pPr indent="-342900" lvl="4" marL="2286000">
+            <a:lvl5pPr indent="-342900" lvl="4" marL="2286000" rtl="0">
               <a:spcBef>
                 <a:spcPts val="2000"/>
               </a:spcBef>
@@ -4359,7 +4652,7 @@
               <a:buChar char="○"/>
               <a:defRPr/>
             </a:lvl5pPr>
-            <a:lvl6pPr indent="-342900" lvl="5" marL="2743200">
+            <a:lvl6pPr indent="-342900" lvl="5" marL="2743200" rtl="0">
               <a:spcBef>
                 <a:spcPts val="2000"/>
               </a:spcBef>
@@ -4370,7 +4663,7 @@
               <a:buChar char="■"/>
               <a:defRPr/>
             </a:lvl6pPr>
-            <a:lvl7pPr indent="-342900" lvl="6" marL="3200400">
+            <a:lvl7pPr indent="-342900" lvl="6" marL="3200400" rtl="0">
               <a:spcBef>
                 <a:spcPts val="2000"/>
               </a:spcBef>
@@ -4381,7 +4674,7 @@
               <a:buChar char="●"/>
               <a:defRPr/>
             </a:lvl7pPr>
-            <a:lvl8pPr indent="-342900" lvl="7" marL="3657600">
+            <a:lvl8pPr indent="-342900" lvl="7" marL="3657600" rtl="0">
               <a:spcBef>
                 <a:spcPts val="2000"/>
               </a:spcBef>
@@ -4392,7 +4685,7 @@
               <a:buChar char="○"/>
               <a:defRPr/>
             </a:lvl8pPr>
-            <a:lvl9pPr indent="-342900" lvl="8" marL="4114800">
+            <a:lvl9pPr indent="-342900" lvl="8" marL="4114800" rtl="0">
               <a:spcBef>
                 <a:spcPts val="2000"/>
               </a:spcBef>
@@ -4409,7 +4702,7 @@
       </p:sp>
       <p:sp>
         <p:nvSpPr>
-          <p:cNvPr id="40" name="Google Shape;40;p9"/>
+          <p:cNvPr id="45" name="Google Shape;45;p11"/>
           <p:cNvSpPr txBox="1"/>
           <p:nvPr>
             <p:ph idx="12" type="sldNum"/>
@@ -4429,181 +4722,39 @@
             <a:noAutofit/>
           </a:bodyPr>
           <a:lstStyle>
-            <a:lvl1pPr lvl="0">
+            <a:lvl1pPr lvl="0" rtl="0">
               <a:buNone/>
               <a:defRPr/>
             </a:lvl1pPr>
-            <a:lvl2pPr lvl="1">
+            <a:lvl2pPr lvl="1" rtl="0">
               <a:buNone/>
               <a:defRPr/>
             </a:lvl2pPr>
-            <a:lvl3pPr lvl="2">
+            <a:lvl3pPr lvl="2" rtl="0">
               <a:buNone/>
               <a:defRPr/>
             </a:lvl3pPr>
-            <a:lvl4pPr lvl="3">
+            <a:lvl4pPr lvl="3" rtl="0">
               <a:buNone/>
               <a:defRPr/>
             </a:lvl4pPr>
-            <a:lvl5pPr lvl="4">
+            <a:lvl5pPr lvl="4" rtl="0">
               <a:buNone/>
               <a:defRPr/>
             </a:lvl5pPr>
-            <a:lvl6pPr lvl="5">
+            <a:lvl6pPr lvl="5" rtl="0">
               <a:buNone/>
               <a:defRPr/>
             </a:lvl6pPr>
-            <a:lvl7pPr lvl="6">
+            <a:lvl7pPr lvl="6" rtl="0">
               <a:buNone/>
               <a:defRPr/>
             </a:lvl7pPr>
-            <a:lvl8pPr lvl="7">
+            <a:lvl8pPr lvl="7" rtl="0">
               <a:buNone/>
               <a:defRPr/>
             </a:lvl8pPr>
-            <a:lvl9pPr lvl="8">
-              <a:buNone/>
-              <a:defRPr/>
-            </a:lvl9pPr>
-          </a:lstStyle>
-          <a:p>
-            <a:pPr indent="0" lvl="0" marL="0" rtl="0" algn="r">
-              <a:spcBef>
-                <a:spcPts val="0"/>
-              </a:spcBef>
-              <a:spcAft>
-                <a:spcPts val="0"/>
-              </a:spcAft>
-              <a:buNone/>
-            </a:pPr>
-            <a:fld id="{00000000-1234-1234-1234-123412341234}" type="slidenum">
-              <a:rPr lang="en"/>
-              <a:t>‹#›</a:t>
-            </a:fld>
-            <a:endParaRPr/>
-          </a:p>
-        </p:txBody>
-      </p:sp>
-    </p:spTree>
-  </p:cSld>
-  <p:clrMapOvr>
-    <a:masterClrMapping/>
-  </p:clrMapOvr>
-</p:sldLayout>
-</file>
-
-<file path=ppt/slideLayouts/slideLayout9.xml><?xml version="1.0" encoding="utf-8"?>
-<p:sldLayout xmlns:a="http://schemas.openxmlformats.org/drawingml/2006/main" xmlns:r="http://schemas.openxmlformats.org/officeDocument/2006/relationships" xmlns:mc="http://schemas.openxmlformats.org/markup-compatibility/2006" xmlns:mv="urn:schemas-microsoft-com:mac:vml" xmlns:p="http://schemas.openxmlformats.org/presentationml/2006/main" xmlns:c="http://schemas.openxmlformats.org/drawingml/2006/chart" xmlns:dgm="http://schemas.openxmlformats.org/drawingml/2006/diagram" xmlns:o="urn:schemas-microsoft-com:office:office" xmlns:v="urn:schemas-microsoft-com:vml" xmlns:pvml="urn:schemas-microsoft-com:office:powerpoint" xmlns:com="http://schemas.openxmlformats.org/drawingml/2006/compatibility" xmlns:p14="http://schemas.microsoft.com/office/powerpoint/2010/main" xmlns:p15="http://schemas.microsoft.com/office/powerpoint/2012/main" matchingName="Caption">
-  <p:cSld name="CAPTION_ONLY">
-    <p:spTree>
-      <p:nvGrpSpPr>
-        <p:cNvPr id="41" name="Shape 41"/>
-        <p:cNvGrpSpPr/>
-        <p:nvPr/>
-      </p:nvGrpSpPr>
-      <p:grpSpPr>
-        <a:xfrm>
-          <a:off x="0" y="0"/>
-          <a:ext cx="0" cy="0"/>
-          <a:chOff x="0" y="0"/>
-          <a:chExt cx="0" cy="0"/>
-        </a:xfrm>
-      </p:grpSpPr>
-      <p:sp>
-        <p:nvSpPr>
-          <p:cNvPr id="42" name="Google Shape;42;p10"/>
-          <p:cNvSpPr txBox="1"/>
-          <p:nvPr>
-            <p:ph idx="1" type="body"/>
-          </p:nvPr>
-        </p:nvSpPr>
-        <p:spPr>
-          <a:xfrm>
-            <a:off x="364468" y="6218168"/>
-            <a:ext cx="7014300" cy="889500"/>
-          </a:xfrm>
-          <a:prstGeom prst="rect">
-            <a:avLst/>
-          </a:prstGeom>
-        </p:spPr>
-        <p:txBody>
-          <a:bodyPr anchorCtr="0" anchor="ctr" bIns="116050" lIns="116050" spcFirstLastPara="1" rIns="116050" wrap="square" tIns="116050">
-            <a:noAutofit/>
-          </a:bodyPr>
-          <a:lstStyle>
-            <a:lvl1pPr indent="-228600" lvl="0" marL="457200">
-              <a:lnSpc>
-                <a:spcPct val="100000"/>
-              </a:lnSpc>
-              <a:spcBef>
-                <a:spcPts val="0"/>
-              </a:spcBef>
-              <a:spcAft>
-                <a:spcPts val="0"/>
-              </a:spcAft>
-              <a:buSzPts val="2300"/>
-              <a:buNone/>
-              <a:defRPr/>
-            </a:lvl1pPr>
-          </a:lstStyle>
-          <a:p/>
-        </p:txBody>
-      </p:sp>
-      <p:sp>
-        <p:nvSpPr>
-          <p:cNvPr id="43" name="Google Shape;43;p10"/>
-          <p:cNvSpPr txBox="1"/>
-          <p:nvPr>
-            <p:ph idx="12" type="sldNum"/>
-          </p:nvPr>
-        </p:nvSpPr>
-        <p:spPr>
-          <a:xfrm>
-            <a:off x="9906772" y="6854072"/>
-            <a:ext cx="641700" cy="578400"/>
-          </a:xfrm>
-          <a:prstGeom prst="rect">
-            <a:avLst/>
-          </a:prstGeom>
-        </p:spPr>
-        <p:txBody>
-          <a:bodyPr anchorCtr="0" anchor="ctr" bIns="116050" lIns="116050" spcFirstLastPara="1" rIns="116050" wrap="square" tIns="116050">
-            <a:noAutofit/>
-          </a:bodyPr>
-          <a:lstStyle>
-            <a:lvl1pPr lvl="0">
-              <a:buNone/>
-              <a:defRPr/>
-            </a:lvl1pPr>
-            <a:lvl2pPr lvl="1">
-              <a:buNone/>
-              <a:defRPr/>
-            </a:lvl2pPr>
-            <a:lvl3pPr lvl="2">
-              <a:buNone/>
-              <a:defRPr/>
-            </a:lvl3pPr>
-            <a:lvl4pPr lvl="3">
-              <a:buNone/>
-              <a:defRPr/>
-            </a:lvl4pPr>
-            <a:lvl5pPr lvl="4">
-              <a:buNone/>
-              <a:defRPr/>
-            </a:lvl5pPr>
-            <a:lvl6pPr lvl="5">
-              <a:buNone/>
-              <a:defRPr/>
-            </a:lvl6pPr>
-            <a:lvl7pPr lvl="6">
-              <a:buNone/>
-              <a:defRPr/>
-            </a:lvl7pPr>
-            <a:lvl8pPr lvl="7">
-              <a:buNone/>
-              <a:defRPr/>
-            </a:lvl8pPr>
-            <a:lvl9pPr lvl="8">
+            <a:lvl9pPr lvl="8" rtl="0">
               <a:buNone/>
               <a:defRPr/>
             </a:lvl9pPr>
@@ -5069,9 +5220,1143 @@
           <a:p/>
         </p:txBody>
       </p:sp>
+    </p:spTree>
+  </p:cSld>
+  <p:clrMap accent1="accent1" accent2="accent2" accent3="accent3" accent4="accent4" accent5="accent5" accent6="accent6" bg1="lt1" bg2="dk2" tx1="dk1" tx2="lt2" folHlink="folHlink" hlink="hlink"/>
+  <p:sldLayoutIdLst>
+    <p:sldLayoutId id="2147483648" r:id="rId1"/>
+  </p:sldLayoutIdLst>
+  <p:hf dt="0" ftr="0" hdr="0" sldNum="0"/>
+  <p:txStyles>
+    <p:titleStyle>
+      <a:defPPr lvl="0" marR="0" rtl="0" algn="l">
+        <a:lnSpc>
+          <a:spcPct val="100000"/>
+        </a:lnSpc>
+        <a:spcBef>
+          <a:spcPts val="0"/>
+        </a:spcBef>
+        <a:spcAft>
+          <a:spcPts val="0"/>
+        </a:spcAft>
+      </a:defPPr>
+      <a:lvl1pPr lvl="0" marR="0" rtl="0" algn="l">
+        <a:lnSpc>
+          <a:spcPct val="100000"/>
+        </a:lnSpc>
+        <a:spcBef>
+          <a:spcPts val="0"/>
+        </a:spcBef>
+        <a:spcAft>
+          <a:spcPts val="0"/>
+        </a:spcAft>
+        <a:buClr>
+          <a:srgbClr val="000000"/>
+        </a:buClr>
+        <a:buFont typeface="Arial"/>
+        <a:defRPr b="0" i="0" sz="1400" u="none" cap="none" strike="noStrike">
+          <a:solidFill>
+            <a:srgbClr val="000000"/>
+          </a:solidFill>
+          <a:latin typeface="Arial"/>
+          <a:ea typeface="Arial"/>
+          <a:cs typeface="Arial"/>
+          <a:sym typeface="Arial"/>
+        </a:defRPr>
+      </a:lvl1pPr>
+      <a:lvl2pPr lvl="1" marR="0" rtl="0" algn="l">
+        <a:lnSpc>
+          <a:spcPct val="100000"/>
+        </a:lnSpc>
+        <a:spcBef>
+          <a:spcPts val="0"/>
+        </a:spcBef>
+        <a:spcAft>
+          <a:spcPts val="0"/>
+        </a:spcAft>
+        <a:buClr>
+          <a:srgbClr val="000000"/>
+        </a:buClr>
+        <a:buFont typeface="Arial"/>
+        <a:defRPr b="0" i="0" sz="1400" u="none" cap="none" strike="noStrike">
+          <a:solidFill>
+            <a:srgbClr val="000000"/>
+          </a:solidFill>
+          <a:latin typeface="Arial"/>
+          <a:ea typeface="Arial"/>
+          <a:cs typeface="Arial"/>
+          <a:sym typeface="Arial"/>
+        </a:defRPr>
+      </a:lvl2pPr>
+      <a:lvl3pPr lvl="2" marR="0" rtl="0" algn="l">
+        <a:lnSpc>
+          <a:spcPct val="100000"/>
+        </a:lnSpc>
+        <a:spcBef>
+          <a:spcPts val="0"/>
+        </a:spcBef>
+        <a:spcAft>
+          <a:spcPts val="0"/>
+        </a:spcAft>
+        <a:buClr>
+          <a:srgbClr val="000000"/>
+        </a:buClr>
+        <a:buFont typeface="Arial"/>
+        <a:defRPr b="0" i="0" sz="1400" u="none" cap="none" strike="noStrike">
+          <a:solidFill>
+            <a:srgbClr val="000000"/>
+          </a:solidFill>
+          <a:latin typeface="Arial"/>
+          <a:ea typeface="Arial"/>
+          <a:cs typeface="Arial"/>
+          <a:sym typeface="Arial"/>
+        </a:defRPr>
+      </a:lvl3pPr>
+      <a:lvl4pPr lvl="3" marR="0" rtl="0" algn="l">
+        <a:lnSpc>
+          <a:spcPct val="100000"/>
+        </a:lnSpc>
+        <a:spcBef>
+          <a:spcPts val="0"/>
+        </a:spcBef>
+        <a:spcAft>
+          <a:spcPts val="0"/>
+        </a:spcAft>
+        <a:buClr>
+          <a:srgbClr val="000000"/>
+        </a:buClr>
+        <a:buFont typeface="Arial"/>
+        <a:defRPr b="0" i="0" sz="1400" u="none" cap="none" strike="noStrike">
+          <a:solidFill>
+            <a:srgbClr val="000000"/>
+          </a:solidFill>
+          <a:latin typeface="Arial"/>
+          <a:ea typeface="Arial"/>
+          <a:cs typeface="Arial"/>
+          <a:sym typeface="Arial"/>
+        </a:defRPr>
+      </a:lvl4pPr>
+      <a:lvl5pPr lvl="4" marR="0" rtl="0" algn="l">
+        <a:lnSpc>
+          <a:spcPct val="100000"/>
+        </a:lnSpc>
+        <a:spcBef>
+          <a:spcPts val="0"/>
+        </a:spcBef>
+        <a:spcAft>
+          <a:spcPts val="0"/>
+        </a:spcAft>
+        <a:buClr>
+          <a:srgbClr val="000000"/>
+        </a:buClr>
+        <a:buFont typeface="Arial"/>
+        <a:defRPr b="0" i="0" sz="1400" u="none" cap="none" strike="noStrike">
+          <a:solidFill>
+            <a:srgbClr val="000000"/>
+          </a:solidFill>
+          <a:latin typeface="Arial"/>
+          <a:ea typeface="Arial"/>
+          <a:cs typeface="Arial"/>
+          <a:sym typeface="Arial"/>
+        </a:defRPr>
+      </a:lvl5pPr>
+      <a:lvl6pPr lvl="5" marR="0" rtl="0" algn="l">
+        <a:lnSpc>
+          <a:spcPct val="100000"/>
+        </a:lnSpc>
+        <a:spcBef>
+          <a:spcPts val="0"/>
+        </a:spcBef>
+        <a:spcAft>
+          <a:spcPts val="0"/>
+        </a:spcAft>
+        <a:buClr>
+          <a:srgbClr val="000000"/>
+        </a:buClr>
+        <a:buFont typeface="Arial"/>
+        <a:defRPr b="0" i="0" sz="1400" u="none" cap="none" strike="noStrike">
+          <a:solidFill>
+            <a:srgbClr val="000000"/>
+          </a:solidFill>
+          <a:latin typeface="Arial"/>
+          <a:ea typeface="Arial"/>
+          <a:cs typeface="Arial"/>
+          <a:sym typeface="Arial"/>
+        </a:defRPr>
+      </a:lvl6pPr>
+      <a:lvl7pPr lvl="6" marR="0" rtl="0" algn="l">
+        <a:lnSpc>
+          <a:spcPct val="100000"/>
+        </a:lnSpc>
+        <a:spcBef>
+          <a:spcPts val="0"/>
+        </a:spcBef>
+        <a:spcAft>
+          <a:spcPts val="0"/>
+        </a:spcAft>
+        <a:buClr>
+          <a:srgbClr val="000000"/>
+        </a:buClr>
+        <a:buFont typeface="Arial"/>
+        <a:defRPr b="0" i="0" sz="1400" u="none" cap="none" strike="noStrike">
+          <a:solidFill>
+            <a:srgbClr val="000000"/>
+          </a:solidFill>
+          <a:latin typeface="Arial"/>
+          <a:ea typeface="Arial"/>
+          <a:cs typeface="Arial"/>
+          <a:sym typeface="Arial"/>
+        </a:defRPr>
+      </a:lvl7pPr>
+      <a:lvl8pPr lvl="7" marR="0" rtl="0" algn="l">
+        <a:lnSpc>
+          <a:spcPct val="100000"/>
+        </a:lnSpc>
+        <a:spcBef>
+          <a:spcPts val="0"/>
+        </a:spcBef>
+        <a:spcAft>
+          <a:spcPts val="0"/>
+        </a:spcAft>
+        <a:buClr>
+          <a:srgbClr val="000000"/>
+        </a:buClr>
+        <a:buFont typeface="Arial"/>
+        <a:defRPr b="0" i="0" sz="1400" u="none" cap="none" strike="noStrike">
+          <a:solidFill>
+            <a:srgbClr val="000000"/>
+          </a:solidFill>
+          <a:latin typeface="Arial"/>
+          <a:ea typeface="Arial"/>
+          <a:cs typeface="Arial"/>
+          <a:sym typeface="Arial"/>
+        </a:defRPr>
+      </a:lvl8pPr>
+      <a:lvl9pPr lvl="8" marR="0" rtl="0" algn="l">
+        <a:lnSpc>
+          <a:spcPct val="100000"/>
+        </a:lnSpc>
+        <a:spcBef>
+          <a:spcPts val="0"/>
+        </a:spcBef>
+        <a:spcAft>
+          <a:spcPts val="0"/>
+        </a:spcAft>
+        <a:buClr>
+          <a:srgbClr val="000000"/>
+        </a:buClr>
+        <a:buFont typeface="Arial"/>
+        <a:defRPr b="0" i="0" sz="1400" u="none" cap="none" strike="noStrike">
+          <a:solidFill>
+            <a:srgbClr val="000000"/>
+          </a:solidFill>
+          <a:latin typeface="Arial"/>
+          <a:ea typeface="Arial"/>
+          <a:cs typeface="Arial"/>
+          <a:sym typeface="Arial"/>
+        </a:defRPr>
+      </a:lvl9pPr>
+    </p:titleStyle>
+    <p:bodyStyle>
+      <a:defPPr lvl="0" marR="0" rtl="0" algn="l">
+        <a:lnSpc>
+          <a:spcPct val="100000"/>
+        </a:lnSpc>
+        <a:spcBef>
+          <a:spcPts val="0"/>
+        </a:spcBef>
+        <a:spcAft>
+          <a:spcPts val="0"/>
+        </a:spcAft>
+      </a:defPPr>
+      <a:lvl1pPr lvl="0" marR="0" rtl="0" algn="l">
+        <a:lnSpc>
+          <a:spcPct val="100000"/>
+        </a:lnSpc>
+        <a:spcBef>
+          <a:spcPts val="0"/>
+        </a:spcBef>
+        <a:spcAft>
+          <a:spcPts val="0"/>
+        </a:spcAft>
+        <a:buClr>
+          <a:srgbClr val="000000"/>
+        </a:buClr>
+        <a:buFont typeface="Arial"/>
+        <a:defRPr b="0" i="0" sz="1400" u="none" cap="none" strike="noStrike">
+          <a:solidFill>
+            <a:srgbClr val="000000"/>
+          </a:solidFill>
+          <a:latin typeface="Arial"/>
+          <a:ea typeface="Arial"/>
+          <a:cs typeface="Arial"/>
+          <a:sym typeface="Arial"/>
+        </a:defRPr>
+      </a:lvl1pPr>
+      <a:lvl2pPr lvl="1" marR="0" rtl="0" algn="l">
+        <a:lnSpc>
+          <a:spcPct val="100000"/>
+        </a:lnSpc>
+        <a:spcBef>
+          <a:spcPts val="0"/>
+        </a:spcBef>
+        <a:spcAft>
+          <a:spcPts val="0"/>
+        </a:spcAft>
+        <a:buClr>
+          <a:srgbClr val="000000"/>
+        </a:buClr>
+        <a:buFont typeface="Arial"/>
+        <a:defRPr b="0" i="0" sz="1400" u="none" cap="none" strike="noStrike">
+          <a:solidFill>
+            <a:srgbClr val="000000"/>
+          </a:solidFill>
+          <a:latin typeface="Arial"/>
+          <a:ea typeface="Arial"/>
+          <a:cs typeface="Arial"/>
+          <a:sym typeface="Arial"/>
+        </a:defRPr>
+      </a:lvl2pPr>
+      <a:lvl3pPr lvl="2" marR="0" rtl="0" algn="l">
+        <a:lnSpc>
+          <a:spcPct val="100000"/>
+        </a:lnSpc>
+        <a:spcBef>
+          <a:spcPts val="0"/>
+        </a:spcBef>
+        <a:spcAft>
+          <a:spcPts val="0"/>
+        </a:spcAft>
+        <a:buClr>
+          <a:srgbClr val="000000"/>
+        </a:buClr>
+        <a:buFont typeface="Arial"/>
+        <a:defRPr b="0" i="0" sz="1400" u="none" cap="none" strike="noStrike">
+          <a:solidFill>
+            <a:srgbClr val="000000"/>
+          </a:solidFill>
+          <a:latin typeface="Arial"/>
+          <a:ea typeface="Arial"/>
+          <a:cs typeface="Arial"/>
+          <a:sym typeface="Arial"/>
+        </a:defRPr>
+      </a:lvl3pPr>
+      <a:lvl4pPr lvl="3" marR="0" rtl="0" algn="l">
+        <a:lnSpc>
+          <a:spcPct val="100000"/>
+        </a:lnSpc>
+        <a:spcBef>
+          <a:spcPts val="0"/>
+        </a:spcBef>
+        <a:spcAft>
+          <a:spcPts val="0"/>
+        </a:spcAft>
+        <a:buClr>
+          <a:srgbClr val="000000"/>
+        </a:buClr>
+        <a:buFont typeface="Arial"/>
+        <a:defRPr b="0" i="0" sz="1400" u="none" cap="none" strike="noStrike">
+          <a:solidFill>
+            <a:srgbClr val="000000"/>
+          </a:solidFill>
+          <a:latin typeface="Arial"/>
+          <a:ea typeface="Arial"/>
+          <a:cs typeface="Arial"/>
+          <a:sym typeface="Arial"/>
+        </a:defRPr>
+      </a:lvl4pPr>
+      <a:lvl5pPr lvl="4" marR="0" rtl="0" algn="l">
+        <a:lnSpc>
+          <a:spcPct val="100000"/>
+        </a:lnSpc>
+        <a:spcBef>
+          <a:spcPts val="0"/>
+        </a:spcBef>
+        <a:spcAft>
+          <a:spcPts val="0"/>
+        </a:spcAft>
+        <a:buClr>
+          <a:srgbClr val="000000"/>
+        </a:buClr>
+        <a:buFont typeface="Arial"/>
+        <a:defRPr b="0" i="0" sz="1400" u="none" cap="none" strike="noStrike">
+          <a:solidFill>
+            <a:srgbClr val="000000"/>
+          </a:solidFill>
+          <a:latin typeface="Arial"/>
+          <a:ea typeface="Arial"/>
+          <a:cs typeface="Arial"/>
+          <a:sym typeface="Arial"/>
+        </a:defRPr>
+      </a:lvl5pPr>
+      <a:lvl6pPr lvl="5" marR="0" rtl="0" algn="l">
+        <a:lnSpc>
+          <a:spcPct val="100000"/>
+        </a:lnSpc>
+        <a:spcBef>
+          <a:spcPts val="0"/>
+        </a:spcBef>
+        <a:spcAft>
+          <a:spcPts val="0"/>
+        </a:spcAft>
+        <a:buClr>
+          <a:srgbClr val="000000"/>
+        </a:buClr>
+        <a:buFont typeface="Arial"/>
+        <a:defRPr b="0" i="0" sz="1400" u="none" cap="none" strike="noStrike">
+          <a:solidFill>
+            <a:srgbClr val="000000"/>
+          </a:solidFill>
+          <a:latin typeface="Arial"/>
+          <a:ea typeface="Arial"/>
+          <a:cs typeface="Arial"/>
+          <a:sym typeface="Arial"/>
+        </a:defRPr>
+      </a:lvl6pPr>
+      <a:lvl7pPr lvl="6" marR="0" rtl="0" algn="l">
+        <a:lnSpc>
+          <a:spcPct val="100000"/>
+        </a:lnSpc>
+        <a:spcBef>
+          <a:spcPts val="0"/>
+        </a:spcBef>
+        <a:spcAft>
+          <a:spcPts val="0"/>
+        </a:spcAft>
+        <a:buClr>
+          <a:srgbClr val="000000"/>
+        </a:buClr>
+        <a:buFont typeface="Arial"/>
+        <a:defRPr b="0" i="0" sz="1400" u="none" cap="none" strike="noStrike">
+          <a:solidFill>
+            <a:srgbClr val="000000"/>
+          </a:solidFill>
+          <a:latin typeface="Arial"/>
+          <a:ea typeface="Arial"/>
+          <a:cs typeface="Arial"/>
+          <a:sym typeface="Arial"/>
+        </a:defRPr>
+      </a:lvl7pPr>
+      <a:lvl8pPr lvl="7" marR="0" rtl="0" algn="l">
+        <a:lnSpc>
+          <a:spcPct val="100000"/>
+        </a:lnSpc>
+        <a:spcBef>
+          <a:spcPts val="0"/>
+        </a:spcBef>
+        <a:spcAft>
+          <a:spcPts val="0"/>
+        </a:spcAft>
+        <a:buClr>
+          <a:srgbClr val="000000"/>
+        </a:buClr>
+        <a:buFont typeface="Arial"/>
+        <a:defRPr b="0" i="0" sz="1400" u="none" cap="none" strike="noStrike">
+          <a:solidFill>
+            <a:srgbClr val="000000"/>
+          </a:solidFill>
+          <a:latin typeface="Arial"/>
+          <a:ea typeface="Arial"/>
+          <a:cs typeface="Arial"/>
+          <a:sym typeface="Arial"/>
+        </a:defRPr>
+      </a:lvl8pPr>
+      <a:lvl9pPr lvl="8" marR="0" rtl="0" algn="l">
+        <a:lnSpc>
+          <a:spcPct val="100000"/>
+        </a:lnSpc>
+        <a:spcBef>
+          <a:spcPts val="0"/>
+        </a:spcBef>
+        <a:spcAft>
+          <a:spcPts val="0"/>
+        </a:spcAft>
+        <a:buClr>
+          <a:srgbClr val="000000"/>
+        </a:buClr>
+        <a:buFont typeface="Arial"/>
+        <a:defRPr b="0" i="0" sz="1400" u="none" cap="none" strike="noStrike">
+          <a:solidFill>
+            <a:srgbClr val="000000"/>
+          </a:solidFill>
+          <a:latin typeface="Arial"/>
+          <a:ea typeface="Arial"/>
+          <a:cs typeface="Arial"/>
+          <a:sym typeface="Arial"/>
+        </a:defRPr>
+      </a:lvl9pPr>
+    </p:bodyStyle>
+    <p:otherStyle>
+      <a:defPPr lvl="0" marR="0" rtl="0" algn="l">
+        <a:lnSpc>
+          <a:spcPct val="100000"/>
+        </a:lnSpc>
+        <a:spcBef>
+          <a:spcPts val="0"/>
+        </a:spcBef>
+        <a:spcAft>
+          <a:spcPts val="0"/>
+        </a:spcAft>
+      </a:defPPr>
+      <a:lvl1pPr lvl="0" marR="0" rtl="0" algn="l">
+        <a:lnSpc>
+          <a:spcPct val="100000"/>
+        </a:lnSpc>
+        <a:spcBef>
+          <a:spcPts val="0"/>
+        </a:spcBef>
+        <a:spcAft>
+          <a:spcPts val="0"/>
+        </a:spcAft>
+        <a:buClr>
+          <a:srgbClr val="000000"/>
+        </a:buClr>
+        <a:buFont typeface="Arial"/>
+        <a:defRPr b="0" i="0" sz="1400" u="none" cap="none" strike="noStrike">
+          <a:solidFill>
+            <a:srgbClr val="000000"/>
+          </a:solidFill>
+          <a:latin typeface="Arial"/>
+          <a:ea typeface="Arial"/>
+          <a:cs typeface="Arial"/>
+          <a:sym typeface="Arial"/>
+        </a:defRPr>
+      </a:lvl1pPr>
+      <a:lvl2pPr lvl="1" marR="0" rtl="0" algn="l">
+        <a:lnSpc>
+          <a:spcPct val="100000"/>
+        </a:lnSpc>
+        <a:spcBef>
+          <a:spcPts val="0"/>
+        </a:spcBef>
+        <a:spcAft>
+          <a:spcPts val="0"/>
+        </a:spcAft>
+        <a:buClr>
+          <a:srgbClr val="000000"/>
+        </a:buClr>
+        <a:buFont typeface="Arial"/>
+        <a:defRPr b="0" i="0" sz="1400" u="none" cap="none" strike="noStrike">
+          <a:solidFill>
+            <a:srgbClr val="000000"/>
+          </a:solidFill>
+          <a:latin typeface="Arial"/>
+          <a:ea typeface="Arial"/>
+          <a:cs typeface="Arial"/>
+          <a:sym typeface="Arial"/>
+        </a:defRPr>
+      </a:lvl2pPr>
+      <a:lvl3pPr lvl="2" marR="0" rtl="0" algn="l">
+        <a:lnSpc>
+          <a:spcPct val="100000"/>
+        </a:lnSpc>
+        <a:spcBef>
+          <a:spcPts val="0"/>
+        </a:spcBef>
+        <a:spcAft>
+          <a:spcPts val="0"/>
+        </a:spcAft>
+        <a:buClr>
+          <a:srgbClr val="000000"/>
+        </a:buClr>
+        <a:buFont typeface="Arial"/>
+        <a:defRPr b="0" i="0" sz="1400" u="none" cap="none" strike="noStrike">
+          <a:solidFill>
+            <a:srgbClr val="000000"/>
+          </a:solidFill>
+          <a:latin typeface="Arial"/>
+          <a:ea typeface="Arial"/>
+          <a:cs typeface="Arial"/>
+          <a:sym typeface="Arial"/>
+        </a:defRPr>
+      </a:lvl3pPr>
+      <a:lvl4pPr lvl="3" marR="0" rtl="0" algn="l">
+        <a:lnSpc>
+          <a:spcPct val="100000"/>
+        </a:lnSpc>
+        <a:spcBef>
+          <a:spcPts val="0"/>
+        </a:spcBef>
+        <a:spcAft>
+          <a:spcPts val="0"/>
+        </a:spcAft>
+        <a:buClr>
+          <a:srgbClr val="000000"/>
+        </a:buClr>
+        <a:buFont typeface="Arial"/>
+        <a:defRPr b="0" i="0" sz="1400" u="none" cap="none" strike="noStrike">
+          <a:solidFill>
+            <a:srgbClr val="000000"/>
+          </a:solidFill>
+          <a:latin typeface="Arial"/>
+          <a:ea typeface="Arial"/>
+          <a:cs typeface="Arial"/>
+          <a:sym typeface="Arial"/>
+        </a:defRPr>
+      </a:lvl4pPr>
+      <a:lvl5pPr lvl="4" marR="0" rtl="0" algn="l">
+        <a:lnSpc>
+          <a:spcPct val="100000"/>
+        </a:lnSpc>
+        <a:spcBef>
+          <a:spcPts val="0"/>
+        </a:spcBef>
+        <a:spcAft>
+          <a:spcPts val="0"/>
+        </a:spcAft>
+        <a:buClr>
+          <a:srgbClr val="000000"/>
+        </a:buClr>
+        <a:buFont typeface="Arial"/>
+        <a:defRPr b="0" i="0" sz="1400" u="none" cap="none" strike="noStrike">
+          <a:solidFill>
+            <a:srgbClr val="000000"/>
+          </a:solidFill>
+          <a:latin typeface="Arial"/>
+          <a:ea typeface="Arial"/>
+          <a:cs typeface="Arial"/>
+          <a:sym typeface="Arial"/>
+        </a:defRPr>
+      </a:lvl5pPr>
+      <a:lvl6pPr lvl="5" marR="0" rtl="0" algn="l">
+        <a:lnSpc>
+          <a:spcPct val="100000"/>
+        </a:lnSpc>
+        <a:spcBef>
+          <a:spcPts val="0"/>
+        </a:spcBef>
+        <a:spcAft>
+          <a:spcPts val="0"/>
+        </a:spcAft>
+        <a:buClr>
+          <a:srgbClr val="000000"/>
+        </a:buClr>
+        <a:buFont typeface="Arial"/>
+        <a:defRPr b="0" i="0" sz="1400" u="none" cap="none" strike="noStrike">
+          <a:solidFill>
+            <a:srgbClr val="000000"/>
+          </a:solidFill>
+          <a:latin typeface="Arial"/>
+          <a:ea typeface="Arial"/>
+          <a:cs typeface="Arial"/>
+          <a:sym typeface="Arial"/>
+        </a:defRPr>
+      </a:lvl6pPr>
+      <a:lvl7pPr lvl="6" marR="0" rtl="0" algn="l">
+        <a:lnSpc>
+          <a:spcPct val="100000"/>
+        </a:lnSpc>
+        <a:spcBef>
+          <a:spcPts val="0"/>
+        </a:spcBef>
+        <a:spcAft>
+          <a:spcPts val="0"/>
+        </a:spcAft>
+        <a:buClr>
+          <a:srgbClr val="000000"/>
+        </a:buClr>
+        <a:buFont typeface="Arial"/>
+        <a:defRPr b="0" i="0" sz="1400" u="none" cap="none" strike="noStrike">
+          <a:solidFill>
+            <a:srgbClr val="000000"/>
+          </a:solidFill>
+          <a:latin typeface="Arial"/>
+          <a:ea typeface="Arial"/>
+          <a:cs typeface="Arial"/>
+          <a:sym typeface="Arial"/>
+        </a:defRPr>
+      </a:lvl7pPr>
+      <a:lvl8pPr lvl="7" marR="0" rtl="0" algn="l">
+        <a:lnSpc>
+          <a:spcPct val="100000"/>
+        </a:lnSpc>
+        <a:spcBef>
+          <a:spcPts val="0"/>
+        </a:spcBef>
+        <a:spcAft>
+          <a:spcPts val="0"/>
+        </a:spcAft>
+        <a:buClr>
+          <a:srgbClr val="000000"/>
+        </a:buClr>
+        <a:buFont typeface="Arial"/>
+        <a:defRPr b="0" i="0" sz="1400" u="none" cap="none" strike="noStrike">
+          <a:solidFill>
+            <a:srgbClr val="000000"/>
+          </a:solidFill>
+          <a:latin typeface="Arial"/>
+          <a:ea typeface="Arial"/>
+          <a:cs typeface="Arial"/>
+          <a:sym typeface="Arial"/>
+        </a:defRPr>
+      </a:lvl8pPr>
+      <a:lvl9pPr lvl="8" marR="0" rtl="0" algn="l">
+        <a:lnSpc>
+          <a:spcPct val="100000"/>
+        </a:lnSpc>
+        <a:spcBef>
+          <a:spcPts val="0"/>
+        </a:spcBef>
+        <a:spcAft>
+          <a:spcPts val="0"/>
+        </a:spcAft>
+        <a:buClr>
+          <a:srgbClr val="000000"/>
+        </a:buClr>
+        <a:buFont typeface="Arial"/>
+        <a:defRPr b="0" i="0" sz="1400" u="none" cap="none" strike="noStrike">
+          <a:solidFill>
+            <a:srgbClr val="000000"/>
+          </a:solidFill>
+          <a:latin typeface="Arial"/>
+          <a:ea typeface="Arial"/>
+          <a:cs typeface="Arial"/>
+          <a:sym typeface="Arial"/>
+        </a:defRPr>
+      </a:lvl9pPr>
+    </p:otherStyle>
+  </p:txStyles>
+</p:sldMaster>
+</file>
+
+<file path=ppt/slideMasters/slideMaster2.xml><?xml version="1.0" encoding="utf-8"?>
+<p:sldMaster xmlns:a="http://schemas.openxmlformats.org/drawingml/2006/main" xmlns:r="http://schemas.openxmlformats.org/officeDocument/2006/relationships" xmlns:mc="http://schemas.openxmlformats.org/markup-compatibility/2006" xmlns:mv="urn:schemas-microsoft-com:mac:vml" xmlns:p="http://schemas.openxmlformats.org/presentationml/2006/main" xmlns:c="http://schemas.openxmlformats.org/drawingml/2006/chart" xmlns:dgm="http://schemas.openxmlformats.org/drawingml/2006/diagram" xmlns:o="urn:schemas-microsoft-com:office:office" xmlns:v="urn:schemas-microsoft-com:vml" xmlns:pvml="urn:schemas-microsoft-com:office:powerpoint" xmlns:com="http://schemas.openxmlformats.org/drawingml/2006/compatibility" xmlns:p14="http://schemas.microsoft.com/office/powerpoint/2010/main" xmlns:p15="http://schemas.microsoft.com/office/powerpoint/2012/main">
+  <p:cSld name="simple-light-2">
+    <p:bg>
+      <p:bgPr>
+        <a:solidFill>
+          <a:schemeClr val="lt1"/>
+        </a:solidFill>
+      </p:bgPr>
+    </p:bg>
+    <p:spTree>
+      <p:nvGrpSpPr>
+        <p:cNvPr id="10" name="Shape 10"/>
+        <p:cNvGrpSpPr/>
+        <p:nvPr/>
+      </p:nvGrpSpPr>
+      <p:grpSpPr>
+        <a:xfrm>
+          <a:off x="0" y="0"/>
+          <a:ext cx="0" cy="0"/>
+          <a:chOff x="0" y="0"/>
+          <a:chExt cx="0" cy="0"/>
+        </a:xfrm>
+      </p:grpSpPr>
       <p:sp>
         <p:nvSpPr>
-          <p:cNvPr id="8" name="Google Shape;8;p1"/>
+          <p:cNvPr id="11" name="Google Shape;11;p3"/>
+          <p:cNvSpPr txBox="1"/>
+          <p:nvPr>
+            <p:ph type="title"/>
+          </p:nvPr>
+        </p:nvSpPr>
+        <p:spPr>
+          <a:xfrm>
+            <a:off x="364468" y="654105"/>
+            <a:ext cx="9963000" cy="841800"/>
+          </a:xfrm>
+          <a:prstGeom prst="rect">
+            <a:avLst/>
+          </a:prstGeom>
+          <a:noFill/>
+          <a:ln>
+            <a:noFill/>
+          </a:ln>
+        </p:spPr>
+        <p:txBody>
+          <a:bodyPr anchorCtr="0" anchor="t" bIns="116050" lIns="116050" spcFirstLastPara="1" rIns="116050" wrap="square" tIns="116050">
+            <a:noAutofit/>
+          </a:bodyPr>
+          <a:lstStyle>
+            <a:lvl1pPr lvl="0" rtl="0">
+              <a:spcBef>
+                <a:spcPts val="0"/>
+              </a:spcBef>
+              <a:spcAft>
+                <a:spcPts val="0"/>
+              </a:spcAft>
+              <a:buClr>
+                <a:schemeClr val="dk1"/>
+              </a:buClr>
+              <a:buSzPts val="3600"/>
+              <a:buNone/>
+              <a:defRPr sz="3600">
+                <a:solidFill>
+                  <a:schemeClr val="dk1"/>
+                </a:solidFill>
+              </a:defRPr>
+            </a:lvl1pPr>
+            <a:lvl2pPr lvl="1" rtl="0">
+              <a:spcBef>
+                <a:spcPts val="0"/>
+              </a:spcBef>
+              <a:spcAft>
+                <a:spcPts val="0"/>
+              </a:spcAft>
+              <a:buClr>
+                <a:schemeClr val="dk1"/>
+              </a:buClr>
+              <a:buSzPts val="3600"/>
+              <a:buNone/>
+              <a:defRPr sz="3600">
+                <a:solidFill>
+                  <a:schemeClr val="dk1"/>
+                </a:solidFill>
+              </a:defRPr>
+            </a:lvl2pPr>
+            <a:lvl3pPr lvl="2" rtl="0">
+              <a:spcBef>
+                <a:spcPts val="0"/>
+              </a:spcBef>
+              <a:spcAft>
+                <a:spcPts val="0"/>
+              </a:spcAft>
+              <a:buClr>
+                <a:schemeClr val="dk1"/>
+              </a:buClr>
+              <a:buSzPts val="3600"/>
+              <a:buNone/>
+              <a:defRPr sz="3600">
+                <a:solidFill>
+                  <a:schemeClr val="dk1"/>
+                </a:solidFill>
+              </a:defRPr>
+            </a:lvl3pPr>
+            <a:lvl4pPr lvl="3" rtl="0">
+              <a:spcBef>
+                <a:spcPts val="0"/>
+              </a:spcBef>
+              <a:spcAft>
+                <a:spcPts val="0"/>
+              </a:spcAft>
+              <a:buClr>
+                <a:schemeClr val="dk1"/>
+              </a:buClr>
+              <a:buSzPts val="3600"/>
+              <a:buNone/>
+              <a:defRPr sz="3600">
+                <a:solidFill>
+                  <a:schemeClr val="dk1"/>
+                </a:solidFill>
+              </a:defRPr>
+            </a:lvl4pPr>
+            <a:lvl5pPr lvl="4" rtl="0">
+              <a:spcBef>
+                <a:spcPts val="0"/>
+              </a:spcBef>
+              <a:spcAft>
+                <a:spcPts val="0"/>
+              </a:spcAft>
+              <a:buClr>
+                <a:schemeClr val="dk1"/>
+              </a:buClr>
+              <a:buSzPts val="3600"/>
+              <a:buNone/>
+              <a:defRPr sz="3600">
+                <a:solidFill>
+                  <a:schemeClr val="dk1"/>
+                </a:solidFill>
+              </a:defRPr>
+            </a:lvl5pPr>
+            <a:lvl6pPr lvl="5" rtl="0">
+              <a:spcBef>
+                <a:spcPts val="0"/>
+              </a:spcBef>
+              <a:spcAft>
+                <a:spcPts val="0"/>
+              </a:spcAft>
+              <a:buClr>
+                <a:schemeClr val="dk1"/>
+              </a:buClr>
+              <a:buSzPts val="3600"/>
+              <a:buNone/>
+              <a:defRPr sz="3600">
+                <a:solidFill>
+                  <a:schemeClr val="dk1"/>
+                </a:solidFill>
+              </a:defRPr>
+            </a:lvl6pPr>
+            <a:lvl7pPr lvl="6" rtl="0">
+              <a:spcBef>
+                <a:spcPts val="0"/>
+              </a:spcBef>
+              <a:spcAft>
+                <a:spcPts val="0"/>
+              </a:spcAft>
+              <a:buClr>
+                <a:schemeClr val="dk1"/>
+              </a:buClr>
+              <a:buSzPts val="3600"/>
+              <a:buNone/>
+              <a:defRPr sz="3600">
+                <a:solidFill>
+                  <a:schemeClr val="dk1"/>
+                </a:solidFill>
+              </a:defRPr>
+            </a:lvl7pPr>
+            <a:lvl8pPr lvl="7" rtl="0">
+              <a:spcBef>
+                <a:spcPts val="0"/>
+              </a:spcBef>
+              <a:spcAft>
+                <a:spcPts val="0"/>
+              </a:spcAft>
+              <a:buClr>
+                <a:schemeClr val="dk1"/>
+              </a:buClr>
+              <a:buSzPts val="3600"/>
+              <a:buNone/>
+              <a:defRPr sz="3600">
+                <a:solidFill>
+                  <a:schemeClr val="dk1"/>
+                </a:solidFill>
+              </a:defRPr>
+            </a:lvl8pPr>
+            <a:lvl9pPr lvl="8" rtl="0">
+              <a:spcBef>
+                <a:spcPts val="0"/>
+              </a:spcBef>
+              <a:spcAft>
+                <a:spcPts val="0"/>
+              </a:spcAft>
+              <a:buClr>
+                <a:schemeClr val="dk1"/>
+              </a:buClr>
+              <a:buSzPts val="3600"/>
+              <a:buNone/>
+              <a:defRPr sz="3600">
+                <a:solidFill>
+                  <a:schemeClr val="dk1"/>
+                </a:solidFill>
+              </a:defRPr>
+            </a:lvl9pPr>
+          </a:lstStyle>
+          <a:p/>
+        </p:txBody>
+      </p:sp>
+      <p:sp>
+        <p:nvSpPr>
+          <p:cNvPr id="12" name="Google Shape;12;p3"/>
+          <p:cNvSpPr txBox="1"/>
+          <p:nvPr>
+            <p:ph idx="1" type="body"/>
+          </p:nvPr>
+        </p:nvSpPr>
+        <p:spPr>
+          <a:xfrm>
+            <a:off x="364468" y="1693927"/>
+            <a:ext cx="9963000" cy="5021400"/>
+          </a:xfrm>
+          <a:prstGeom prst="rect">
+            <a:avLst/>
+          </a:prstGeom>
+          <a:noFill/>
+          <a:ln>
+            <a:noFill/>
+          </a:ln>
+        </p:spPr>
+        <p:txBody>
+          <a:bodyPr anchorCtr="0" anchor="t" bIns="116050" lIns="116050" spcFirstLastPara="1" rIns="116050" wrap="square" tIns="116050">
+            <a:noAutofit/>
+          </a:bodyPr>
+          <a:lstStyle>
+            <a:lvl1pPr indent="-374650" lvl="0" marL="457200" rtl="0">
+              <a:lnSpc>
+                <a:spcPct val="115000"/>
+              </a:lnSpc>
+              <a:spcBef>
+                <a:spcPts val="0"/>
+              </a:spcBef>
+              <a:spcAft>
+                <a:spcPts val="0"/>
+              </a:spcAft>
+              <a:buClr>
+                <a:schemeClr val="dk2"/>
+              </a:buClr>
+              <a:buSzPts val="2300"/>
+              <a:buChar char="●"/>
+              <a:defRPr sz="2300">
+                <a:solidFill>
+                  <a:schemeClr val="dk2"/>
+                </a:solidFill>
+              </a:defRPr>
+            </a:lvl1pPr>
+            <a:lvl2pPr indent="-342900" lvl="1" marL="914400" rtl="0">
+              <a:lnSpc>
+                <a:spcPct val="115000"/>
+              </a:lnSpc>
+              <a:spcBef>
+                <a:spcPts val="2000"/>
+              </a:spcBef>
+              <a:spcAft>
+                <a:spcPts val="0"/>
+              </a:spcAft>
+              <a:buClr>
+                <a:schemeClr val="dk2"/>
+              </a:buClr>
+              <a:buSzPts val="1800"/>
+              <a:buChar char="○"/>
+              <a:defRPr sz="1800">
+                <a:solidFill>
+                  <a:schemeClr val="dk2"/>
+                </a:solidFill>
+              </a:defRPr>
+            </a:lvl2pPr>
+            <a:lvl3pPr indent="-342900" lvl="2" marL="1371600" rtl="0">
+              <a:lnSpc>
+                <a:spcPct val="115000"/>
+              </a:lnSpc>
+              <a:spcBef>
+                <a:spcPts val="2000"/>
+              </a:spcBef>
+              <a:spcAft>
+                <a:spcPts val="0"/>
+              </a:spcAft>
+              <a:buClr>
+                <a:schemeClr val="dk2"/>
+              </a:buClr>
+              <a:buSzPts val="1800"/>
+              <a:buChar char="■"/>
+              <a:defRPr sz="1800">
+                <a:solidFill>
+                  <a:schemeClr val="dk2"/>
+                </a:solidFill>
+              </a:defRPr>
+            </a:lvl3pPr>
+            <a:lvl4pPr indent="-342900" lvl="3" marL="1828800" rtl="0">
+              <a:lnSpc>
+                <a:spcPct val="115000"/>
+              </a:lnSpc>
+              <a:spcBef>
+                <a:spcPts val="2000"/>
+              </a:spcBef>
+              <a:spcAft>
+                <a:spcPts val="0"/>
+              </a:spcAft>
+              <a:buClr>
+                <a:schemeClr val="dk2"/>
+              </a:buClr>
+              <a:buSzPts val="1800"/>
+              <a:buChar char="●"/>
+              <a:defRPr sz="1800">
+                <a:solidFill>
+                  <a:schemeClr val="dk2"/>
+                </a:solidFill>
+              </a:defRPr>
+            </a:lvl4pPr>
+            <a:lvl5pPr indent="-342900" lvl="4" marL="2286000" rtl="0">
+              <a:lnSpc>
+                <a:spcPct val="115000"/>
+              </a:lnSpc>
+              <a:spcBef>
+                <a:spcPts val="2000"/>
+              </a:spcBef>
+              <a:spcAft>
+                <a:spcPts val="0"/>
+              </a:spcAft>
+              <a:buClr>
+                <a:schemeClr val="dk2"/>
+              </a:buClr>
+              <a:buSzPts val="1800"/>
+              <a:buChar char="○"/>
+              <a:defRPr sz="1800">
+                <a:solidFill>
+                  <a:schemeClr val="dk2"/>
+                </a:solidFill>
+              </a:defRPr>
+            </a:lvl5pPr>
+            <a:lvl6pPr indent="-342900" lvl="5" marL="2743200" rtl="0">
+              <a:lnSpc>
+                <a:spcPct val="115000"/>
+              </a:lnSpc>
+              <a:spcBef>
+                <a:spcPts val="2000"/>
+              </a:spcBef>
+              <a:spcAft>
+                <a:spcPts val="0"/>
+              </a:spcAft>
+              <a:buClr>
+                <a:schemeClr val="dk2"/>
+              </a:buClr>
+              <a:buSzPts val="1800"/>
+              <a:buChar char="■"/>
+              <a:defRPr sz="1800">
+                <a:solidFill>
+                  <a:schemeClr val="dk2"/>
+                </a:solidFill>
+              </a:defRPr>
+            </a:lvl6pPr>
+            <a:lvl7pPr indent="-342900" lvl="6" marL="3200400" rtl="0">
+              <a:lnSpc>
+                <a:spcPct val="115000"/>
+              </a:lnSpc>
+              <a:spcBef>
+                <a:spcPts val="2000"/>
+              </a:spcBef>
+              <a:spcAft>
+                <a:spcPts val="0"/>
+              </a:spcAft>
+              <a:buClr>
+                <a:schemeClr val="dk2"/>
+              </a:buClr>
+              <a:buSzPts val="1800"/>
+              <a:buChar char="●"/>
+              <a:defRPr sz="1800">
+                <a:solidFill>
+                  <a:schemeClr val="dk2"/>
+                </a:solidFill>
+              </a:defRPr>
+            </a:lvl7pPr>
+            <a:lvl8pPr indent="-342900" lvl="7" marL="3657600" rtl="0">
+              <a:lnSpc>
+                <a:spcPct val="115000"/>
+              </a:lnSpc>
+              <a:spcBef>
+                <a:spcPts val="2000"/>
+              </a:spcBef>
+              <a:spcAft>
+                <a:spcPts val="0"/>
+              </a:spcAft>
+              <a:buClr>
+                <a:schemeClr val="dk2"/>
+              </a:buClr>
+              <a:buSzPts val="1800"/>
+              <a:buChar char="○"/>
+              <a:defRPr sz="1800">
+                <a:solidFill>
+                  <a:schemeClr val="dk2"/>
+                </a:solidFill>
+              </a:defRPr>
+            </a:lvl8pPr>
+            <a:lvl9pPr indent="-342900" lvl="8" marL="4114800" rtl="0">
+              <a:lnSpc>
+                <a:spcPct val="115000"/>
+              </a:lnSpc>
+              <a:spcBef>
+                <a:spcPts val="2000"/>
+              </a:spcBef>
+              <a:spcAft>
+                <a:spcPts val="2000"/>
+              </a:spcAft>
+              <a:buClr>
+                <a:schemeClr val="dk2"/>
+              </a:buClr>
+              <a:buSzPts val="1800"/>
+              <a:buChar char="■"/>
+              <a:defRPr sz="1800">
+                <a:solidFill>
+                  <a:schemeClr val="dk2"/>
+                </a:solidFill>
+              </a:defRPr>
+            </a:lvl9pPr>
+          </a:lstStyle>
+          <a:p/>
+        </p:txBody>
+      </p:sp>
+      <p:sp>
+        <p:nvSpPr>
+          <p:cNvPr id="13" name="Google Shape;13;p3"/>
           <p:cNvSpPr txBox="1"/>
           <p:nvPr>
             <p:ph idx="12" type="sldNum"/>
@@ -5095,7 +6380,7 @@
             <a:noAutofit/>
           </a:bodyPr>
           <a:lstStyle>
-            <a:lvl1pPr lvl="0" algn="r">
+            <a:lvl1pPr lvl="0" rtl="0" algn="r">
               <a:buNone/>
               <a:defRPr sz="1300">
                 <a:solidFill>
@@ -5103,7 +6388,7 @@
                 </a:solidFill>
               </a:defRPr>
             </a:lvl1pPr>
-            <a:lvl2pPr lvl="1" algn="r">
+            <a:lvl2pPr lvl="1" rtl="0" algn="r">
               <a:buNone/>
               <a:defRPr sz="1300">
                 <a:solidFill>
@@ -5111,7 +6396,7 @@
                 </a:solidFill>
               </a:defRPr>
             </a:lvl2pPr>
-            <a:lvl3pPr lvl="2" algn="r">
+            <a:lvl3pPr lvl="2" rtl="0" algn="r">
               <a:buNone/>
               <a:defRPr sz="1300">
                 <a:solidFill>
@@ -5119,7 +6404,7 @@
                 </a:solidFill>
               </a:defRPr>
             </a:lvl3pPr>
-            <a:lvl4pPr lvl="3" algn="r">
+            <a:lvl4pPr lvl="3" rtl="0" algn="r">
               <a:buNone/>
               <a:defRPr sz="1300">
                 <a:solidFill>
@@ -5127,7 +6412,7 @@
                 </a:solidFill>
               </a:defRPr>
             </a:lvl4pPr>
-            <a:lvl5pPr lvl="4" algn="r">
+            <a:lvl5pPr lvl="4" rtl="0" algn="r">
               <a:buNone/>
               <a:defRPr sz="1300">
                 <a:solidFill>
@@ -5135,7 +6420,7 @@
                 </a:solidFill>
               </a:defRPr>
             </a:lvl5pPr>
-            <a:lvl6pPr lvl="5" algn="r">
+            <a:lvl6pPr lvl="5" rtl="0" algn="r">
               <a:buNone/>
               <a:defRPr sz="1300">
                 <a:solidFill>
@@ -5143,7 +6428,7 @@
                 </a:solidFill>
               </a:defRPr>
             </a:lvl6pPr>
-            <a:lvl7pPr lvl="6" algn="r">
+            <a:lvl7pPr lvl="6" rtl="0" algn="r">
               <a:buNone/>
               <a:defRPr sz="1300">
                 <a:solidFill>
@@ -5151,7 +6436,7 @@
                 </a:solidFill>
               </a:defRPr>
             </a:lvl7pPr>
-            <a:lvl8pPr lvl="7" algn="r">
+            <a:lvl8pPr lvl="7" rtl="0" algn="r">
               <a:buNone/>
               <a:defRPr sz="1300">
                 <a:solidFill>
@@ -5159,7 +6444,7 @@
                 </a:solidFill>
               </a:defRPr>
             </a:lvl8pPr>
-            <a:lvl9pPr lvl="8" algn="r">
+            <a:lvl9pPr lvl="8" rtl="0" algn="r">
               <a:buNone/>
               <a:defRPr sz="1300">
                 <a:solidFill>
@@ -5190,17 +6475,17 @@
   </p:cSld>
   <p:clrMap accent1="accent1" accent2="accent2" accent3="accent3" accent4="accent4" accent5="accent5" accent6="accent6" bg1="lt1" bg2="dk2" tx1="dk1" tx2="lt2" folHlink="folHlink" hlink="hlink"/>
   <p:sldLayoutIdLst>
-    <p:sldLayoutId id="2147483648" r:id="rId1"/>
-    <p:sldLayoutId id="2147483649" r:id="rId2"/>
-    <p:sldLayoutId id="2147483650" r:id="rId3"/>
-    <p:sldLayoutId id="2147483651" r:id="rId4"/>
-    <p:sldLayoutId id="2147483652" r:id="rId5"/>
-    <p:sldLayoutId id="2147483653" r:id="rId6"/>
-    <p:sldLayoutId id="2147483654" r:id="rId7"/>
-    <p:sldLayoutId id="2147483655" r:id="rId8"/>
-    <p:sldLayoutId id="2147483656" r:id="rId9"/>
-    <p:sldLayoutId id="2147483657" r:id="rId10"/>
-    <p:sldLayoutId id="2147483658" r:id="rId11"/>
+    <p:sldLayoutId id="2147483649" r:id="rId1"/>
+    <p:sldLayoutId id="2147483650" r:id="rId2"/>
+    <p:sldLayoutId id="2147483651" r:id="rId3"/>
+    <p:sldLayoutId id="2147483652" r:id="rId4"/>
+    <p:sldLayoutId id="2147483653" r:id="rId5"/>
+    <p:sldLayoutId id="2147483654" r:id="rId6"/>
+    <p:sldLayoutId id="2147483655" r:id="rId7"/>
+    <p:sldLayoutId id="2147483656" r:id="rId8"/>
+    <p:sldLayoutId id="2147483657" r:id="rId9"/>
+    <p:sldLayoutId id="2147483658" r:id="rId10"/>
+    <p:sldLayoutId id="2147483659" r:id="rId11"/>
   </p:sldLayoutIdLst>
   <p:hf dt="0" ftr="0" hdr="0" sldNum="0"/>
   <p:txStyles>
@@ -5900,7 +7185,7 @@
   <p:cSld>
     <p:spTree>
       <p:nvGrpSpPr>
-        <p:cNvPr id="53" name="Shape 53"/>
+        <p:cNvPr id="58" name="Shape 58"/>
         <p:cNvGrpSpPr/>
         <p:nvPr/>
       </p:nvGrpSpPr>
@@ -5914,7 +7199,7 @@
       </p:grpSpPr>
       <p:sp>
         <p:nvSpPr>
-          <p:cNvPr id="54" name="Google Shape;54;p13"/>
+          <p:cNvPr id="59" name="Google Shape;59;p15"/>
           <p:cNvSpPr/>
           <p:nvPr/>
         </p:nvSpPr>
@@ -5965,7 +7250,7 @@
       </p:sp>
       <p:sp>
         <p:nvSpPr>
-          <p:cNvPr id="55" name="Google Shape;55;p13"/>
+          <p:cNvPr id="60" name="Google Shape;60;p15"/>
           <p:cNvSpPr txBox="1"/>
           <p:nvPr>
             <p:ph type="title"/>
@@ -6130,7 +7415,7 @@
       </p:sp>
       <p:sp>
         <p:nvSpPr>
-          <p:cNvPr id="56" name="Google Shape;56;p13"/>
+          <p:cNvPr id="61" name="Google Shape;61;p15"/>
           <p:cNvSpPr txBox="1"/>
           <p:nvPr>
             <p:ph idx="1" type="body"/>
@@ -6445,7 +7730,7 @@
       </p:sp>
       <p:sp>
         <p:nvSpPr>
-          <p:cNvPr id="57" name="Google Shape;57;p13"/>
+          <p:cNvPr id="62" name="Google Shape;62;p15"/>
           <p:cNvSpPr/>
           <p:nvPr/>
         </p:nvSpPr>
@@ -6505,7 +7790,7 @@
       </p:sp>
       <p:sp>
         <p:nvSpPr>
-          <p:cNvPr id="58" name="Google Shape;58;p13"/>
+          <p:cNvPr id="63" name="Google Shape;63;p15"/>
           <p:cNvSpPr txBox="1"/>
           <p:nvPr/>
         </p:nvSpPr>
@@ -6633,7 +7918,7 @@
       </p:sp>
       <p:sp>
         <p:nvSpPr>
-          <p:cNvPr id="59" name="Google Shape;59;p13"/>
+          <p:cNvPr id="64" name="Google Shape;64;p15"/>
           <p:cNvSpPr txBox="1"/>
           <p:nvPr>
             <p:ph type="title"/>
@@ -6782,7 +8067,7 @@
       </p:sp>
       <p:sp>
         <p:nvSpPr>
-          <p:cNvPr id="60" name="Google Shape;60;p13"/>
+          <p:cNvPr id="65" name="Google Shape;65;p15"/>
           <p:cNvSpPr/>
           <p:nvPr/>
         </p:nvSpPr>
@@ -6842,7 +8127,7 @@
       </p:sp>
       <p:sp>
         <p:nvSpPr>
-          <p:cNvPr id="61" name="Google Shape;61;p13"/>
+          <p:cNvPr id="66" name="Google Shape;66;p15"/>
           <p:cNvSpPr txBox="1"/>
           <p:nvPr/>
         </p:nvSpPr>
@@ -6996,7 +8281,7 @@
       </p:sp>
       <p:sp>
         <p:nvSpPr>
-          <p:cNvPr id="62" name="Google Shape;62;p13"/>
+          <p:cNvPr id="67" name="Google Shape;67;p15"/>
           <p:cNvSpPr/>
           <p:nvPr/>
         </p:nvSpPr>
@@ -7056,7 +8341,7 @@
       </p:sp>
       <p:sp>
         <p:nvSpPr>
-          <p:cNvPr id="63" name="Google Shape;63;p13"/>
+          <p:cNvPr id="68" name="Google Shape;68;p15"/>
           <p:cNvSpPr txBox="1"/>
           <p:nvPr/>
         </p:nvSpPr>
@@ -7245,7 +8530,7 @@
       </p:sp>
       <p:sp>
         <p:nvSpPr>
-          <p:cNvPr id="64" name="Google Shape;64;p13"/>
+          <p:cNvPr id="69" name="Google Shape;69;p15"/>
           <p:cNvSpPr/>
           <p:nvPr/>
         </p:nvSpPr>
@@ -7305,7 +8590,7 @@
       </p:sp>
       <p:sp>
         <p:nvSpPr>
-          <p:cNvPr id="65" name="Google Shape;65;p13"/>
+          <p:cNvPr id="70" name="Google Shape;70;p15"/>
           <p:cNvSpPr txBox="1"/>
           <p:nvPr/>
         </p:nvSpPr>
@@ -7459,7 +8744,7 @@
       </p:sp>
       <p:grpSp>
         <p:nvGrpSpPr>
-          <p:cNvPr id="66" name="Google Shape;66;p13"/>
+          <p:cNvPr id="71" name="Google Shape;71;p15"/>
           <p:cNvGrpSpPr/>
           <p:nvPr/>
         </p:nvGrpSpPr>
@@ -7473,7 +8758,7 @@
         </p:grpSpPr>
         <p:sp>
           <p:nvSpPr>
-            <p:cNvPr id="67" name="Google Shape;67;p13"/>
+            <p:cNvPr id="72" name="Google Shape;72;p15"/>
             <p:cNvSpPr/>
             <p:nvPr/>
           </p:nvSpPr>
@@ -7522,7 +8807,7 @@
         </p:sp>
         <p:sp>
           <p:nvSpPr>
-            <p:cNvPr id="68" name="Google Shape;68;p13"/>
+            <p:cNvPr id="73" name="Google Shape;73;p15"/>
             <p:cNvSpPr/>
             <p:nvPr/>
           </p:nvSpPr>
@@ -7571,7 +8856,7 @@
         </p:sp>
         <p:sp>
           <p:nvSpPr>
-            <p:cNvPr id="69" name="Google Shape;69;p13"/>
+            <p:cNvPr id="74" name="Google Shape;74;p15"/>
             <p:cNvSpPr/>
             <p:nvPr/>
           </p:nvSpPr>
@@ -7620,7 +8905,7 @@
         </p:sp>
         <p:sp>
           <p:nvSpPr>
-            <p:cNvPr id="70" name="Google Shape;70;p13"/>
+            <p:cNvPr id="75" name="Google Shape;75;p15"/>
             <p:cNvSpPr txBox="1"/>
             <p:nvPr/>
           </p:nvSpPr>
@@ -7710,7 +8995,7 @@
         </p:sp>
         <p:sp>
           <p:nvSpPr>
-            <p:cNvPr id="71" name="Google Shape;71;p13"/>
+            <p:cNvPr id="76" name="Google Shape;76;p15"/>
             <p:cNvSpPr/>
             <p:nvPr/>
           </p:nvSpPr>
@@ -7759,7 +9044,7 @@
         </p:sp>
         <p:sp>
           <p:nvSpPr>
-            <p:cNvPr id="72" name="Google Shape;72;p13"/>
+            <p:cNvPr id="77" name="Google Shape;77;p15"/>
             <p:cNvSpPr txBox="1"/>
             <p:nvPr/>
           </p:nvSpPr>
@@ -7817,7 +9102,7 @@
         </p:sp>
         <p:sp>
           <p:nvSpPr>
-            <p:cNvPr id="73" name="Google Shape;73;p13"/>
+            <p:cNvPr id="78" name="Google Shape;78;p15"/>
             <p:cNvSpPr txBox="1"/>
             <p:nvPr/>
           </p:nvSpPr>
@@ -7907,7 +9192,7 @@
         </p:sp>
         <p:sp>
           <p:nvSpPr>
-            <p:cNvPr id="74" name="Google Shape;74;p13"/>
+            <p:cNvPr id="79" name="Google Shape;79;p15"/>
             <p:cNvSpPr txBox="1"/>
             <p:nvPr/>
           </p:nvSpPr>
@@ -7997,7 +9282,7 @@
         </p:sp>
         <p:sp>
           <p:nvSpPr>
-            <p:cNvPr id="75" name="Google Shape;75;p13"/>
+            <p:cNvPr id="80" name="Google Shape;80;p15"/>
             <p:cNvSpPr/>
             <p:nvPr/>
           </p:nvSpPr>
@@ -8046,7 +9331,7 @@
         </p:sp>
         <p:sp>
           <p:nvSpPr>
-            <p:cNvPr id="76" name="Google Shape;76;p13"/>
+            <p:cNvPr id="81" name="Google Shape;81;p15"/>
             <p:cNvSpPr/>
             <p:nvPr/>
           </p:nvSpPr>
@@ -8095,7 +9380,7 @@
         </p:sp>
         <p:sp>
           <p:nvSpPr>
-            <p:cNvPr id="77" name="Google Shape;77;p13"/>
+            <p:cNvPr id="82" name="Google Shape;82;p15"/>
             <p:cNvSpPr/>
             <p:nvPr/>
           </p:nvSpPr>
@@ -8144,7 +9429,7 @@
         </p:sp>
         <p:sp>
           <p:nvSpPr>
-            <p:cNvPr id="78" name="Google Shape;78;p13"/>
+            <p:cNvPr id="83" name="Google Shape;83;p15"/>
             <p:cNvSpPr/>
             <p:nvPr/>
           </p:nvSpPr>
@@ -8193,7 +9478,7 @@
         </p:sp>
         <p:sp>
           <p:nvSpPr>
-            <p:cNvPr id="79" name="Google Shape;79;p13"/>
+            <p:cNvPr id="84" name="Google Shape;84;p15"/>
             <p:cNvSpPr/>
             <p:nvPr/>
           </p:nvSpPr>
@@ -8242,7 +9527,7 @@
         </p:sp>
         <p:sp>
           <p:nvSpPr>
-            <p:cNvPr id="80" name="Google Shape;80;p13"/>
+            <p:cNvPr id="85" name="Google Shape;85;p15"/>
             <p:cNvSpPr/>
             <p:nvPr/>
           </p:nvSpPr>
@@ -8291,7 +9576,7 @@
         </p:sp>
         <p:sp>
           <p:nvSpPr>
-            <p:cNvPr id="81" name="Google Shape;81;p13"/>
+            <p:cNvPr id="86" name="Google Shape;86;p15"/>
             <p:cNvSpPr/>
             <p:nvPr/>
           </p:nvSpPr>
@@ -8340,7 +9625,7 @@
         </p:sp>
         <p:sp>
           <p:nvSpPr>
-            <p:cNvPr id="82" name="Google Shape;82;p13"/>
+            <p:cNvPr id="87" name="Google Shape;87;p15"/>
             <p:cNvSpPr/>
             <p:nvPr/>
           </p:nvSpPr>
@@ -8389,7 +9674,7 @@
         </p:sp>
         <p:sp>
           <p:nvSpPr>
-            <p:cNvPr id="83" name="Google Shape;83;p13"/>
+            <p:cNvPr id="88" name="Google Shape;88;p15"/>
             <p:cNvSpPr/>
             <p:nvPr/>
           </p:nvSpPr>
@@ -8438,7 +9723,7 @@
         </p:sp>
         <p:sp>
           <p:nvSpPr>
-            <p:cNvPr id="84" name="Google Shape;84;p13"/>
+            <p:cNvPr id="89" name="Google Shape;89;p15"/>
             <p:cNvSpPr/>
             <p:nvPr/>
           </p:nvSpPr>
@@ -8487,7 +9772,7 @@
         </p:sp>
         <p:sp>
           <p:nvSpPr>
-            <p:cNvPr id="85" name="Google Shape;85;p13"/>
+            <p:cNvPr id="90" name="Google Shape;90;p15"/>
             <p:cNvSpPr/>
             <p:nvPr/>
           </p:nvSpPr>
@@ -8536,7 +9821,7 @@
         </p:sp>
         <p:sp>
           <p:nvSpPr>
-            <p:cNvPr id="86" name="Google Shape;86;p13"/>
+            <p:cNvPr id="91" name="Google Shape;91;p15"/>
             <p:cNvSpPr/>
             <p:nvPr/>
           </p:nvSpPr>
@@ -8585,7 +9870,7 @@
         </p:sp>
         <p:sp>
           <p:nvSpPr>
-            <p:cNvPr id="87" name="Google Shape;87;p13"/>
+            <p:cNvPr id="92" name="Google Shape;92;p15"/>
             <p:cNvSpPr/>
             <p:nvPr/>
           </p:nvSpPr>
@@ -8634,7 +9919,7 @@
         </p:sp>
         <p:sp>
           <p:nvSpPr>
-            <p:cNvPr id="88" name="Google Shape;88;p13"/>
+            <p:cNvPr id="93" name="Google Shape;93;p15"/>
             <p:cNvSpPr/>
             <p:nvPr/>
           </p:nvSpPr>
@@ -8683,7 +9968,7 @@
         </p:sp>
         <p:sp>
           <p:nvSpPr>
-            <p:cNvPr id="89" name="Google Shape;89;p13"/>
+            <p:cNvPr id="94" name="Google Shape;94;p15"/>
             <p:cNvSpPr/>
             <p:nvPr/>
           </p:nvSpPr>
@@ -8732,7 +10017,7 @@
         </p:sp>
         <p:sp>
           <p:nvSpPr>
-            <p:cNvPr id="90" name="Google Shape;90;p13"/>
+            <p:cNvPr id="95" name="Google Shape;95;p15"/>
             <p:cNvSpPr/>
             <p:nvPr/>
           </p:nvSpPr>
@@ -8781,7 +10066,7 @@
         </p:sp>
         <p:sp>
           <p:nvSpPr>
-            <p:cNvPr id="91" name="Google Shape;91;p13"/>
+            <p:cNvPr id="96" name="Google Shape;96;p15"/>
             <p:cNvSpPr/>
             <p:nvPr/>
           </p:nvSpPr>
@@ -8830,7 +10115,7 @@
         </p:sp>
         <p:sp>
           <p:nvSpPr>
-            <p:cNvPr id="92" name="Google Shape;92;p13"/>
+            <p:cNvPr id="97" name="Google Shape;97;p15"/>
             <p:cNvSpPr/>
             <p:nvPr/>
           </p:nvSpPr>
@@ -8879,7 +10164,7 @@
         </p:sp>
         <p:sp>
           <p:nvSpPr>
-            <p:cNvPr id="93" name="Google Shape;93;p13"/>
+            <p:cNvPr id="98" name="Google Shape;98;p15"/>
             <p:cNvSpPr/>
             <p:nvPr/>
           </p:nvSpPr>
@@ -8927,301 +10212,9 @@
           </p:txBody>
         </p:sp>
       </p:grpSp>
-      <p:grpSp>
-        <p:nvGrpSpPr>
-          <p:cNvPr id="94" name="Google Shape;94;p13"/>
-          <p:cNvGrpSpPr/>
-          <p:nvPr/>
-        </p:nvGrpSpPr>
-        <p:grpSpPr>
-          <a:xfrm>
-            <a:off x="0" y="7094781"/>
-            <a:ext cx="10692000" cy="465069"/>
-            <a:chOff x="0" y="7094781"/>
-            <a:chExt cx="10692000" cy="465069"/>
-          </a:xfrm>
-        </p:grpSpPr>
-        <p:sp>
-          <p:nvSpPr>
-            <p:cNvPr id="95" name="Google Shape;95;p13"/>
-            <p:cNvSpPr/>
-            <p:nvPr/>
-          </p:nvSpPr>
-          <p:spPr>
-            <a:xfrm>
-              <a:off x="0" y="7094850"/>
-              <a:ext cx="10692000" cy="465000"/>
-            </a:xfrm>
-            <a:prstGeom prst="rect">
-              <a:avLst/>
-            </a:prstGeom>
-            <a:solidFill>
-              <a:srgbClr val="FFFFFF"/>
-            </a:solidFill>
-            <a:ln>
-              <a:noFill/>
-            </a:ln>
-          </p:spPr>
-          <p:txBody>
-            <a:bodyPr anchorCtr="0" anchor="ctr" bIns="91425" lIns="91425" spcFirstLastPara="1" rIns="91425" wrap="square" tIns="91425">
-              <a:noAutofit/>
-            </a:bodyPr>
-            <a:lstStyle/>
-            <a:p>
-              <a:pPr indent="0" lvl="0" marL="0" rtl="0" algn="l">
-                <a:spcBef>
-                  <a:spcPts val="0"/>
-                </a:spcBef>
-                <a:spcAft>
-                  <a:spcPts val="0"/>
-                </a:spcAft>
-                <a:buNone/>
-              </a:pPr>
-              <a:r>
-                <a:t/>
-              </a:r>
-              <a:endParaRPr/>
-            </a:p>
-          </p:txBody>
-        </p:sp>
-        <p:sp>
-          <p:nvSpPr>
-            <p:cNvPr id="96" name="Google Shape;96;p13"/>
-            <p:cNvSpPr txBox="1"/>
-            <p:nvPr/>
-          </p:nvSpPr>
-          <p:spPr>
-            <a:xfrm>
-              <a:off x="514889" y="7198197"/>
-              <a:ext cx="4216500" cy="266400"/>
-            </a:xfrm>
-            <a:prstGeom prst="rect">
-              <a:avLst/>
-            </a:prstGeom>
-            <a:noFill/>
-            <a:ln>
-              <a:noFill/>
-            </a:ln>
-          </p:spPr>
-          <p:txBody>
-            <a:bodyPr anchorCtr="0" anchor="b" bIns="92475" lIns="92475" spcFirstLastPara="1" rIns="92475" wrap="square" tIns="92475">
-              <a:noAutofit/>
-            </a:bodyPr>
-            <a:lstStyle/>
-            <a:p>
-              <a:pPr indent="0" lvl="0" marL="0" rtl="0" algn="l">
-                <a:spcBef>
-                  <a:spcPts val="0"/>
-                </a:spcBef>
-                <a:spcAft>
-                  <a:spcPts val="0"/>
-                </a:spcAft>
-                <a:buNone/>
-              </a:pPr>
-              <a:r>
-                <a:t/>
-              </a:r>
-              <a:endParaRPr b="1" sz="600">
-                <a:solidFill>
-                  <a:srgbClr val="000000"/>
-                </a:solidFill>
-                <a:latin typeface="IBM Plex Sans"/>
-                <a:ea typeface="IBM Plex Sans"/>
-                <a:cs typeface="IBM Plex Sans"/>
-                <a:sym typeface="IBM Plex Sans"/>
-              </a:endParaRPr>
-            </a:p>
-            <a:p>
-              <a:pPr indent="0" lvl="0" marL="0" rtl="0" algn="l">
-                <a:spcBef>
-                  <a:spcPts val="0"/>
-                </a:spcBef>
-                <a:spcAft>
-                  <a:spcPts val="0"/>
-                </a:spcAft>
-                <a:buNone/>
-              </a:pPr>
-              <a:r>
-                <a:t/>
-              </a:r>
-              <a:endParaRPr b="1" sz="600">
-                <a:solidFill>
-                  <a:srgbClr val="000000"/>
-                </a:solidFill>
-                <a:latin typeface="IBM Plex Sans"/>
-                <a:ea typeface="IBM Plex Sans"/>
-                <a:cs typeface="IBM Plex Sans"/>
-                <a:sym typeface="IBM Plex Sans"/>
-              </a:endParaRPr>
-            </a:p>
-            <a:p>
-              <a:pPr indent="0" lvl="0" marL="0" rtl="0" algn="l">
-                <a:spcBef>
-                  <a:spcPts val="0"/>
-                </a:spcBef>
-                <a:spcAft>
-                  <a:spcPts val="0"/>
-                </a:spcAft>
-                <a:buNone/>
-              </a:pPr>
-              <a:r>
-                <a:t/>
-              </a:r>
-              <a:endParaRPr b="1" sz="600">
-                <a:solidFill>
-                  <a:srgbClr val="000000"/>
-                </a:solidFill>
-                <a:latin typeface="IBM Plex Sans"/>
-                <a:ea typeface="IBM Plex Sans"/>
-                <a:cs typeface="IBM Plex Sans"/>
-                <a:sym typeface="IBM Plex Sans"/>
-              </a:endParaRPr>
-            </a:p>
-            <a:p>
-              <a:pPr indent="0" lvl="0" marL="0" rtl="0" algn="l">
-                <a:spcBef>
-                  <a:spcPts val="0"/>
-                </a:spcBef>
-                <a:spcAft>
-                  <a:spcPts val="0"/>
-                </a:spcAft>
-                <a:buNone/>
-              </a:pPr>
-              <a:r>
-                <a:rPr b="1" lang="en" sz="600">
-                  <a:latin typeface="IBM Plex Sans"/>
-                  <a:ea typeface="IBM Plex Sans"/>
-                  <a:cs typeface="IBM Plex Sans"/>
-                  <a:sym typeface="IBM Plex Sans"/>
-                </a:rPr>
-                <a:t>FINANCIAL INNOVATION LAB</a:t>
-              </a:r>
-              <a:r>
-                <a:rPr b="1" lang="en" sz="600">
-                  <a:solidFill>
-                    <a:srgbClr val="3C78D8"/>
-                  </a:solidFill>
-                  <a:latin typeface="IBM Plex Sans"/>
-                  <a:ea typeface="IBM Plex Sans"/>
-                  <a:cs typeface="IBM Plex Sans"/>
-                  <a:sym typeface="IBM Plex Sans"/>
-                </a:rPr>
-                <a:t> | BOOTCAMP ONE </a:t>
-              </a:r>
-              <a:endParaRPr b="1" sz="600">
-                <a:solidFill>
-                  <a:srgbClr val="3C78D8"/>
-                </a:solidFill>
-                <a:latin typeface="IBM Plex Sans"/>
-                <a:ea typeface="IBM Plex Sans"/>
-                <a:cs typeface="IBM Plex Sans"/>
-                <a:sym typeface="IBM Plex Sans"/>
-              </a:endParaRPr>
-            </a:p>
-          </p:txBody>
-        </p:sp>
-        <p:grpSp>
-          <p:nvGrpSpPr>
-            <p:cNvPr id="97" name="Google Shape;97;p13"/>
-            <p:cNvGrpSpPr/>
-            <p:nvPr/>
-          </p:nvGrpSpPr>
-          <p:grpSpPr>
-            <a:xfrm>
-              <a:off x="7712143" y="7094781"/>
-              <a:ext cx="2412328" cy="430321"/>
-              <a:chOff x="5831433" y="6857683"/>
-              <a:chExt cx="4631966" cy="815774"/>
-            </a:xfrm>
-          </p:grpSpPr>
-          <p:pic>
-            <p:nvPicPr>
-              <p:cNvPr id="98" name="Google Shape;98;p13"/>
-              <p:cNvPicPr preferRelativeResize="0"/>
-              <p:nvPr/>
-            </p:nvPicPr>
-            <p:blipFill>
-              <a:blip r:embed="rId3">
-                <a:alphaModFix/>
-              </a:blip>
-              <a:stretch>
-                <a:fillRect/>
-              </a:stretch>
-            </p:blipFill>
-            <p:spPr>
-              <a:xfrm>
-                <a:off x="9513825" y="6857683"/>
-                <a:ext cx="949574" cy="815774"/>
-              </a:xfrm>
-              <a:prstGeom prst="rect">
-                <a:avLst/>
-              </a:prstGeom>
-              <a:noFill/>
-              <a:ln>
-                <a:noFill/>
-              </a:ln>
-            </p:spPr>
-          </p:pic>
-          <p:pic>
-            <p:nvPicPr>
-              <p:cNvPr id="99" name="Google Shape;99;p13"/>
-              <p:cNvPicPr preferRelativeResize="0"/>
-              <p:nvPr/>
-            </p:nvPicPr>
-            <p:blipFill>
-              <a:blip r:embed="rId4">
-                <a:alphaModFix/>
-              </a:blip>
-              <a:stretch>
-                <a:fillRect/>
-              </a:stretch>
-            </p:blipFill>
-            <p:spPr>
-              <a:xfrm>
-                <a:off x="5831433" y="7117645"/>
-                <a:ext cx="1933325" cy="446407"/>
-              </a:xfrm>
-              <a:prstGeom prst="rect">
-                <a:avLst/>
-              </a:prstGeom>
-              <a:noFill/>
-              <a:ln>
-                <a:noFill/>
-              </a:ln>
-            </p:spPr>
-          </p:pic>
-          <p:pic>
-            <p:nvPicPr>
-              <p:cNvPr id="100" name="Google Shape;100;p13"/>
-              <p:cNvPicPr preferRelativeResize="0"/>
-              <p:nvPr/>
-            </p:nvPicPr>
-            <p:blipFill rotWithShape="1">
-              <a:blip r:embed="rId5">
-                <a:alphaModFix/>
-              </a:blip>
-              <a:srcRect b="23935" l="18913" r="10250" t="28704"/>
-              <a:stretch/>
-            </p:blipFill>
-            <p:spPr>
-              <a:xfrm>
-                <a:off x="8144179" y="7097827"/>
-                <a:ext cx="990224" cy="393901"/>
-              </a:xfrm>
-              <a:prstGeom prst="rect">
-                <a:avLst/>
-              </a:prstGeom>
-              <a:noFill/>
-              <a:ln>
-                <a:noFill/>
-              </a:ln>
-            </p:spPr>
-          </p:pic>
-        </p:grpSp>
-      </p:grpSp>
       <p:sp>
         <p:nvSpPr>
-          <p:cNvPr id="101" name="Google Shape;101;p13"/>
+          <p:cNvPr id="99" name="Google Shape;99;p15"/>
           <p:cNvSpPr/>
           <p:nvPr/>
         </p:nvSpPr>
@@ -9262,6 +10255,259 @@
           </a:p>
         </p:txBody>
       </p:sp>
+      <p:grpSp>
+        <p:nvGrpSpPr>
+          <p:cNvPr id="100" name="Google Shape;100;p15"/>
+          <p:cNvGrpSpPr/>
+          <p:nvPr/>
+        </p:nvGrpSpPr>
+        <p:grpSpPr>
+          <a:xfrm>
+            <a:off x="0" y="7094781"/>
+            <a:ext cx="10692000" cy="465069"/>
+            <a:chOff x="0" y="7094781"/>
+            <a:chExt cx="10692000" cy="465069"/>
+          </a:xfrm>
+        </p:grpSpPr>
+        <p:grpSp>
+          <p:nvGrpSpPr>
+            <p:cNvPr id="101" name="Google Shape;101;p15"/>
+            <p:cNvGrpSpPr/>
+            <p:nvPr/>
+          </p:nvGrpSpPr>
+          <p:grpSpPr>
+            <a:xfrm>
+              <a:off x="0" y="7094781"/>
+              <a:ext cx="10692000" cy="465069"/>
+              <a:chOff x="0" y="7094781"/>
+              <a:chExt cx="10692000" cy="465069"/>
+            </a:xfrm>
+          </p:grpSpPr>
+          <p:sp>
+            <p:nvSpPr>
+              <p:cNvPr id="102" name="Google Shape;102;p15"/>
+              <p:cNvSpPr/>
+              <p:nvPr/>
+            </p:nvSpPr>
+            <p:spPr>
+              <a:xfrm>
+                <a:off x="0" y="7094850"/>
+                <a:ext cx="10692000" cy="465000"/>
+              </a:xfrm>
+              <a:prstGeom prst="rect">
+                <a:avLst/>
+              </a:prstGeom>
+              <a:solidFill>
+                <a:srgbClr val="FFFFFF"/>
+              </a:solidFill>
+              <a:ln>
+                <a:noFill/>
+              </a:ln>
+            </p:spPr>
+            <p:txBody>
+              <a:bodyPr anchorCtr="0" anchor="ctr" bIns="91425" lIns="91425" spcFirstLastPara="1" rIns="91425" wrap="square" tIns="91425">
+                <a:noAutofit/>
+              </a:bodyPr>
+              <a:lstStyle/>
+              <a:p>
+                <a:pPr indent="0" lvl="0" marL="0" rtl="0" algn="l">
+                  <a:spcBef>
+                    <a:spcPts val="0"/>
+                  </a:spcBef>
+                  <a:spcAft>
+                    <a:spcPts val="0"/>
+                  </a:spcAft>
+                  <a:buNone/>
+                </a:pPr>
+                <a:r>
+                  <a:t/>
+                </a:r>
+                <a:endParaRPr/>
+              </a:p>
+            </p:txBody>
+          </p:sp>
+          <p:sp>
+            <p:nvSpPr>
+              <p:cNvPr id="103" name="Google Shape;103;p15"/>
+              <p:cNvSpPr txBox="1"/>
+              <p:nvPr/>
+            </p:nvSpPr>
+            <p:spPr>
+              <a:xfrm>
+                <a:off x="514889" y="7198197"/>
+                <a:ext cx="4216500" cy="266400"/>
+              </a:xfrm>
+              <a:prstGeom prst="rect">
+                <a:avLst/>
+              </a:prstGeom>
+              <a:noFill/>
+              <a:ln>
+                <a:noFill/>
+              </a:ln>
+            </p:spPr>
+            <p:txBody>
+              <a:bodyPr anchorCtr="0" anchor="b" bIns="92475" lIns="92475" spcFirstLastPara="1" rIns="92475" wrap="square" tIns="92475">
+                <a:noAutofit/>
+              </a:bodyPr>
+              <a:lstStyle/>
+              <a:p>
+                <a:pPr indent="0" lvl="0" marL="0" rtl="0" algn="l">
+                  <a:spcBef>
+                    <a:spcPts val="0"/>
+                  </a:spcBef>
+                  <a:spcAft>
+                    <a:spcPts val="0"/>
+                  </a:spcAft>
+                  <a:buNone/>
+                </a:pPr>
+                <a:r>
+                  <a:t/>
+                </a:r>
+                <a:endParaRPr b="1" sz="600">
+                  <a:solidFill>
+                    <a:srgbClr val="000000"/>
+                  </a:solidFill>
+                  <a:latin typeface="IBM Plex Sans"/>
+                  <a:ea typeface="IBM Plex Sans"/>
+                  <a:cs typeface="IBM Plex Sans"/>
+                  <a:sym typeface="IBM Plex Sans"/>
+                </a:endParaRPr>
+              </a:p>
+              <a:p>
+                <a:pPr indent="0" lvl="0" marL="0" rtl="0" algn="l">
+                  <a:spcBef>
+                    <a:spcPts val="0"/>
+                  </a:spcBef>
+                  <a:spcAft>
+                    <a:spcPts val="0"/>
+                  </a:spcAft>
+                  <a:buNone/>
+                </a:pPr>
+                <a:r>
+                  <a:t/>
+                </a:r>
+                <a:endParaRPr b="1" sz="600">
+                  <a:solidFill>
+                    <a:srgbClr val="000000"/>
+                  </a:solidFill>
+                  <a:latin typeface="IBM Plex Sans"/>
+                  <a:ea typeface="IBM Plex Sans"/>
+                  <a:cs typeface="IBM Plex Sans"/>
+                  <a:sym typeface="IBM Plex Sans"/>
+                </a:endParaRPr>
+              </a:p>
+              <a:p>
+                <a:pPr indent="0" lvl="0" marL="0" rtl="0" algn="l">
+                  <a:spcBef>
+                    <a:spcPts val="0"/>
+                  </a:spcBef>
+                  <a:spcAft>
+                    <a:spcPts val="0"/>
+                  </a:spcAft>
+                  <a:buNone/>
+                </a:pPr>
+                <a:r>
+                  <a:t/>
+                </a:r>
+                <a:endParaRPr b="1" sz="600">
+                  <a:solidFill>
+                    <a:srgbClr val="000000"/>
+                  </a:solidFill>
+                  <a:latin typeface="IBM Plex Sans"/>
+                  <a:ea typeface="IBM Plex Sans"/>
+                  <a:cs typeface="IBM Plex Sans"/>
+                  <a:sym typeface="IBM Plex Sans"/>
+                </a:endParaRPr>
+              </a:p>
+              <a:p>
+                <a:pPr indent="0" lvl="0" marL="0" rtl="0" algn="l">
+                  <a:spcBef>
+                    <a:spcPts val="0"/>
+                  </a:spcBef>
+                  <a:spcAft>
+                    <a:spcPts val="0"/>
+                  </a:spcAft>
+                  <a:buNone/>
+                </a:pPr>
+                <a:r>
+                  <a:rPr b="1" lang="en" sz="600">
+                    <a:latin typeface="IBM Plex Sans"/>
+                    <a:ea typeface="IBM Plex Sans"/>
+                    <a:cs typeface="IBM Plex Sans"/>
+                    <a:sym typeface="IBM Plex Sans"/>
+                  </a:rPr>
+                  <a:t>THE FINLAB TOOLKIT</a:t>
+                </a:r>
+                <a:endParaRPr b="1" sz="600">
+                  <a:solidFill>
+                    <a:srgbClr val="3C78D8"/>
+                  </a:solidFill>
+                  <a:latin typeface="IBM Plex Sans"/>
+                  <a:ea typeface="IBM Plex Sans"/>
+                  <a:cs typeface="IBM Plex Sans"/>
+                  <a:sym typeface="IBM Plex Sans"/>
+                </a:endParaRPr>
+              </a:p>
+            </p:txBody>
+          </p:sp>
+          <p:pic>
+            <p:nvPicPr>
+              <p:cNvPr id="104" name="Google Shape;104;p15"/>
+              <p:cNvPicPr preferRelativeResize="0"/>
+              <p:nvPr/>
+            </p:nvPicPr>
+            <p:blipFill>
+              <a:blip r:embed="rId3">
+                <a:alphaModFix/>
+              </a:blip>
+              <a:stretch>
+                <a:fillRect/>
+              </a:stretch>
+            </p:blipFill>
+            <p:spPr>
+              <a:xfrm>
+                <a:off x="9629932" y="7094781"/>
+                <a:ext cx="494539" cy="430321"/>
+              </a:xfrm>
+              <a:prstGeom prst="rect">
+                <a:avLst/>
+              </a:prstGeom>
+              <a:noFill/>
+              <a:ln>
+                <a:noFill/>
+              </a:ln>
+            </p:spPr>
+          </p:pic>
+        </p:grpSp>
+        <p:pic>
+          <p:nvPicPr>
+            <p:cNvPr id="105" name="Google Shape;105;p15"/>
+            <p:cNvPicPr preferRelativeResize="0"/>
+            <p:nvPr/>
+          </p:nvPicPr>
+          <p:blipFill>
+            <a:blip r:embed="rId4">
+              <a:alphaModFix/>
+            </a:blip>
+            <a:stretch>
+              <a:fillRect/>
+            </a:stretch>
+          </p:blipFill>
+          <p:spPr>
+            <a:xfrm>
+              <a:off x="8553150" y="7165073"/>
+              <a:ext cx="1013800" cy="354000"/>
+            </a:xfrm>
+            <a:prstGeom prst="rect">
+              <a:avLst/>
+            </a:prstGeom>
+            <a:noFill/>
+            <a:ln>
+              <a:noFill/>
+            </a:ln>
+          </p:spPr>
+        </p:pic>
+      </p:grpSp>
     </p:spTree>
   </p:cSld>
   <p:clrMapOvr>
@@ -9275,7 +10521,7 @@
   <p:cSld>
     <p:spTree>
       <p:nvGrpSpPr>
-        <p:cNvPr id="105" name="Shape 105"/>
+        <p:cNvPr id="109" name="Shape 109"/>
         <p:cNvGrpSpPr/>
         <p:nvPr/>
       </p:nvGrpSpPr>
@@ -9289,7 +10535,7 @@
       </p:grpSpPr>
       <p:sp>
         <p:nvSpPr>
-          <p:cNvPr id="106" name="Google Shape;106;p14"/>
+          <p:cNvPr id="110" name="Google Shape;110;p16"/>
           <p:cNvSpPr/>
           <p:nvPr/>
         </p:nvSpPr>
@@ -9340,7 +10586,7 @@
       </p:sp>
       <p:sp>
         <p:nvSpPr>
-          <p:cNvPr id="107" name="Google Shape;107;p14"/>
+          <p:cNvPr id="111" name="Google Shape;111;p16"/>
           <p:cNvSpPr txBox="1"/>
           <p:nvPr>
             <p:ph idx="1" type="body"/>
@@ -10198,7 +11444,7 @@
       </p:sp>
       <p:sp>
         <p:nvSpPr>
-          <p:cNvPr id="108" name="Google Shape;108;p14"/>
+          <p:cNvPr id="112" name="Google Shape;112;p16"/>
           <p:cNvSpPr txBox="1"/>
           <p:nvPr/>
         </p:nvSpPr>
@@ -10256,7 +11502,7 @@
       </p:sp>
       <p:sp>
         <p:nvSpPr>
-          <p:cNvPr id="109" name="Google Shape;109;p14"/>
+          <p:cNvPr id="113" name="Google Shape;113;p16"/>
           <p:cNvSpPr txBox="1"/>
           <p:nvPr/>
         </p:nvSpPr>
@@ -10520,7 +11766,7 @@
       </p:sp>
       <p:sp>
         <p:nvSpPr>
-          <p:cNvPr id="110" name="Google Shape;110;p14"/>
+          <p:cNvPr id="114" name="Google Shape;114;p16"/>
           <p:cNvSpPr txBox="1"/>
           <p:nvPr>
             <p:ph idx="1" type="body"/>
@@ -11018,7 +12264,7 @@
       </p:sp>
       <p:sp>
         <p:nvSpPr>
-          <p:cNvPr id="111" name="Google Shape;111;p14"/>
+          <p:cNvPr id="115" name="Google Shape;115;p16"/>
           <p:cNvSpPr txBox="1"/>
           <p:nvPr>
             <p:ph type="title"/>
@@ -11171,301 +12417,9 @@
           </a:p>
         </p:txBody>
       </p:sp>
-      <p:grpSp>
-        <p:nvGrpSpPr>
-          <p:cNvPr id="112" name="Google Shape;112;p14"/>
-          <p:cNvGrpSpPr/>
-          <p:nvPr/>
-        </p:nvGrpSpPr>
-        <p:grpSpPr>
-          <a:xfrm>
-            <a:off x="0" y="7094781"/>
-            <a:ext cx="10692000" cy="465069"/>
-            <a:chOff x="0" y="7094781"/>
-            <a:chExt cx="10692000" cy="465069"/>
-          </a:xfrm>
-        </p:grpSpPr>
-        <p:sp>
-          <p:nvSpPr>
-            <p:cNvPr id="113" name="Google Shape;113;p14"/>
-            <p:cNvSpPr/>
-            <p:nvPr/>
-          </p:nvSpPr>
-          <p:spPr>
-            <a:xfrm>
-              <a:off x="0" y="7094850"/>
-              <a:ext cx="10692000" cy="465000"/>
-            </a:xfrm>
-            <a:prstGeom prst="rect">
-              <a:avLst/>
-            </a:prstGeom>
-            <a:solidFill>
-              <a:srgbClr val="FFFFFF"/>
-            </a:solidFill>
-            <a:ln>
-              <a:noFill/>
-            </a:ln>
-          </p:spPr>
-          <p:txBody>
-            <a:bodyPr anchorCtr="0" anchor="ctr" bIns="91425" lIns="91425" spcFirstLastPara="1" rIns="91425" wrap="square" tIns="91425">
-              <a:noAutofit/>
-            </a:bodyPr>
-            <a:lstStyle/>
-            <a:p>
-              <a:pPr indent="0" lvl="0" marL="0" rtl="0" algn="l">
-                <a:spcBef>
-                  <a:spcPts val="0"/>
-                </a:spcBef>
-                <a:spcAft>
-                  <a:spcPts val="0"/>
-                </a:spcAft>
-                <a:buNone/>
-              </a:pPr>
-              <a:r>
-                <a:t/>
-              </a:r>
-              <a:endParaRPr/>
-            </a:p>
-          </p:txBody>
-        </p:sp>
-        <p:sp>
-          <p:nvSpPr>
-            <p:cNvPr id="114" name="Google Shape;114;p14"/>
-            <p:cNvSpPr txBox="1"/>
-            <p:nvPr/>
-          </p:nvSpPr>
-          <p:spPr>
-            <a:xfrm>
-              <a:off x="514889" y="7198197"/>
-              <a:ext cx="4216500" cy="266400"/>
-            </a:xfrm>
-            <a:prstGeom prst="rect">
-              <a:avLst/>
-            </a:prstGeom>
-            <a:noFill/>
-            <a:ln>
-              <a:noFill/>
-            </a:ln>
-          </p:spPr>
-          <p:txBody>
-            <a:bodyPr anchorCtr="0" anchor="b" bIns="92475" lIns="92475" spcFirstLastPara="1" rIns="92475" wrap="square" tIns="92475">
-              <a:noAutofit/>
-            </a:bodyPr>
-            <a:lstStyle/>
-            <a:p>
-              <a:pPr indent="0" lvl="0" marL="0" rtl="0" algn="l">
-                <a:spcBef>
-                  <a:spcPts val="0"/>
-                </a:spcBef>
-                <a:spcAft>
-                  <a:spcPts val="0"/>
-                </a:spcAft>
-                <a:buNone/>
-              </a:pPr>
-              <a:r>
-                <a:t/>
-              </a:r>
-              <a:endParaRPr b="1" sz="600">
-                <a:solidFill>
-                  <a:srgbClr val="000000"/>
-                </a:solidFill>
-                <a:latin typeface="IBM Plex Sans"/>
-                <a:ea typeface="IBM Plex Sans"/>
-                <a:cs typeface="IBM Plex Sans"/>
-                <a:sym typeface="IBM Plex Sans"/>
-              </a:endParaRPr>
-            </a:p>
-            <a:p>
-              <a:pPr indent="0" lvl="0" marL="0" rtl="0" algn="l">
-                <a:spcBef>
-                  <a:spcPts val="0"/>
-                </a:spcBef>
-                <a:spcAft>
-                  <a:spcPts val="0"/>
-                </a:spcAft>
-                <a:buNone/>
-              </a:pPr>
-              <a:r>
-                <a:t/>
-              </a:r>
-              <a:endParaRPr b="1" sz="600">
-                <a:solidFill>
-                  <a:srgbClr val="000000"/>
-                </a:solidFill>
-                <a:latin typeface="IBM Plex Sans"/>
-                <a:ea typeface="IBM Plex Sans"/>
-                <a:cs typeface="IBM Plex Sans"/>
-                <a:sym typeface="IBM Plex Sans"/>
-              </a:endParaRPr>
-            </a:p>
-            <a:p>
-              <a:pPr indent="0" lvl="0" marL="0" rtl="0" algn="l">
-                <a:spcBef>
-                  <a:spcPts val="0"/>
-                </a:spcBef>
-                <a:spcAft>
-                  <a:spcPts val="0"/>
-                </a:spcAft>
-                <a:buNone/>
-              </a:pPr>
-              <a:r>
-                <a:t/>
-              </a:r>
-              <a:endParaRPr b="1" sz="600">
-                <a:solidFill>
-                  <a:srgbClr val="000000"/>
-                </a:solidFill>
-                <a:latin typeface="IBM Plex Sans"/>
-                <a:ea typeface="IBM Plex Sans"/>
-                <a:cs typeface="IBM Plex Sans"/>
-                <a:sym typeface="IBM Plex Sans"/>
-              </a:endParaRPr>
-            </a:p>
-            <a:p>
-              <a:pPr indent="0" lvl="0" marL="0" rtl="0" algn="l">
-                <a:spcBef>
-                  <a:spcPts val="0"/>
-                </a:spcBef>
-                <a:spcAft>
-                  <a:spcPts val="0"/>
-                </a:spcAft>
-                <a:buNone/>
-              </a:pPr>
-              <a:r>
-                <a:rPr b="1" lang="en" sz="600">
-                  <a:latin typeface="IBM Plex Sans"/>
-                  <a:ea typeface="IBM Plex Sans"/>
-                  <a:cs typeface="IBM Plex Sans"/>
-                  <a:sym typeface="IBM Plex Sans"/>
-                </a:rPr>
-                <a:t>FINANCIAL INNOVATION LAB</a:t>
-              </a:r>
-              <a:r>
-                <a:rPr b="1" lang="en" sz="600">
-                  <a:solidFill>
-                    <a:srgbClr val="3C78D8"/>
-                  </a:solidFill>
-                  <a:latin typeface="IBM Plex Sans"/>
-                  <a:ea typeface="IBM Plex Sans"/>
-                  <a:cs typeface="IBM Plex Sans"/>
-                  <a:sym typeface="IBM Plex Sans"/>
-                </a:rPr>
-                <a:t> | BOOTCAMP ONE </a:t>
-              </a:r>
-              <a:endParaRPr b="1" sz="600">
-                <a:solidFill>
-                  <a:srgbClr val="3C78D8"/>
-                </a:solidFill>
-                <a:latin typeface="IBM Plex Sans"/>
-                <a:ea typeface="IBM Plex Sans"/>
-                <a:cs typeface="IBM Plex Sans"/>
-                <a:sym typeface="IBM Plex Sans"/>
-              </a:endParaRPr>
-            </a:p>
-          </p:txBody>
-        </p:sp>
-        <p:grpSp>
-          <p:nvGrpSpPr>
-            <p:cNvPr id="115" name="Google Shape;115;p14"/>
-            <p:cNvGrpSpPr/>
-            <p:nvPr/>
-          </p:nvGrpSpPr>
-          <p:grpSpPr>
-            <a:xfrm>
-              <a:off x="7712143" y="7094781"/>
-              <a:ext cx="2412328" cy="430321"/>
-              <a:chOff x="5831433" y="6857683"/>
-              <a:chExt cx="4631966" cy="815774"/>
-            </a:xfrm>
-          </p:grpSpPr>
-          <p:pic>
-            <p:nvPicPr>
-              <p:cNvPr id="116" name="Google Shape;116;p14"/>
-              <p:cNvPicPr preferRelativeResize="0"/>
-              <p:nvPr/>
-            </p:nvPicPr>
-            <p:blipFill>
-              <a:blip r:embed="rId3">
-                <a:alphaModFix/>
-              </a:blip>
-              <a:stretch>
-                <a:fillRect/>
-              </a:stretch>
-            </p:blipFill>
-            <p:spPr>
-              <a:xfrm>
-                <a:off x="9513825" y="6857683"/>
-                <a:ext cx="949574" cy="815774"/>
-              </a:xfrm>
-              <a:prstGeom prst="rect">
-                <a:avLst/>
-              </a:prstGeom>
-              <a:noFill/>
-              <a:ln>
-                <a:noFill/>
-              </a:ln>
-            </p:spPr>
-          </p:pic>
-          <p:pic>
-            <p:nvPicPr>
-              <p:cNvPr id="117" name="Google Shape;117;p14"/>
-              <p:cNvPicPr preferRelativeResize="0"/>
-              <p:nvPr/>
-            </p:nvPicPr>
-            <p:blipFill>
-              <a:blip r:embed="rId4">
-                <a:alphaModFix/>
-              </a:blip>
-              <a:stretch>
-                <a:fillRect/>
-              </a:stretch>
-            </p:blipFill>
-            <p:spPr>
-              <a:xfrm>
-                <a:off x="5831433" y="7117645"/>
-                <a:ext cx="1933325" cy="446407"/>
-              </a:xfrm>
-              <a:prstGeom prst="rect">
-                <a:avLst/>
-              </a:prstGeom>
-              <a:noFill/>
-              <a:ln>
-                <a:noFill/>
-              </a:ln>
-            </p:spPr>
-          </p:pic>
-          <p:pic>
-            <p:nvPicPr>
-              <p:cNvPr id="118" name="Google Shape;118;p14"/>
-              <p:cNvPicPr preferRelativeResize="0"/>
-              <p:nvPr/>
-            </p:nvPicPr>
-            <p:blipFill rotWithShape="1">
-              <a:blip r:embed="rId5">
-                <a:alphaModFix/>
-              </a:blip>
-              <a:srcRect b="23935" l="18913" r="10250" t="28704"/>
-              <a:stretch/>
-            </p:blipFill>
-            <p:spPr>
-              <a:xfrm>
-                <a:off x="8144179" y="7097827"/>
-                <a:ext cx="990224" cy="393901"/>
-              </a:xfrm>
-              <a:prstGeom prst="rect">
-                <a:avLst/>
-              </a:prstGeom>
-              <a:noFill/>
-              <a:ln>
-                <a:noFill/>
-              </a:ln>
-            </p:spPr>
-          </p:pic>
-        </p:grpSp>
-      </p:grpSp>
       <p:sp>
         <p:nvSpPr>
-          <p:cNvPr id="119" name="Google Shape;119;p14"/>
+          <p:cNvPr id="116" name="Google Shape;116;p16"/>
           <p:cNvSpPr/>
           <p:nvPr/>
         </p:nvSpPr>
@@ -11510,6 +12464,259 @@
           </a:p>
         </p:txBody>
       </p:sp>
+      <p:grpSp>
+        <p:nvGrpSpPr>
+          <p:cNvPr id="117" name="Google Shape;117;p16"/>
+          <p:cNvGrpSpPr/>
+          <p:nvPr/>
+        </p:nvGrpSpPr>
+        <p:grpSpPr>
+          <a:xfrm>
+            <a:off x="0" y="7094781"/>
+            <a:ext cx="10692000" cy="465069"/>
+            <a:chOff x="0" y="7094781"/>
+            <a:chExt cx="10692000" cy="465069"/>
+          </a:xfrm>
+        </p:grpSpPr>
+        <p:grpSp>
+          <p:nvGrpSpPr>
+            <p:cNvPr id="118" name="Google Shape;118;p16"/>
+            <p:cNvGrpSpPr/>
+            <p:nvPr/>
+          </p:nvGrpSpPr>
+          <p:grpSpPr>
+            <a:xfrm>
+              <a:off x="0" y="7094781"/>
+              <a:ext cx="10692000" cy="465069"/>
+              <a:chOff x="0" y="7094781"/>
+              <a:chExt cx="10692000" cy="465069"/>
+            </a:xfrm>
+          </p:grpSpPr>
+          <p:sp>
+            <p:nvSpPr>
+              <p:cNvPr id="119" name="Google Shape;119;p16"/>
+              <p:cNvSpPr/>
+              <p:nvPr/>
+            </p:nvSpPr>
+            <p:spPr>
+              <a:xfrm>
+                <a:off x="0" y="7094850"/>
+                <a:ext cx="10692000" cy="465000"/>
+              </a:xfrm>
+              <a:prstGeom prst="rect">
+                <a:avLst/>
+              </a:prstGeom>
+              <a:solidFill>
+                <a:srgbClr val="FFFFFF"/>
+              </a:solidFill>
+              <a:ln>
+                <a:noFill/>
+              </a:ln>
+            </p:spPr>
+            <p:txBody>
+              <a:bodyPr anchorCtr="0" anchor="ctr" bIns="91425" lIns="91425" spcFirstLastPara="1" rIns="91425" wrap="square" tIns="91425">
+                <a:noAutofit/>
+              </a:bodyPr>
+              <a:lstStyle/>
+              <a:p>
+                <a:pPr indent="0" lvl="0" marL="0" rtl="0" algn="l">
+                  <a:spcBef>
+                    <a:spcPts val="0"/>
+                  </a:spcBef>
+                  <a:spcAft>
+                    <a:spcPts val="0"/>
+                  </a:spcAft>
+                  <a:buNone/>
+                </a:pPr>
+                <a:r>
+                  <a:t/>
+                </a:r>
+                <a:endParaRPr/>
+              </a:p>
+            </p:txBody>
+          </p:sp>
+          <p:sp>
+            <p:nvSpPr>
+              <p:cNvPr id="120" name="Google Shape;120;p16"/>
+              <p:cNvSpPr txBox="1"/>
+              <p:nvPr/>
+            </p:nvSpPr>
+            <p:spPr>
+              <a:xfrm>
+                <a:off x="514889" y="7198197"/>
+                <a:ext cx="4216500" cy="266400"/>
+              </a:xfrm>
+              <a:prstGeom prst="rect">
+                <a:avLst/>
+              </a:prstGeom>
+              <a:noFill/>
+              <a:ln>
+                <a:noFill/>
+              </a:ln>
+            </p:spPr>
+            <p:txBody>
+              <a:bodyPr anchorCtr="0" anchor="b" bIns="92475" lIns="92475" spcFirstLastPara="1" rIns="92475" wrap="square" tIns="92475">
+                <a:noAutofit/>
+              </a:bodyPr>
+              <a:lstStyle/>
+              <a:p>
+                <a:pPr indent="0" lvl="0" marL="0" rtl="0" algn="l">
+                  <a:spcBef>
+                    <a:spcPts val="0"/>
+                  </a:spcBef>
+                  <a:spcAft>
+                    <a:spcPts val="0"/>
+                  </a:spcAft>
+                  <a:buNone/>
+                </a:pPr>
+                <a:r>
+                  <a:t/>
+                </a:r>
+                <a:endParaRPr b="1" sz="600">
+                  <a:solidFill>
+                    <a:srgbClr val="000000"/>
+                  </a:solidFill>
+                  <a:latin typeface="IBM Plex Sans"/>
+                  <a:ea typeface="IBM Plex Sans"/>
+                  <a:cs typeface="IBM Plex Sans"/>
+                  <a:sym typeface="IBM Plex Sans"/>
+                </a:endParaRPr>
+              </a:p>
+              <a:p>
+                <a:pPr indent="0" lvl="0" marL="0" rtl="0" algn="l">
+                  <a:spcBef>
+                    <a:spcPts val="0"/>
+                  </a:spcBef>
+                  <a:spcAft>
+                    <a:spcPts val="0"/>
+                  </a:spcAft>
+                  <a:buNone/>
+                </a:pPr>
+                <a:r>
+                  <a:t/>
+                </a:r>
+                <a:endParaRPr b="1" sz="600">
+                  <a:solidFill>
+                    <a:srgbClr val="000000"/>
+                  </a:solidFill>
+                  <a:latin typeface="IBM Plex Sans"/>
+                  <a:ea typeface="IBM Plex Sans"/>
+                  <a:cs typeface="IBM Plex Sans"/>
+                  <a:sym typeface="IBM Plex Sans"/>
+                </a:endParaRPr>
+              </a:p>
+              <a:p>
+                <a:pPr indent="0" lvl="0" marL="0" rtl="0" algn="l">
+                  <a:spcBef>
+                    <a:spcPts val="0"/>
+                  </a:spcBef>
+                  <a:spcAft>
+                    <a:spcPts val="0"/>
+                  </a:spcAft>
+                  <a:buNone/>
+                </a:pPr>
+                <a:r>
+                  <a:t/>
+                </a:r>
+                <a:endParaRPr b="1" sz="600">
+                  <a:solidFill>
+                    <a:srgbClr val="000000"/>
+                  </a:solidFill>
+                  <a:latin typeface="IBM Plex Sans"/>
+                  <a:ea typeface="IBM Plex Sans"/>
+                  <a:cs typeface="IBM Plex Sans"/>
+                  <a:sym typeface="IBM Plex Sans"/>
+                </a:endParaRPr>
+              </a:p>
+              <a:p>
+                <a:pPr indent="0" lvl="0" marL="0" rtl="0" algn="l">
+                  <a:spcBef>
+                    <a:spcPts val="0"/>
+                  </a:spcBef>
+                  <a:spcAft>
+                    <a:spcPts val="0"/>
+                  </a:spcAft>
+                  <a:buNone/>
+                </a:pPr>
+                <a:r>
+                  <a:rPr b="1" lang="en" sz="600">
+                    <a:latin typeface="IBM Plex Sans"/>
+                    <a:ea typeface="IBM Plex Sans"/>
+                    <a:cs typeface="IBM Plex Sans"/>
+                    <a:sym typeface="IBM Plex Sans"/>
+                  </a:rPr>
+                  <a:t>THE FINLAB TOOLKIT</a:t>
+                </a:r>
+                <a:endParaRPr b="1" sz="600">
+                  <a:solidFill>
+                    <a:srgbClr val="3C78D8"/>
+                  </a:solidFill>
+                  <a:latin typeface="IBM Plex Sans"/>
+                  <a:ea typeface="IBM Plex Sans"/>
+                  <a:cs typeface="IBM Plex Sans"/>
+                  <a:sym typeface="IBM Plex Sans"/>
+                </a:endParaRPr>
+              </a:p>
+            </p:txBody>
+          </p:sp>
+          <p:pic>
+            <p:nvPicPr>
+              <p:cNvPr id="121" name="Google Shape;121;p16"/>
+              <p:cNvPicPr preferRelativeResize="0"/>
+              <p:nvPr/>
+            </p:nvPicPr>
+            <p:blipFill>
+              <a:blip r:embed="rId3">
+                <a:alphaModFix/>
+              </a:blip>
+              <a:stretch>
+                <a:fillRect/>
+              </a:stretch>
+            </p:blipFill>
+            <p:spPr>
+              <a:xfrm>
+                <a:off x="9629932" y="7094781"/>
+                <a:ext cx="494539" cy="430321"/>
+              </a:xfrm>
+              <a:prstGeom prst="rect">
+                <a:avLst/>
+              </a:prstGeom>
+              <a:noFill/>
+              <a:ln>
+                <a:noFill/>
+              </a:ln>
+            </p:spPr>
+          </p:pic>
+        </p:grpSp>
+        <p:pic>
+          <p:nvPicPr>
+            <p:cNvPr id="122" name="Google Shape;122;p16"/>
+            <p:cNvPicPr preferRelativeResize="0"/>
+            <p:nvPr/>
+          </p:nvPicPr>
+          <p:blipFill>
+            <a:blip r:embed="rId4">
+              <a:alphaModFix/>
+            </a:blip>
+            <a:stretch>
+              <a:fillRect/>
+            </a:stretch>
+          </p:blipFill>
+          <p:spPr>
+            <a:xfrm>
+              <a:off x="8553150" y="7165073"/>
+              <a:ext cx="1013800" cy="354000"/>
+            </a:xfrm>
+            <a:prstGeom prst="rect">
+              <a:avLst/>
+            </a:prstGeom>
+            <a:noFill/>
+            <a:ln>
+              <a:noFill/>
+            </a:ln>
+          </p:spPr>
+        </p:pic>
+      </p:grpSp>
     </p:spTree>
   </p:cSld>
   <p:clrMapOvr>
@@ -11523,7 +12730,7 @@
   <p:cSld>
     <p:spTree>
       <p:nvGrpSpPr>
-        <p:cNvPr id="123" name="Shape 123"/>
+        <p:cNvPr id="126" name="Shape 126"/>
         <p:cNvGrpSpPr/>
         <p:nvPr/>
       </p:nvGrpSpPr>
@@ -11537,7 +12744,7 @@
       </p:grpSpPr>
       <p:grpSp>
         <p:nvGrpSpPr>
-          <p:cNvPr id="124" name="Google Shape;124;p15"/>
+          <p:cNvPr id="127" name="Google Shape;127;p17"/>
           <p:cNvGrpSpPr/>
           <p:nvPr/>
         </p:nvGrpSpPr>
@@ -11551,7 +12758,7 @@
         </p:grpSpPr>
         <p:sp>
           <p:nvSpPr>
-            <p:cNvPr id="125" name="Google Shape;125;p15"/>
+            <p:cNvPr id="128" name="Google Shape;128;p17"/>
             <p:cNvSpPr/>
             <p:nvPr/>
           </p:nvSpPr>
@@ -11600,7 +12807,7 @@
         </p:sp>
         <p:sp>
           <p:nvSpPr>
-            <p:cNvPr id="126" name="Google Shape;126;p15"/>
+            <p:cNvPr id="129" name="Google Shape;129;p17"/>
             <p:cNvSpPr/>
             <p:nvPr/>
           </p:nvSpPr>
@@ -11649,7 +12856,7 @@
         </p:sp>
         <p:sp>
           <p:nvSpPr>
-            <p:cNvPr id="127" name="Google Shape;127;p15"/>
+            <p:cNvPr id="130" name="Google Shape;130;p17"/>
             <p:cNvSpPr/>
             <p:nvPr/>
           </p:nvSpPr>
@@ -11698,7 +12905,7 @@
         </p:sp>
         <p:sp>
           <p:nvSpPr>
-            <p:cNvPr id="128" name="Google Shape;128;p15"/>
+            <p:cNvPr id="131" name="Google Shape;131;p17"/>
             <p:cNvSpPr txBox="1"/>
             <p:nvPr/>
           </p:nvSpPr>
@@ -11788,7 +12995,7 @@
         </p:sp>
         <p:sp>
           <p:nvSpPr>
-            <p:cNvPr id="129" name="Google Shape;129;p15"/>
+            <p:cNvPr id="132" name="Google Shape;132;p17"/>
             <p:cNvSpPr/>
             <p:nvPr/>
           </p:nvSpPr>
@@ -11837,7 +13044,7 @@
         </p:sp>
         <p:sp>
           <p:nvSpPr>
-            <p:cNvPr id="130" name="Google Shape;130;p15"/>
+            <p:cNvPr id="133" name="Google Shape;133;p17"/>
             <p:cNvSpPr txBox="1"/>
             <p:nvPr/>
           </p:nvSpPr>
@@ -11895,7 +13102,7 @@
         </p:sp>
         <p:sp>
           <p:nvSpPr>
-            <p:cNvPr id="131" name="Google Shape;131;p15"/>
+            <p:cNvPr id="134" name="Google Shape;134;p17"/>
             <p:cNvSpPr txBox="1"/>
             <p:nvPr/>
           </p:nvSpPr>
@@ -11985,7 +13192,7 @@
         </p:sp>
         <p:sp>
           <p:nvSpPr>
-            <p:cNvPr id="132" name="Google Shape;132;p15"/>
+            <p:cNvPr id="135" name="Google Shape;135;p17"/>
             <p:cNvSpPr txBox="1"/>
             <p:nvPr/>
           </p:nvSpPr>
@@ -12076,7 +13283,7 @@
       </p:grpSp>
       <p:sp>
         <p:nvSpPr>
-          <p:cNvPr id="133" name="Google Shape;133;p15"/>
+          <p:cNvPr id="136" name="Google Shape;136;p17"/>
           <p:cNvSpPr txBox="1"/>
           <p:nvPr>
             <p:ph type="title"/>
@@ -12238,7 +13445,7 @@
       </p:sp>
       <p:grpSp>
         <p:nvGrpSpPr>
-          <p:cNvPr id="134" name="Google Shape;134;p15"/>
+          <p:cNvPr id="137" name="Google Shape;137;p17"/>
           <p:cNvGrpSpPr/>
           <p:nvPr/>
         </p:nvGrpSpPr>
@@ -12250,163 +13457,176 @@
             <a:chExt cx="10692000" cy="465069"/>
           </a:xfrm>
         </p:grpSpPr>
-        <p:sp>
-          <p:nvSpPr>
-            <p:cNvPr id="135" name="Google Shape;135;p15"/>
-            <p:cNvSpPr/>
+        <p:grpSp>
+          <p:nvGrpSpPr>
+            <p:cNvPr id="138" name="Google Shape;138;p17"/>
+            <p:cNvGrpSpPr/>
             <p:nvPr/>
-          </p:nvSpPr>
-          <p:spPr>
+          </p:nvGrpSpPr>
+          <p:grpSpPr>
             <a:xfrm>
-              <a:off x="0" y="7094850"/>
-              <a:ext cx="10692000" cy="465000"/>
+              <a:off x="0" y="7094781"/>
+              <a:ext cx="10692000" cy="465069"/>
+              <a:chOff x="0" y="7094781"/>
+              <a:chExt cx="10692000" cy="465069"/>
             </a:xfrm>
-            <a:prstGeom prst="rect">
-              <a:avLst/>
-            </a:prstGeom>
-            <a:solidFill>
-              <a:srgbClr val="FFFFFF"/>
-            </a:solidFill>
-            <a:ln>
+          </p:grpSpPr>
+          <p:sp>
+            <p:nvSpPr>
+              <p:cNvPr id="139" name="Google Shape;139;p17"/>
+              <p:cNvSpPr/>
+              <p:nvPr/>
+            </p:nvSpPr>
+            <p:spPr>
+              <a:xfrm>
+                <a:off x="0" y="7094850"/>
+                <a:ext cx="10692000" cy="465000"/>
+              </a:xfrm>
+              <a:prstGeom prst="rect">
+                <a:avLst/>
+              </a:prstGeom>
+              <a:solidFill>
+                <a:srgbClr val="FFFFFF"/>
+              </a:solidFill>
+              <a:ln>
+                <a:noFill/>
+              </a:ln>
+            </p:spPr>
+            <p:txBody>
+              <a:bodyPr anchorCtr="0" anchor="ctr" bIns="91425" lIns="91425" spcFirstLastPara="1" rIns="91425" wrap="square" tIns="91425">
+                <a:noAutofit/>
+              </a:bodyPr>
+              <a:lstStyle/>
+              <a:p>
+                <a:pPr indent="0" lvl="0" marL="0" rtl="0" algn="l">
+                  <a:spcBef>
+                    <a:spcPts val="0"/>
+                  </a:spcBef>
+                  <a:spcAft>
+                    <a:spcPts val="0"/>
+                  </a:spcAft>
+                  <a:buNone/>
+                </a:pPr>
+                <a:r>
+                  <a:t/>
+                </a:r>
+                <a:endParaRPr/>
+              </a:p>
+            </p:txBody>
+          </p:sp>
+          <p:sp>
+            <p:nvSpPr>
+              <p:cNvPr id="140" name="Google Shape;140;p17"/>
+              <p:cNvSpPr txBox="1"/>
+              <p:nvPr/>
+            </p:nvSpPr>
+            <p:spPr>
+              <a:xfrm>
+                <a:off x="514889" y="7198197"/>
+                <a:ext cx="4216500" cy="266400"/>
+              </a:xfrm>
+              <a:prstGeom prst="rect">
+                <a:avLst/>
+              </a:prstGeom>
               <a:noFill/>
-            </a:ln>
-          </p:spPr>
-          <p:txBody>
-            <a:bodyPr anchorCtr="0" anchor="ctr" bIns="91425" lIns="91425" spcFirstLastPara="1" rIns="91425" wrap="square" tIns="91425">
-              <a:noAutofit/>
-            </a:bodyPr>
-            <a:lstStyle/>
-            <a:p>
-              <a:pPr indent="0" lvl="0" marL="0" rtl="0" algn="l">
-                <a:spcBef>
-                  <a:spcPts val="0"/>
-                </a:spcBef>
-                <a:spcAft>
-                  <a:spcPts val="0"/>
-                </a:spcAft>
-                <a:buNone/>
-              </a:pPr>
-              <a:r>
-                <a:t/>
-              </a:r>
-              <a:endParaRPr/>
-            </a:p>
-          </p:txBody>
-        </p:sp>
-        <p:sp>
-          <p:nvSpPr>
-            <p:cNvPr id="136" name="Google Shape;136;p15"/>
-            <p:cNvSpPr txBox="1"/>
-            <p:nvPr/>
-          </p:nvSpPr>
-          <p:spPr>
-            <a:xfrm>
-              <a:off x="514889" y="7198197"/>
-              <a:ext cx="4216500" cy="266400"/>
-            </a:xfrm>
-            <a:prstGeom prst="rect">
-              <a:avLst/>
-            </a:prstGeom>
-            <a:noFill/>
-            <a:ln>
-              <a:noFill/>
-            </a:ln>
-          </p:spPr>
-          <p:txBody>
-            <a:bodyPr anchorCtr="0" anchor="b" bIns="92475" lIns="92475" spcFirstLastPara="1" rIns="92475" wrap="square" tIns="92475">
-              <a:noAutofit/>
-            </a:bodyPr>
-            <a:lstStyle/>
-            <a:p>
-              <a:pPr indent="0" lvl="0" marL="0" rtl="0" algn="l">
-                <a:spcBef>
-                  <a:spcPts val="0"/>
-                </a:spcBef>
-                <a:spcAft>
-                  <a:spcPts val="0"/>
-                </a:spcAft>
-                <a:buNone/>
-              </a:pPr>
-              <a:r>
-                <a:t/>
-              </a:r>
-              <a:endParaRPr b="1" sz="600">
-                <a:solidFill>
-                  <a:srgbClr val="000000"/>
-                </a:solidFill>
-                <a:latin typeface="IBM Plex Sans"/>
-                <a:ea typeface="IBM Plex Sans"/>
-                <a:cs typeface="IBM Plex Sans"/>
-                <a:sym typeface="IBM Plex Sans"/>
-              </a:endParaRPr>
-            </a:p>
-            <a:p>
-              <a:pPr indent="0" lvl="0" marL="0" rtl="0" algn="l">
-                <a:spcBef>
-                  <a:spcPts val="0"/>
-                </a:spcBef>
-                <a:spcAft>
-                  <a:spcPts val="0"/>
-                </a:spcAft>
-                <a:buNone/>
-              </a:pPr>
-              <a:r>
-                <a:t/>
-              </a:r>
-              <a:endParaRPr b="1" sz="600">
-                <a:solidFill>
-                  <a:srgbClr val="000000"/>
-                </a:solidFill>
-                <a:latin typeface="IBM Plex Sans"/>
-                <a:ea typeface="IBM Plex Sans"/>
-                <a:cs typeface="IBM Plex Sans"/>
-                <a:sym typeface="IBM Plex Sans"/>
-              </a:endParaRPr>
-            </a:p>
-            <a:p>
-              <a:pPr indent="0" lvl="0" marL="0" rtl="0" algn="l">
-                <a:spcBef>
-                  <a:spcPts val="0"/>
-                </a:spcBef>
-                <a:spcAft>
-                  <a:spcPts val="0"/>
-                </a:spcAft>
-                <a:buNone/>
-              </a:pPr>
-              <a:r>
-                <a:t/>
-              </a:r>
-              <a:endParaRPr b="1" sz="600">
-                <a:solidFill>
-                  <a:srgbClr val="000000"/>
-                </a:solidFill>
-                <a:latin typeface="IBM Plex Sans"/>
-                <a:ea typeface="IBM Plex Sans"/>
-                <a:cs typeface="IBM Plex Sans"/>
-                <a:sym typeface="IBM Plex Sans"/>
-              </a:endParaRPr>
-            </a:p>
-            <a:p>
-              <a:pPr indent="0" lvl="0" marL="0" rtl="0" algn="l">
-                <a:spcBef>
-                  <a:spcPts val="0"/>
-                </a:spcBef>
-                <a:spcAft>
-                  <a:spcPts val="0"/>
-                </a:spcAft>
-                <a:buNone/>
-              </a:pPr>
-              <a:r>
-                <a:rPr b="1" lang="en" sz="600">
+              <a:ln>
+                <a:noFill/>
+              </a:ln>
+            </p:spPr>
+            <p:txBody>
+              <a:bodyPr anchorCtr="0" anchor="b" bIns="92475" lIns="92475" spcFirstLastPara="1" rIns="92475" wrap="square" tIns="92475">
+                <a:noAutofit/>
+              </a:bodyPr>
+              <a:lstStyle/>
+              <a:p>
+                <a:pPr indent="0" lvl="0" marL="0" rtl="0" algn="l">
+                  <a:spcBef>
+                    <a:spcPts val="0"/>
+                  </a:spcBef>
+                  <a:spcAft>
+                    <a:spcPts val="0"/>
+                  </a:spcAft>
+                  <a:buNone/>
+                </a:pPr>
+                <a:r>
+                  <a:t/>
+                </a:r>
+                <a:endParaRPr b="1" sz="600">
+                  <a:solidFill>
+                    <a:srgbClr val="000000"/>
+                  </a:solidFill>
                   <a:latin typeface="IBM Plex Sans"/>
                   <a:ea typeface="IBM Plex Sans"/>
                   <a:cs typeface="IBM Plex Sans"/>
                   <a:sym typeface="IBM Plex Sans"/>
-                </a:rPr>
-                <a:t>FINANCIAL INNOVATION LAB</a:t>
-              </a:r>
-              <a:r>
-                <a:rPr b="1" lang="en" sz="600">
+                </a:endParaRPr>
+              </a:p>
+              <a:p>
+                <a:pPr indent="0" lvl="0" marL="0" rtl="0" algn="l">
+                  <a:spcBef>
+                    <a:spcPts val="0"/>
+                  </a:spcBef>
+                  <a:spcAft>
+                    <a:spcPts val="0"/>
+                  </a:spcAft>
+                  <a:buNone/>
+                </a:pPr>
+                <a:r>
+                  <a:t/>
+                </a:r>
+                <a:endParaRPr b="1" sz="600">
+                  <a:solidFill>
+                    <a:srgbClr val="000000"/>
+                  </a:solidFill>
+                  <a:latin typeface="IBM Plex Sans"/>
+                  <a:ea typeface="IBM Plex Sans"/>
+                  <a:cs typeface="IBM Plex Sans"/>
+                  <a:sym typeface="IBM Plex Sans"/>
+                </a:endParaRPr>
+              </a:p>
+              <a:p>
+                <a:pPr indent="0" lvl="0" marL="0" rtl="0" algn="l">
+                  <a:spcBef>
+                    <a:spcPts val="0"/>
+                  </a:spcBef>
+                  <a:spcAft>
+                    <a:spcPts val="0"/>
+                  </a:spcAft>
+                  <a:buNone/>
+                </a:pPr>
+                <a:r>
+                  <a:t/>
+                </a:r>
+                <a:endParaRPr b="1" sz="600">
+                  <a:solidFill>
+                    <a:srgbClr val="000000"/>
+                  </a:solidFill>
+                  <a:latin typeface="IBM Plex Sans"/>
+                  <a:ea typeface="IBM Plex Sans"/>
+                  <a:cs typeface="IBM Plex Sans"/>
+                  <a:sym typeface="IBM Plex Sans"/>
+                </a:endParaRPr>
+              </a:p>
+              <a:p>
+                <a:pPr indent="0" lvl="0" marL="0" rtl="0" algn="l">
+                  <a:spcBef>
+                    <a:spcPts val="0"/>
+                  </a:spcBef>
+                  <a:spcAft>
+                    <a:spcPts val="0"/>
+                  </a:spcAft>
+                  <a:buNone/>
+                </a:pPr>
+                <a:r>
+                  <a:rPr b="1" lang="en" sz="600">
+                    <a:latin typeface="IBM Plex Sans"/>
+                    <a:ea typeface="IBM Plex Sans"/>
+                    <a:cs typeface="IBM Plex Sans"/>
+                    <a:sym typeface="IBM Plex Sans"/>
+                  </a:rPr>
+                  <a:t>THE FINLAB TOOLKIT</a:t>
+                </a:r>
+                <a:endParaRPr b="1" sz="600">
                   <a:solidFill>
                     <a:srgbClr val="3C78D8"/>
                   </a:solidFill>
@@ -12414,38 +13634,13 @@
                   <a:ea typeface="IBM Plex Sans"/>
                   <a:cs typeface="IBM Plex Sans"/>
                   <a:sym typeface="IBM Plex Sans"/>
-                </a:rPr>
-                <a:t> | BOOTCAMP ONE </a:t>
-              </a:r>
-              <a:endParaRPr b="1" sz="600">
-                <a:solidFill>
-                  <a:srgbClr val="3C78D8"/>
-                </a:solidFill>
-                <a:latin typeface="IBM Plex Sans"/>
-                <a:ea typeface="IBM Plex Sans"/>
-                <a:cs typeface="IBM Plex Sans"/>
-                <a:sym typeface="IBM Plex Sans"/>
-              </a:endParaRPr>
-            </a:p>
-          </p:txBody>
-        </p:sp>
-        <p:grpSp>
-          <p:nvGrpSpPr>
-            <p:cNvPr id="137" name="Google Shape;137;p15"/>
-            <p:cNvGrpSpPr/>
-            <p:nvPr/>
-          </p:nvGrpSpPr>
-          <p:grpSpPr>
-            <a:xfrm>
-              <a:off x="7712143" y="7094781"/>
-              <a:ext cx="2412328" cy="430321"/>
-              <a:chOff x="5831433" y="6857683"/>
-              <a:chExt cx="4631966" cy="815774"/>
-            </a:xfrm>
-          </p:grpSpPr>
+                </a:endParaRPr>
+              </a:p>
+            </p:txBody>
+          </p:sp>
           <p:pic>
             <p:nvPicPr>
-              <p:cNvPr id="138" name="Google Shape;138;p15"/>
+              <p:cNvPr id="141" name="Google Shape;141;p17"/>
               <p:cNvPicPr preferRelativeResize="0"/>
               <p:nvPr/>
             </p:nvPicPr>
@@ -12459,63 +13654,8 @@
             </p:blipFill>
             <p:spPr>
               <a:xfrm>
-                <a:off x="9513825" y="6857683"/>
-                <a:ext cx="949574" cy="815774"/>
-              </a:xfrm>
-              <a:prstGeom prst="rect">
-                <a:avLst/>
-              </a:prstGeom>
-              <a:noFill/>
-              <a:ln>
-                <a:noFill/>
-              </a:ln>
-            </p:spPr>
-          </p:pic>
-          <p:pic>
-            <p:nvPicPr>
-              <p:cNvPr id="139" name="Google Shape;139;p15"/>
-              <p:cNvPicPr preferRelativeResize="0"/>
-              <p:nvPr/>
-            </p:nvPicPr>
-            <p:blipFill>
-              <a:blip r:embed="rId4">
-                <a:alphaModFix/>
-              </a:blip>
-              <a:stretch>
-                <a:fillRect/>
-              </a:stretch>
-            </p:blipFill>
-            <p:spPr>
-              <a:xfrm>
-                <a:off x="5831433" y="7117645"/>
-                <a:ext cx="1933325" cy="446407"/>
-              </a:xfrm>
-              <a:prstGeom prst="rect">
-                <a:avLst/>
-              </a:prstGeom>
-              <a:noFill/>
-              <a:ln>
-                <a:noFill/>
-              </a:ln>
-            </p:spPr>
-          </p:pic>
-          <p:pic>
-            <p:nvPicPr>
-              <p:cNvPr id="140" name="Google Shape;140;p15"/>
-              <p:cNvPicPr preferRelativeResize="0"/>
-              <p:nvPr/>
-            </p:nvPicPr>
-            <p:blipFill rotWithShape="1">
-              <a:blip r:embed="rId5">
-                <a:alphaModFix/>
-              </a:blip>
-              <a:srcRect b="23935" l="18913" r="10250" t="28704"/>
-              <a:stretch/>
-            </p:blipFill>
-            <p:spPr>
-              <a:xfrm>
-                <a:off x="8144179" y="7097827"/>
-                <a:ext cx="990224" cy="393901"/>
+                <a:off x="9629932" y="7094781"/>
+                <a:ext cx="494539" cy="430321"/>
               </a:xfrm>
               <a:prstGeom prst="rect">
                 <a:avLst/>
@@ -12527,6 +13667,34 @@
             </p:spPr>
           </p:pic>
         </p:grpSp>
+        <p:pic>
+          <p:nvPicPr>
+            <p:cNvPr id="142" name="Google Shape;142;p17"/>
+            <p:cNvPicPr preferRelativeResize="0"/>
+            <p:nvPr/>
+          </p:nvPicPr>
+          <p:blipFill>
+            <a:blip r:embed="rId4">
+              <a:alphaModFix/>
+            </a:blip>
+            <a:stretch>
+              <a:fillRect/>
+            </a:stretch>
+          </p:blipFill>
+          <p:spPr>
+            <a:xfrm>
+              <a:off x="8553150" y="7165073"/>
+              <a:ext cx="1013800" cy="354000"/>
+            </a:xfrm>
+            <a:prstGeom prst="rect">
+              <a:avLst/>
+            </a:prstGeom>
+            <a:noFill/>
+            <a:ln>
+              <a:noFill/>
+            </a:ln>
+          </p:spPr>
+        </p:pic>
       </p:grpSp>
     </p:spTree>
   </p:cSld>
@@ -12541,7 +13709,7 @@
   <p:cSld>
     <p:spTree>
       <p:nvGrpSpPr>
-        <p:cNvPr id="144" name="Shape 144"/>
+        <p:cNvPr id="146" name="Shape 146"/>
         <p:cNvGrpSpPr/>
         <p:nvPr/>
       </p:nvGrpSpPr>
@@ -12555,7 +13723,7 @@
       </p:grpSpPr>
       <p:sp>
         <p:nvSpPr>
-          <p:cNvPr id="145" name="Google Shape;145;p16"/>
+          <p:cNvPr id="147" name="Google Shape;147;p18"/>
           <p:cNvSpPr txBox="1"/>
           <p:nvPr>
             <p:ph type="title"/>
@@ -12715,306 +13883,14 @@
           </a:p>
         </p:txBody>
       </p:sp>
-      <p:grpSp>
-        <p:nvGrpSpPr>
-          <p:cNvPr id="146" name="Google Shape;146;p16"/>
-          <p:cNvGrpSpPr/>
-          <p:nvPr/>
-        </p:nvGrpSpPr>
-        <p:grpSpPr>
-          <a:xfrm>
-            <a:off x="0" y="7094781"/>
-            <a:ext cx="10692000" cy="465069"/>
-            <a:chOff x="0" y="7094781"/>
-            <a:chExt cx="10692000" cy="465069"/>
-          </a:xfrm>
-        </p:grpSpPr>
-        <p:sp>
-          <p:nvSpPr>
-            <p:cNvPr id="147" name="Google Shape;147;p16"/>
-            <p:cNvSpPr/>
-            <p:nvPr/>
-          </p:nvSpPr>
-          <p:spPr>
-            <a:xfrm>
-              <a:off x="0" y="7094850"/>
-              <a:ext cx="10692000" cy="465000"/>
-            </a:xfrm>
-            <a:prstGeom prst="rect">
-              <a:avLst/>
-            </a:prstGeom>
-            <a:solidFill>
-              <a:srgbClr val="FFFFFF"/>
-            </a:solidFill>
-            <a:ln>
-              <a:noFill/>
-            </a:ln>
-          </p:spPr>
-          <p:txBody>
-            <a:bodyPr anchorCtr="0" anchor="ctr" bIns="91425" lIns="91425" spcFirstLastPara="1" rIns="91425" wrap="square" tIns="91425">
-              <a:noAutofit/>
-            </a:bodyPr>
-            <a:lstStyle/>
-            <a:p>
-              <a:pPr indent="0" lvl="0" marL="0" rtl="0" algn="l">
-                <a:spcBef>
-                  <a:spcPts val="0"/>
-                </a:spcBef>
-                <a:spcAft>
-                  <a:spcPts val="0"/>
-                </a:spcAft>
-                <a:buNone/>
-              </a:pPr>
-              <a:r>
-                <a:t/>
-              </a:r>
-              <a:endParaRPr/>
-            </a:p>
-          </p:txBody>
-        </p:sp>
-        <p:sp>
-          <p:nvSpPr>
-            <p:cNvPr id="148" name="Google Shape;148;p16"/>
-            <p:cNvSpPr txBox="1"/>
-            <p:nvPr/>
-          </p:nvSpPr>
-          <p:spPr>
-            <a:xfrm>
-              <a:off x="514889" y="7198197"/>
-              <a:ext cx="4216500" cy="266400"/>
-            </a:xfrm>
-            <a:prstGeom prst="rect">
-              <a:avLst/>
-            </a:prstGeom>
-            <a:noFill/>
-            <a:ln>
-              <a:noFill/>
-            </a:ln>
-          </p:spPr>
-          <p:txBody>
-            <a:bodyPr anchorCtr="0" anchor="b" bIns="92475" lIns="92475" spcFirstLastPara="1" rIns="92475" wrap="square" tIns="92475">
-              <a:noAutofit/>
-            </a:bodyPr>
-            <a:lstStyle/>
-            <a:p>
-              <a:pPr indent="0" lvl="0" marL="0" rtl="0" algn="l">
-                <a:spcBef>
-                  <a:spcPts val="0"/>
-                </a:spcBef>
-                <a:spcAft>
-                  <a:spcPts val="0"/>
-                </a:spcAft>
-                <a:buNone/>
-              </a:pPr>
-              <a:r>
-                <a:t/>
-              </a:r>
-              <a:endParaRPr b="1" sz="600">
-                <a:solidFill>
-                  <a:srgbClr val="000000"/>
-                </a:solidFill>
-                <a:latin typeface="IBM Plex Sans"/>
-                <a:ea typeface="IBM Plex Sans"/>
-                <a:cs typeface="IBM Plex Sans"/>
-                <a:sym typeface="IBM Plex Sans"/>
-              </a:endParaRPr>
-            </a:p>
-            <a:p>
-              <a:pPr indent="0" lvl="0" marL="0" rtl="0" algn="l">
-                <a:spcBef>
-                  <a:spcPts val="0"/>
-                </a:spcBef>
-                <a:spcAft>
-                  <a:spcPts val="0"/>
-                </a:spcAft>
-                <a:buNone/>
-              </a:pPr>
-              <a:r>
-                <a:t/>
-              </a:r>
-              <a:endParaRPr b="1" sz="600">
-                <a:solidFill>
-                  <a:srgbClr val="000000"/>
-                </a:solidFill>
-                <a:latin typeface="IBM Plex Sans"/>
-                <a:ea typeface="IBM Plex Sans"/>
-                <a:cs typeface="IBM Plex Sans"/>
-                <a:sym typeface="IBM Plex Sans"/>
-              </a:endParaRPr>
-            </a:p>
-            <a:p>
-              <a:pPr indent="0" lvl="0" marL="0" rtl="0" algn="l">
-                <a:spcBef>
-                  <a:spcPts val="0"/>
-                </a:spcBef>
-                <a:spcAft>
-                  <a:spcPts val="0"/>
-                </a:spcAft>
-                <a:buNone/>
-              </a:pPr>
-              <a:r>
-                <a:t/>
-              </a:r>
-              <a:endParaRPr b="1" sz="600">
-                <a:solidFill>
-                  <a:srgbClr val="000000"/>
-                </a:solidFill>
-                <a:latin typeface="IBM Plex Sans"/>
-                <a:ea typeface="IBM Plex Sans"/>
-                <a:cs typeface="IBM Plex Sans"/>
-                <a:sym typeface="IBM Plex Sans"/>
-              </a:endParaRPr>
-            </a:p>
-            <a:p>
-              <a:pPr indent="0" lvl="0" marL="0" rtl="0" algn="l">
-                <a:spcBef>
-                  <a:spcPts val="0"/>
-                </a:spcBef>
-                <a:spcAft>
-                  <a:spcPts val="0"/>
-                </a:spcAft>
-                <a:buNone/>
-              </a:pPr>
-              <a:r>
-                <a:rPr b="1" lang="en" sz="600">
-                  <a:latin typeface="IBM Plex Sans"/>
-                  <a:ea typeface="IBM Plex Sans"/>
-                  <a:cs typeface="IBM Plex Sans"/>
-                  <a:sym typeface="IBM Plex Sans"/>
-                </a:rPr>
-                <a:t>FINANCIAL INNOVATION LAB</a:t>
-              </a:r>
-              <a:r>
-                <a:rPr b="1" lang="en" sz="600">
-                  <a:solidFill>
-                    <a:srgbClr val="3C78D8"/>
-                  </a:solidFill>
-                  <a:latin typeface="IBM Plex Sans"/>
-                  <a:ea typeface="IBM Plex Sans"/>
-                  <a:cs typeface="IBM Plex Sans"/>
-                  <a:sym typeface="IBM Plex Sans"/>
-                </a:rPr>
-                <a:t> | BOOTCAMP ONE </a:t>
-              </a:r>
-              <a:endParaRPr b="1" sz="600">
-                <a:solidFill>
-                  <a:srgbClr val="3C78D8"/>
-                </a:solidFill>
-                <a:latin typeface="IBM Plex Sans"/>
-                <a:ea typeface="IBM Plex Sans"/>
-                <a:cs typeface="IBM Plex Sans"/>
-                <a:sym typeface="IBM Plex Sans"/>
-              </a:endParaRPr>
-            </a:p>
-          </p:txBody>
-        </p:sp>
-        <p:grpSp>
-          <p:nvGrpSpPr>
-            <p:cNvPr id="149" name="Google Shape;149;p16"/>
-            <p:cNvGrpSpPr/>
-            <p:nvPr/>
-          </p:nvGrpSpPr>
-          <p:grpSpPr>
-            <a:xfrm>
-              <a:off x="7712143" y="7094781"/>
-              <a:ext cx="2412328" cy="430321"/>
-              <a:chOff x="5831433" y="6857683"/>
-              <a:chExt cx="4631966" cy="815774"/>
-            </a:xfrm>
-          </p:grpSpPr>
-          <p:pic>
-            <p:nvPicPr>
-              <p:cNvPr id="150" name="Google Shape;150;p16"/>
-              <p:cNvPicPr preferRelativeResize="0"/>
-              <p:nvPr/>
-            </p:nvPicPr>
-            <p:blipFill>
-              <a:blip r:embed="rId3">
-                <a:alphaModFix/>
-              </a:blip>
-              <a:stretch>
-                <a:fillRect/>
-              </a:stretch>
-            </p:blipFill>
-            <p:spPr>
-              <a:xfrm>
-                <a:off x="9513825" y="6857683"/>
-                <a:ext cx="949574" cy="815774"/>
-              </a:xfrm>
-              <a:prstGeom prst="rect">
-                <a:avLst/>
-              </a:prstGeom>
-              <a:noFill/>
-              <a:ln>
-                <a:noFill/>
-              </a:ln>
-            </p:spPr>
-          </p:pic>
-          <p:pic>
-            <p:nvPicPr>
-              <p:cNvPr id="151" name="Google Shape;151;p16"/>
-              <p:cNvPicPr preferRelativeResize="0"/>
-              <p:nvPr/>
-            </p:nvPicPr>
-            <p:blipFill>
-              <a:blip r:embed="rId4">
-                <a:alphaModFix/>
-              </a:blip>
-              <a:stretch>
-                <a:fillRect/>
-              </a:stretch>
-            </p:blipFill>
-            <p:spPr>
-              <a:xfrm>
-                <a:off x="5831433" y="7117645"/>
-                <a:ext cx="1933325" cy="446407"/>
-              </a:xfrm>
-              <a:prstGeom prst="rect">
-                <a:avLst/>
-              </a:prstGeom>
-              <a:noFill/>
-              <a:ln>
-                <a:noFill/>
-              </a:ln>
-            </p:spPr>
-          </p:pic>
-          <p:pic>
-            <p:nvPicPr>
-              <p:cNvPr id="152" name="Google Shape;152;p16"/>
-              <p:cNvPicPr preferRelativeResize="0"/>
-              <p:nvPr/>
-            </p:nvPicPr>
-            <p:blipFill rotWithShape="1">
-              <a:blip r:embed="rId5">
-                <a:alphaModFix/>
-              </a:blip>
-              <a:srcRect b="23935" l="18913" r="10250" t="28704"/>
-              <a:stretch/>
-            </p:blipFill>
-            <p:spPr>
-              <a:xfrm>
-                <a:off x="8144179" y="7097827"/>
-                <a:ext cx="990224" cy="393901"/>
-              </a:xfrm>
-              <a:prstGeom prst="rect">
-                <a:avLst/>
-              </a:prstGeom>
-              <a:noFill/>
-              <a:ln>
-                <a:noFill/>
-              </a:ln>
-            </p:spPr>
-          </p:pic>
-        </p:grpSp>
-      </p:grpSp>
       <p:pic>
         <p:nvPicPr>
-          <p:cNvPr id="153" name="Google Shape;153;p16"/>
+          <p:cNvPr id="148" name="Google Shape;148;p18"/>
           <p:cNvPicPr preferRelativeResize="0"/>
           <p:nvPr/>
         </p:nvPicPr>
         <p:blipFill rotWithShape="1">
-          <a:blip r:embed="rId6">
+          <a:blip r:embed="rId3">
             <a:alphaModFix/>
           </a:blip>
           <a:srcRect b="3471" l="16977" r="23095" t="10180"/>
@@ -13036,7 +13912,7 @@
       </p:pic>
       <p:sp>
         <p:nvSpPr>
-          <p:cNvPr id="154" name="Google Shape;154;p16"/>
+          <p:cNvPr id="149" name="Google Shape;149;p18"/>
           <p:cNvSpPr/>
           <p:nvPr/>
         </p:nvSpPr>
@@ -13079,7 +13955,7 @@
       </p:sp>
       <p:sp>
         <p:nvSpPr>
-          <p:cNvPr id="155" name="Google Shape;155;p16"/>
+          <p:cNvPr id="150" name="Google Shape;150;p18"/>
           <p:cNvSpPr/>
           <p:nvPr/>
         </p:nvSpPr>
@@ -13120,6 +13996,259 @@
           </a:p>
         </p:txBody>
       </p:sp>
+      <p:grpSp>
+        <p:nvGrpSpPr>
+          <p:cNvPr id="151" name="Google Shape;151;p18"/>
+          <p:cNvGrpSpPr/>
+          <p:nvPr/>
+        </p:nvGrpSpPr>
+        <p:grpSpPr>
+          <a:xfrm>
+            <a:off x="0" y="7094781"/>
+            <a:ext cx="10692000" cy="465069"/>
+            <a:chOff x="0" y="7094781"/>
+            <a:chExt cx="10692000" cy="465069"/>
+          </a:xfrm>
+        </p:grpSpPr>
+        <p:grpSp>
+          <p:nvGrpSpPr>
+            <p:cNvPr id="152" name="Google Shape;152;p18"/>
+            <p:cNvGrpSpPr/>
+            <p:nvPr/>
+          </p:nvGrpSpPr>
+          <p:grpSpPr>
+            <a:xfrm>
+              <a:off x="0" y="7094781"/>
+              <a:ext cx="10692000" cy="465069"/>
+              <a:chOff x="0" y="7094781"/>
+              <a:chExt cx="10692000" cy="465069"/>
+            </a:xfrm>
+          </p:grpSpPr>
+          <p:sp>
+            <p:nvSpPr>
+              <p:cNvPr id="153" name="Google Shape;153;p18"/>
+              <p:cNvSpPr/>
+              <p:nvPr/>
+            </p:nvSpPr>
+            <p:spPr>
+              <a:xfrm>
+                <a:off x="0" y="7094850"/>
+                <a:ext cx="10692000" cy="465000"/>
+              </a:xfrm>
+              <a:prstGeom prst="rect">
+                <a:avLst/>
+              </a:prstGeom>
+              <a:solidFill>
+                <a:srgbClr val="FFFFFF"/>
+              </a:solidFill>
+              <a:ln>
+                <a:noFill/>
+              </a:ln>
+            </p:spPr>
+            <p:txBody>
+              <a:bodyPr anchorCtr="0" anchor="ctr" bIns="91425" lIns="91425" spcFirstLastPara="1" rIns="91425" wrap="square" tIns="91425">
+                <a:noAutofit/>
+              </a:bodyPr>
+              <a:lstStyle/>
+              <a:p>
+                <a:pPr indent="0" lvl="0" marL="0" rtl="0" algn="l">
+                  <a:spcBef>
+                    <a:spcPts val="0"/>
+                  </a:spcBef>
+                  <a:spcAft>
+                    <a:spcPts val="0"/>
+                  </a:spcAft>
+                  <a:buNone/>
+                </a:pPr>
+                <a:r>
+                  <a:t/>
+                </a:r>
+                <a:endParaRPr/>
+              </a:p>
+            </p:txBody>
+          </p:sp>
+          <p:sp>
+            <p:nvSpPr>
+              <p:cNvPr id="154" name="Google Shape;154;p18"/>
+              <p:cNvSpPr txBox="1"/>
+              <p:nvPr/>
+            </p:nvSpPr>
+            <p:spPr>
+              <a:xfrm>
+                <a:off x="514889" y="7198197"/>
+                <a:ext cx="4216500" cy="266400"/>
+              </a:xfrm>
+              <a:prstGeom prst="rect">
+                <a:avLst/>
+              </a:prstGeom>
+              <a:noFill/>
+              <a:ln>
+                <a:noFill/>
+              </a:ln>
+            </p:spPr>
+            <p:txBody>
+              <a:bodyPr anchorCtr="0" anchor="b" bIns="92475" lIns="92475" spcFirstLastPara="1" rIns="92475" wrap="square" tIns="92475">
+                <a:noAutofit/>
+              </a:bodyPr>
+              <a:lstStyle/>
+              <a:p>
+                <a:pPr indent="0" lvl="0" marL="0" rtl="0" algn="l">
+                  <a:spcBef>
+                    <a:spcPts val="0"/>
+                  </a:spcBef>
+                  <a:spcAft>
+                    <a:spcPts val="0"/>
+                  </a:spcAft>
+                  <a:buNone/>
+                </a:pPr>
+                <a:r>
+                  <a:t/>
+                </a:r>
+                <a:endParaRPr b="1" sz="600">
+                  <a:solidFill>
+                    <a:srgbClr val="000000"/>
+                  </a:solidFill>
+                  <a:latin typeface="IBM Plex Sans"/>
+                  <a:ea typeface="IBM Plex Sans"/>
+                  <a:cs typeface="IBM Plex Sans"/>
+                  <a:sym typeface="IBM Plex Sans"/>
+                </a:endParaRPr>
+              </a:p>
+              <a:p>
+                <a:pPr indent="0" lvl="0" marL="0" rtl="0" algn="l">
+                  <a:spcBef>
+                    <a:spcPts val="0"/>
+                  </a:spcBef>
+                  <a:spcAft>
+                    <a:spcPts val="0"/>
+                  </a:spcAft>
+                  <a:buNone/>
+                </a:pPr>
+                <a:r>
+                  <a:t/>
+                </a:r>
+                <a:endParaRPr b="1" sz="600">
+                  <a:solidFill>
+                    <a:srgbClr val="000000"/>
+                  </a:solidFill>
+                  <a:latin typeface="IBM Plex Sans"/>
+                  <a:ea typeface="IBM Plex Sans"/>
+                  <a:cs typeface="IBM Plex Sans"/>
+                  <a:sym typeface="IBM Plex Sans"/>
+                </a:endParaRPr>
+              </a:p>
+              <a:p>
+                <a:pPr indent="0" lvl="0" marL="0" rtl="0" algn="l">
+                  <a:spcBef>
+                    <a:spcPts val="0"/>
+                  </a:spcBef>
+                  <a:spcAft>
+                    <a:spcPts val="0"/>
+                  </a:spcAft>
+                  <a:buNone/>
+                </a:pPr>
+                <a:r>
+                  <a:t/>
+                </a:r>
+                <a:endParaRPr b="1" sz="600">
+                  <a:solidFill>
+                    <a:srgbClr val="000000"/>
+                  </a:solidFill>
+                  <a:latin typeface="IBM Plex Sans"/>
+                  <a:ea typeface="IBM Plex Sans"/>
+                  <a:cs typeface="IBM Plex Sans"/>
+                  <a:sym typeface="IBM Plex Sans"/>
+                </a:endParaRPr>
+              </a:p>
+              <a:p>
+                <a:pPr indent="0" lvl="0" marL="0" rtl="0" algn="l">
+                  <a:spcBef>
+                    <a:spcPts val="0"/>
+                  </a:spcBef>
+                  <a:spcAft>
+                    <a:spcPts val="0"/>
+                  </a:spcAft>
+                  <a:buNone/>
+                </a:pPr>
+                <a:r>
+                  <a:rPr b="1" lang="en" sz="600">
+                    <a:latin typeface="IBM Plex Sans"/>
+                    <a:ea typeface="IBM Plex Sans"/>
+                    <a:cs typeface="IBM Plex Sans"/>
+                    <a:sym typeface="IBM Plex Sans"/>
+                  </a:rPr>
+                  <a:t>THE FINLAB TOOLKIT</a:t>
+                </a:r>
+                <a:endParaRPr b="1" sz="600">
+                  <a:solidFill>
+                    <a:srgbClr val="3C78D8"/>
+                  </a:solidFill>
+                  <a:latin typeface="IBM Plex Sans"/>
+                  <a:ea typeface="IBM Plex Sans"/>
+                  <a:cs typeface="IBM Plex Sans"/>
+                  <a:sym typeface="IBM Plex Sans"/>
+                </a:endParaRPr>
+              </a:p>
+            </p:txBody>
+          </p:sp>
+          <p:pic>
+            <p:nvPicPr>
+              <p:cNvPr id="155" name="Google Shape;155;p18"/>
+              <p:cNvPicPr preferRelativeResize="0"/>
+              <p:nvPr/>
+            </p:nvPicPr>
+            <p:blipFill>
+              <a:blip r:embed="rId4">
+                <a:alphaModFix/>
+              </a:blip>
+              <a:stretch>
+                <a:fillRect/>
+              </a:stretch>
+            </p:blipFill>
+            <p:spPr>
+              <a:xfrm>
+                <a:off x="9629932" y="7094781"/>
+                <a:ext cx="494539" cy="430321"/>
+              </a:xfrm>
+              <a:prstGeom prst="rect">
+                <a:avLst/>
+              </a:prstGeom>
+              <a:noFill/>
+              <a:ln>
+                <a:noFill/>
+              </a:ln>
+            </p:spPr>
+          </p:pic>
+        </p:grpSp>
+        <p:pic>
+          <p:nvPicPr>
+            <p:cNvPr id="156" name="Google Shape;156;p18"/>
+            <p:cNvPicPr preferRelativeResize="0"/>
+            <p:nvPr/>
+          </p:nvPicPr>
+          <p:blipFill>
+            <a:blip r:embed="rId5">
+              <a:alphaModFix/>
+            </a:blip>
+            <a:stretch>
+              <a:fillRect/>
+            </a:stretch>
+          </p:blipFill>
+          <p:spPr>
+            <a:xfrm>
+              <a:off x="8553150" y="7165073"/>
+              <a:ext cx="1013800" cy="354000"/>
+            </a:xfrm>
+            <a:prstGeom prst="rect">
+              <a:avLst/>
+            </a:prstGeom>
+            <a:noFill/>
+            <a:ln>
+              <a:noFill/>
+            </a:ln>
+          </p:spPr>
+        </p:pic>
+      </p:grpSp>
     </p:spTree>
   </p:cSld>
   <p:clrMapOvr>
@@ -13133,7 +14262,7 @@
   <p:cSld>
     <p:spTree>
       <p:nvGrpSpPr>
-        <p:cNvPr id="159" name="Shape 159"/>
+        <p:cNvPr id="160" name="Shape 160"/>
         <p:cNvGrpSpPr/>
         <p:nvPr/>
       </p:nvGrpSpPr>
@@ -13147,7 +14276,7 @@
       </p:grpSpPr>
       <p:sp>
         <p:nvSpPr>
-          <p:cNvPr id="160" name="Google Shape;160;p17"/>
+          <p:cNvPr id="161" name="Google Shape;161;p19"/>
           <p:cNvSpPr txBox="1"/>
           <p:nvPr>
             <p:ph type="title"/>
@@ -13307,306 +14436,14 @@
           </a:p>
         </p:txBody>
       </p:sp>
-      <p:grpSp>
-        <p:nvGrpSpPr>
-          <p:cNvPr id="161" name="Google Shape;161;p17"/>
-          <p:cNvGrpSpPr/>
-          <p:nvPr/>
-        </p:nvGrpSpPr>
-        <p:grpSpPr>
-          <a:xfrm>
-            <a:off x="0" y="7094781"/>
-            <a:ext cx="10692000" cy="465069"/>
-            <a:chOff x="0" y="7094781"/>
-            <a:chExt cx="10692000" cy="465069"/>
-          </a:xfrm>
-        </p:grpSpPr>
-        <p:sp>
-          <p:nvSpPr>
-            <p:cNvPr id="162" name="Google Shape;162;p17"/>
-            <p:cNvSpPr/>
-            <p:nvPr/>
-          </p:nvSpPr>
-          <p:spPr>
-            <a:xfrm>
-              <a:off x="0" y="7094850"/>
-              <a:ext cx="10692000" cy="465000"/>
-            </a:xfrm>
-            <a:prstGeom prst="rect">
-              <a:avLst/>
-            </a:prstGeom>
-            <a:solidFill>
-              <a:srgbClr val="FFFFFF"/>
-            </a:solidFill>
-            <a:ln>
-              <a:noFill/>
-            </a:ln>
-          </p:spPr>
-          <p:txBody>
-            <a:bodyPr anchorCtr="0" anchor="ctr" bIns="91425" lIns="91425" spcFirstLastPara="1" rIns="91425" wrap="square" tIns="91425">
-              <a:noAutofit/>
-            </a:bodyPr>
-            <a:lstStyle/>
-            <a:p>
-              <a:pPr indent="0" lvl="0" marL="0" rtl="0" algn="l">
-                <a:spcBef>
-                  <a:spcPts val="0"/>
-                </a:spcBef>
-                <a:spcAft>
-                  <a:spcPts val="0"/>
-                </a:spcAft>
-                <a:buNone/>
-              </a:pPr>
-              <a:r>
-                <a:t/>
-              </a:r>
-              <a:endParaRPr/>
-            </a:p>
-          </p:txBody>
-        </p:sp>
-        <p:sp>
-          <p:nvSpPr>
-            <p:cNvPr id="163" name="Google Shape;163;p17"/>
-            <p:cNvSpPr txBox="1"/>
-            <p:nvPr/>
-          </p:nvSpPr>
-          <p:spPr>
-            <a:xfrm>
-              <a:off x="514889" y="7198197"/>
-              <a:ext cx="4216500" cy="266400"/>
-            </a:xfrm>
-            <a:prstGeom prst="rect">
-              <a:avLst/>
-            </a:prstGeom>
-            <a:noFill/>
-            <a:ln>
-              <a:noFill/>
-            </a:ln>
-          </p:spPr>
-          <p:txBody>
-            <a:bodyPr anchorCtr="0" anchor="b" bIns="92475" lIns="92475" spcFirstLastPara="1" rIns="92475" wrap="square" tIns="92475">
-              <a:noAutofit/>
-            </a:bodyPr>
-            <a:lstStyle/>
-            <a:p>
-              <a:pPr indent="0" lvl="0" marL="0" rtl="0" algn="l">
-                <a:spcBef>
-                  <a:spcPts val="0"/>
-                </a:spcBef>
-                <a:spcAft>
-                  <a:spcPts val="0"/>
-                </a:spcAft>
-                <a:buNone/>
-              </a:pPr>
-              <a:r>
-                <a:t/>
-              </a:r>
-              <a:endParaRPr b="1" sz="600">
-                <a:solidFill>
-                  <a:srgbClr val="000000"/>
-                </a:solidFill>
-                <a:latin typeface="IBM Plex Sans"/>
-                <a:ea typeface="IBM Plex Sans"/>
-                <a:cs typeface="IBM Plex Sans"/>
-                <a:sym typeface="IBM Plex Sans"/>
-              </a:endParaRPr>
-            </a:p>
-            <a:p>
-              <a:pPr indent="0" lvl="0" marL="0" rtl="0" algn="l">
-                <a:spcBef>
-                  <a:spcPts val="0"/>
-                </a:spcBef>
-                <a:spcAft>
-                  <a:spcPts val="0"/>
-                </a:spcAft>
-                <a:buNone/>
-              </a:pPr>
-              <a:r>
-                <a:t/>
-              </a:r>
-              <a:endParaRPr b="1" sz="600">
-                <a:solidFill>
-                  <a:srgbClr val="000000"/>
-                </a:solidFill>
-                <a:latin typeface="IBM Plex Sans"/>
-                <a:ea typeface="IBM Plex Sans"/>
-                <a:cs typeface="IBM Plex Sans"/>
-                <a:sym typeface="IBM Plex Sans"/>
-              </a:endParaRPr>
-            </a:p>
-            <a:p>
-              <a:pPr indent="0" lvl="0" marL="0" rtl="0" algn="l">
-                <a:spcBef>
-                  <a:spcPts val="0"/>
-                </a:spcBef>
-                <a:spcAft>
-                  <a:spcPts val="0"/>
-                </a:spcAft>
-                <a:buNone/>
-              </a:pPr>
-              <a:r>
-                <a:t/>
-              </a:r>
-              <a:endParaRPr b="1" sz="600">
-                <a:solidFill>
-                  <a:srgbClr val="000000"/>
-                </a:solidFill>
-                <a:latin typeface="IBM Plex Sans"/>
-                <a:ea typeface="IBM Plex Sans"/>
-                <a:cs typeface="IBM Plex Sans"/>
-                <a:sym typeface="IBM Plex Sans"/>
-              </a:endParaRPr>
-            </a:p>
-            <a:p>
-              <a:pPr indent="0" lvl="0" marL="0" rtl="0" algn="l">
-                <a:spcBef>
-                  <a:spcPts val="0"/>
-                </a:spcBef>
-                <a:spcAft>
-                  <a:spcPts val="0"/>
-                </a:spcAft>
-                <a:buNone/>
-              </a:pPr>
-              <a:r>
-                <a:rPr b="1" lang="en" sz="600">
-                  <a:latin typeface="IBM Plex Sans"/>
-                  <a:ea typeface="IBM Plex Sans"/>
-                  <a:cs typeface="IBM Plex Sans"/>
-                  <a:sym typeface="IBM Plex Sans"/>
-                </a:rPr>
-                <a:t>FINANCIAL INNOVATION LAB</a:t>
-              </a:r>
-              <a:r>
-                <a:rPr b="1" lang="en" sz="600">
-                  <a:solidFill>
-                    <a:srgbClr val="3C78D8"/>
-                  </a:solidFill>
-                  <a:latin typeface="IBM Plex Sans"/>
-                  <a:ea typeface="IBM Plex Sans"/>
-                  <a:cs typeface="IBM Plex Sans"/>
-                  <a:sym typeface="IBM Plex Sans"/>
-                </a:rPr>
-                <a:t> | BOOTCAMP ONE </a:t>
-              </a:r>
-              <a:endParaRPr b="1" sz="600">
-                <a:solidFill>
-                  <a:srgbClr val="3C78D8"/>
-                </a:solidFill>
-                <a:latin typeface="IBM Plex Sans"/>
-                <a:ea typeface="IBM Plex Sans"/>
-                <a:cs typeface="IBM Plex Sans"/>
-                <a:sym typeface="IBM Plex Sans"/>
-              </a:endParaRPr>
-            </a:p>
-          </p:txBody>
-        </p:sp>
-        <p:grpSp>
-          <p:nvGrpSpPr>
-            <p:cNvPr id="164" name="Google Shape;164;p17"/>
-            <p:cNvGrpSpPr/>
-            <p:nvPr/>
-          </p:nvGrpSpPr>
-          <p:grpSpPr>
-            <a:xfrm>
-              <a:off x="7712143" y="7094781"/>
-              <a:ext cx="2412328" cy="430321"/>
-              <a:chOff x="5831433" y="6857683"/>
-              <a:chExt cx="4631966" cy="815774"/>
-            </a:xfrm>
-          </p:grpSpPr>
-          <p:pic>
-            <p:nvPicPr>
-              <p:cNvPr id="165" name="Google Shape;165;p17"/>
-              <p:cNvPicPr preferRelativeResize="0"/>
-              <p:nvPr/>
-            </p:nvPicPr>
-            <p:blipFill>
-              <a:blip r:embed="rId3">
-                <a:alphaModFix/>
-              </a:blip>
-              <a:stretch>
-                <a:fillRect/>
-              </a:stretch>
-            </p:blipFill>
-            <p:spPr>
-              <a:xfrm>
-                <a:off x="9513825" y="6857683"/>
-                <a:ext cx="949574" cy="815774"/>
-              </a:xfrm>
-              <a:prstGeom prst="rect">
-                <a:avLst/>
-              </a:prstGeom>
-              <a:noFill/>
-              <a:ln>
-                <a:noFill/>
-              </a:ln>
-            </p:spPr>
-          </p:pic>
-          <p:pic>
-            <p:nvPicPr>
-              <p:cNvPr id="166" name="Google Shape;166;p17"/>
-              <p:cNvPicPr preferRelativeResize="0"/>
-              <p:nvPr/>
-            </p:nvPicPr>
-            <p:blipFill>
-              <a:blip r:embed="rId4">
-                <a:alphaModFix/>
-              </a:blip>
-              <a:stretch>
-                <a:fillRect/>
-              </a:stretch>
-            </p:blipFill>
-            <p:spPr>
-              <a:xfrm>
-                <a:off x="5831433" y="7117645"/>
-                <a:ext cx="1933325" cy="446407"/>
-              </a:xfrm>
-              <a:prstGeom prst="rect">
-                <a:avLst/>
-              </a:prstGeom>
-              <a:noFill/>
-              <a:ln>
-                <a:noFill/>
-              </a:ln>
-            </p:spPr>
-          </p:pic>
-          <p:pic>
-            <p:nvPicPr>
-              <p:cNvPr id="167" name="Google Shape;167;p17"/>
-              <p:cNvPicPr preferRelativeResize="0"/>
-              <p:nvPr/>
-            </p:nvPicPr>
-            <p:blipFill rotWithShape="1">
-              <a:blip r:embed="rId5">
-                <a:alphaModFix/>
-              </a:blip>
-              <a:srcRect b="23935" l="18913" r="10250" t="28704"/>
-              <a:stretch/>
-            </p:blipFill>
-            <p:spPr>
-              <a:xfrm>
-                <a:off x="8144179" y="7097827"/>
-                <a:ext cx="990224" cy="393901"/>
-              </a:xfrm>
-              <a:prstGeom prst="rect">
-                <a:avLst/>
-              </a:prstGeom>
-              <a:noFill/>
-              <a:ln>
-                <a:noFill/>
-              </a:ln>
-            </p:spPr>
-          </p:pic>
-        </p:grpSp>
-      </p:grpSp>
       <p:pic>
         <p:nvPicPr>
-          <p:cNvPr id="168" name="Google Shape;168;p17"/>
+          <p:cNvPr id="162" name="Google Shape;162;p19"/>
           <p:cNvPicPr preferRelativeResize="0"/>
           <p:nvPr/>
         </p:nvPicPr>
         <p:blipFill rotWithShape="1">
-          <a:blip r:embed="rId6">
+          <a:blip r:embed="rId3">
             <a:alphaModFix/>
           </a:blip>
           <a:srcRect b="0" l="6895" r="6904" t="0"/>
@@ -13626,6 +14463,259 @@
           </a:ln>
         </p:spPr>
       </p:pic>
+      <p:grpSp>
+        <p:nvGrpSpPr>
+          <p:cNvPr id="163" name="Google Shape;163;p19"/>
+          <p:cNvGrpSpPr/>
+          <p:nvPr/>
+        </p:nvGrpSpPr>
+        <p:grpSpPr>
+          <a:xfrm>
+            <a:off x="0" y="7094781"/>
+            <a:ext cx="10692000" cy="465069"/>
+            <a:chOff x="0" y="7094781"/>
+            <a:chExt cx="10692000" cy="465069"/>
+          </a:xfrm>
+        </p:grpSpPr>
+        <p:grpSp>
+          <p:nvGrpSpPr>
+            <p:cNvPr id="164" name="Google Shape;164;p19"/>
+            <p:cNvGrpSpPr/>
+            <p:nvPr/>
+          </p:nvGrpSpPr>
+          <p:grpSpPr>
+            <a:xfrm>
+              <a:off x="0" y="7094781"/>
+              <a:ext cx="10692000" cy="465069"/>
+              <a:chOff x="0" y="7094781"/>
+              <a:chExt cx="10692000" cy="465069"/>
+            </a:xfrm>
+          </p:grpSpPr>
+          <p:sp>
+            <p:nvSpPr>
+              <p:cNvPr id="165" name="Google Shape;165;p19"/>
+              <p:cNvSpPr/>
+              <p:nvPr/>
+            </p:nvSpPr>
+            <p:spPr>
+              <a:xfrm>
+                <a:off x="0" y="7094850"/>
+                <a:ext cx="10692000" cy="465000"/>
+              </a:xfrm>
+              <a:prstGeom prst="rect">
+                <a:avLst/>
+              </a:prstGeom>
+              <a:solidFill>
+                <a:srgbClr val="FFFFFF"/>
+              </a:solidFill>
+              <a:ln>
+                <a:noFill/>
+              </a:ln>
+            </p:spPr>
+            <p:txBody>
+              <a:bodyPr anchorCtr="0" anchor="ctr" bIns="91425" lIns="91425" spcFirstLastPara="1" rIns="91425" wrap="square" tIns="91425">
+                <a:noAutofit/>
+              </a:bodyPr>
+              <a:lstStyle/>
+              <a:p>
+                <a:pPr indent="0" lvl="0" marL="0" rtl="0" algn="l">
+                  <a:spcBef>
+                    <a:spcPts val="0"/>
+                  </a:spcBef>
+                  <a:spcAft>
+                    <a:spcPts val="0"/>
+                  </a:spcAft>
+                  <a:buNone/>
+                </a:pPr>
+                <a:r>
+                  <a:t/>
+                </a:r>
+                <a:endParaRPr/>
+              </a:p>
+            </p:txBody>
+          </p:sp>
+          <p:sp>
+            <p:nvSpPr>
+              <p:cNvPr id="166" name="Google Shape;166;p19"/>
+              <p:cNvSpPr txBox="1"/>
+              <p:nvPr/>
+            </p:nvSpPr>
+            <p:spPr>
+              <a:xfrm>
+                <a:off x="514889" y="7198197"/>
+                <a:ext cx="4216500" cy="266400"/>
+              </a:xfrm>
+              <a:prstGeom prst="rect">
+                <a:avLst/>
+              </a:prstGeom>
+              <a:noFill/>
+              <a:ln>
+                <a:noFill/>
+              </a:ln>
+            </p:spPr>
+            <p:txBody>
+              <a:bodyPr anchorCtr="0" anchor="b" bIns="92475" lIns="92475" spcFirstLastPara="1" rIns="92475" wrap="square" tIns="92475">
+                <a:noAutofit/>
+              </a:bodyPr>
+              <a:lstStyle/>
+              <a:p>
+                <a:pPr indent="0" lvl="0" marL="0" rtl="0" algn="l">
+                  <a:spcBef>
+                    <a:spcPts val="0"/>
+                  </a:spcBef>
+                  <a:spcAft>
+                    <a:spcPts val="0"/>
+                  </a:spcAft>
+                  <a:buNone/>
+                </a:pPr>
+                <a:r>
+                  <a:t/>
+                </a:r>
+                <a:endParaRPr b="1" sz="600">
+                  <a:solidFill>
+                    <a:srgbClr val="000000"/>
+                  </a:solidFill>
+                  <a:latin typeface="IBM Plex Sans"/>
+                  <a:ea typeface="IBM Plex Sans"/>
+                  <a:cs typeface="IBM Plex Sans"/>
+                  <a:sym typeface="IBM Plex Sans"/>
+                </a:endParaRPr>
+              </a:p>
+              <a:p>
+                <a:pPr indent="0" lvl="0" marL="0" rtl="0" algn="l">
+                  <a:spcBef>
+                    <a:spcPts val="0"/>
+                  </a:spcBef>
+                  <a:spcAft>
+                    <a:spcPts val="0"/>
+                  </a:spcAft>
+                  <a:buNone/>
+                </a:pPr>
+                <a:r>
+                  <a:t/>
+                </a:r>
+                <a:endParaRPr b="1" sz="600">
+                  <a:solidFill>
+                    <a:srgbClr val="000000"/>
+                  </a:solidFill>
+                  <a:latin typeface="IBM Plex Sans"/>
+                  <a:ea typeface="IBM Plex Sans"/>
+                  <a:cs typeface="IBM Plex Sans"/>
+                  <a:sym typeface="IBM Plex Sans"/>
+                </a:endParaRPr>
+              </a:p>
+              <a:p>
+                <a:pPr indent="0" lvl="0" marL="0" rtl="0" algn="l">
+                  <a:spcBef>
+                    <a:spcPts val="0"/>
+                  </a:spcBef>
+                  <a:spcAft>
+                    <a:spcPts val="0"/>
+                  </a:spcAft>
+                  <a:buNone/>
+                </a:pPr>
+                <a:r>
+                  <a:t/>
+                </a:r>
+                <a:endParaRPr b="1" sz="600">
+                  <a:solidFill>
+                    <a:srgbClr val="000000"/>
+                  </a:solidFill>
+                  <a:latin typeface="IBM Plex Sans"/>
+                  <a:ea typeface="IBM Plex Sans"/>
+                  <a:cs typeface="IBM Plex Sans"/>
+                  <a:sym typeface="IBM Plex Sans"/>
+                </a:endParaRPr>
+              </a:p>
+              <a:p>
+                <a:pPr indent="0" lvl="0" marL="0" rtl="0" algn="l">
+                  <a:spcBef>
+                    <a:spcPts val="0"/>
+                  </a:spcBef>
+                  <a:spcAft>
+                    <a:spcPts val="0"/>
+                  </a:spcAft>
+                  <a:buNone/>
+                </a:pPr>
+                <a:r>
+                  <a:rPr b="1" lang="en" sz="600">
+                    <a:latin typeface="IBM Plex Sans"/>
+                    <a:ea typeface="IBM Plex Sans"/>
+                    <a:cs typeface="IBM Plex Sans"/>
+                    <a:sym typeface="IBM Plex Sans"/>
+                  </a:rPr>
+                  <a:t>THE FINLAB TOOLKIT</a:t>
+                </a:r>
+                <a:endParaRPr b="1" sz="600">
+                  <a:solidFill>
+                    <a:srgbClr val="3C78D8"/>
+                  </a:solidFill>
+                  <a:latin typeface="IBM Plex Sans"/>
+                  <a:ea typeface="IBM Plex Sans"/>
+                  <a:cs typeface="IBM Plex Sans"/>
+                  <a:sym typeface="IBM Plex Sans"/>
+                </a:endParaRPr>
+              </a:p>
+            </p:txBody>
+          </p:sp>
+          <p:pic>
+            <p:nvPicPr>
+              <p:cNvPr id="167" name="Google Shape;167;p19"/>
+              <p:cNvPicPr preferRelativeResize="0"/>
+              <p:nvPr/>
+            </p:nvPicPr>
+            <p:blipFill>
+              <a:blip r:embed="rId4">
+                <a:alphaModFix/>
+              </a:blip>
+              <a:stretch>
+                <a:fillRect/>
+              </a:stretch>
+            </p:blipFill>
+            <p:spPr>
+              <a:xfrm>
+                <a:off x="9629932" y="7094781"/>
+                <a:ext cx="494539" cy="430321"/>
+              </a:xfrm>
+              <a:prstGeom prst="rect">
+                <a:avLst/>
+              </a:prstGeom>
+              <a:noFill/>
+              <a:ln>
+                <a:noFill/>
+              </a:ln>
+            </p:spPr>
+          </p:pic>
+        </p:grpSp>
+        <p:pic>
+          <p:nvPicPr>
+            <p:cNvPr id="168" name="Google Shape;168;p19"/>
+            <p:cNvPicPr preferRelativeResize="0"/>
+            <p:nvPr/>
+          </p:nvPicPr>
+          <p:blipFill>
+            <a:blip r:embed="rId5">
+              <a:alphaModFix/>
+            </a:blip>
+            <a:stretch>
+              <a:fillRect/>
+            </a:stretch>
+          </p:blipFill>
+          <p:spPr>
+            <a:xfrm>
+              <a:off x="8553150" y="7165073"/>
+              <a:ext cx="1013800" cy="354000"/>
+            </a:xfrm>
+            <a:prstGeom prst="rect">
+              <a:avLst/>
+            </a:prstGeom>
+            <a:noFill/>
+            <a:ln>
+              <a:noFill/>
+            </a:ln>
+          </p:spPr>
+        </p:pic>
+      </p:grpSp>
     </p:spTree>
   </p:cSld>
   <p:clrMapOvr>
@@ -13635,6 +14725,285 @@
 </file>
 
 <file path=ppt/theme/theme1.xml><?xml version="1.0" encoding="utf-8"?>
+<a:theme xmlns:a="http://schemas.openxmlformats.org/drawingml/2006/main" xmlns:r="http://schemas.openxmlformats.org/officeDocument/2006/relationships">
+  <a:themeElements>
+    <a:clrScheme name="Default">
+      <a:dk1>
+        <a:srgbClr val="000000"/>
+      </a:dk1>
+      <a:lt1>
+        <a:srgbClr val="FFFFFF"/>
+      </a:lt1>
+      <a:dk2>
+        <a:srgbClr val="158158"/>
+      </a:dk2>
+      <a:lt2>
+        <a:srgbClr val="F3F3F3"/>
+      </a:lt2>
+      <a:accent1>
+        <a:srgbClr val="058DC7"/>
+      </a:accent1>
+      <a:accent2>
+        <a:srgbClr val="50B432"/>
+      </a:accent2>
+      <a:accent3>
+        <a:srgbClr val="ED561B"/>
+      </a:accent3>
+      <a:accent4>
+        <a:srgbClr val="EDEF00"/>
+      </a:accent4>
+      <a:accent5>
+        <a:srgbClr val="24CBE5"/>
+      </a:accent5>
+      <a:accent6>
+        <a:srgbClr val="64E572"/>
+      </a:accent6>
+      <a:hlink>
+        <a:srgbClr val="2200CC"/>
+      </a:hlink>
+      <a:folHlink>
+        <a:srgbClr val="551A8B"/>
+      </a:folHlink>
+    </a:clrScheme>
+    <a:fontScheme name="Office">
+      <a:majorFont>
+        <a:latin typeface="Arial"/>
+        <a:ea typeface=""/>
+        <a:cs typeface=""/>
+        <a:font script="Jpan" typeface="ＭＳ Ｐゴシック"/>
+        <a:font script="Hang" typeface="맑은 고딕"/>
+        <a:font script="Hans" typeface="宋体"/>
+        <a:font script="Hant" typeface="新細明體"/>
+        <a:font script="Arab" typeface="Times New Roman"/>
+        <a:font script="Hebr" typeface="Times New Roman"/>
+        <a:font script="Thai" typeface="Angsana New"/>
+        <a:font script="Ethi" typeface="Nyala"/>
+        <a:font script="Beng" typeface="Vrinda"/>
+        <a:font script="Gujr" typeface="Shruti"/>
+        <a:font script="Khmr" typeface="MoolBoran"/>
+        <a:font script="Knda" typeface="Tunga"/>
+        <a:font script="Guru" typeface="Raavi"/>
+        <a:font script="Cans" typeface="Euphemia"/>
+        <a:font script="Cher" typeface="Plantagenet Cherokee"/>
+        <a:font script="Yiii" typeface="Microsoft Yi Baiti"/>
+        <a:font script="Tibt" typeface="Microsoft Himalaya"/>
+        <a:font script="Thaa" typeface="MV Boli"/>
+        <a:font script="Deva" typeface="Mangal"/>
+        <a:font script="Telu" typeface="Gautami"/>
+        <a:font script="Taml" typeface="Latha"/>
+        <a:font script="Syrc" typeface="Estrangelo Edessa"/>
+        <a:font script="Orya" typeface="Kalinga"/>
+        <a:font script="Mlym" typeface="Kartika"/>
+        <a:font script="Laoo" typeface="DokChampa"/>
+        <a:font script="Sinh" typeface="Iskoola Pota"/>
+        <a:font script="Mong" typeface="Mongolian Baiti"/>
+        <a:font script="Viet" typeface="Times New Roman"/>
+        <a:font script="Uigh" typeface="Microsoft Uighur"/>
+        <a:font script="Geor" typeface="Sylfaen"/>
+      </a:majorFont>
+      <a:minorFont>
+        <a:latin typeface="Arial"/>
+        <a:ea typeface=""/>
+        <a:cs typeface=""/>
+        <a:font script="Jpan" typeface="ＭＳ Ｐゴシック"/>
+        <a:font script="Hang" typeface="맑은 고딕"/>
+        <a:font script="Hans" typeface="宋体"/>
+        <a:font script="Hant" typeface="新細明體"/>
+        <a:font script="Arab" typeface="Arial"/>
+        <a:font script="Hebr" typeface="Arial"/>
+        <a:font script="Thai" typeface="Cordia New"/>
+        <a:font script="Ethi" typeface="Nyala"/>
+        <a:font script="Beng" typeface="Vrinda"/>
+        <a:font script="Gujr" typeface="Shruti"/>
+        <a:font script="Khmr" typeface="DaunPenh"/>
+        <a:font script="Knda" typeface="Tunga"/>
+        <a:font script="Guru" typeface="Raavi"/>
+        <a:font script="Cans" typeface="Euphemia"/>
+        <a:font script="Cher" typeface="Plantagenet Cherokee"/>
+        <a:font script="Yiii" typeface="Microsoft Yi Baiti"/>
+        <a:font script="Tibt" typeface="Microsoft Himalaya"/>
+        <a:font script="Thaa" typeface="MV Boli"/>
+        <a:font script="Deva" typeface="Mangal"/>
+        <a:font script="Telu" typeface="Gautami"/>
+        <a:font script="Taml" typeface="Latha"/>
+        <a:font script="Syrc" typeface="Estrangelo Edessa"/>
+        <a:font script="Orya" typeface="Kalinga"/>
+        <a:font script="Mlym" typeface="Kartika"/>
+        <a:font script="Laoo" typeface="DokChampa"/>
+        <a:font script="Sinh" typeface="Iskoola Pota"/>
+        <a:font script="Mong" typeface="Mongolian Baiti"/>
+        <a:font script="Viet" typeface="Arial"/>
+        <a:font script="Uigh" typeface="Microsoft Uighur"/>
+        <a:font script="Geor" typeface="Sylfaen"/>
+      </a:minorFont>
+    </a:fontScheme>
+    <a:fmtScheme name="Office">
+      <a:fillStyleLst>
+        <a:solidFill>
+          <a:schemeClr val="phClr"/>
+        </a:solidFill>
+        <a:gradFill rotWithShape="1">
+          <a:gsLst>
+            <a:gs pos="0">
+              <a:schemeClr val="phClr">
+                <a:tint val="50000"/>
+                <a:satMod val="300000"/>
+              </a:schemeClr>
+            </a:gs>
+            <a:gs pos="35000">
+              <a:schemeClr val="phClr">
+                <a:tint val="37000"/>
+                <a:satMod val="300000"/>
+              </a:schemeClr>
+            </a:gs>
+            <a:gs pos="100000">
+              <a:schemeClr val="phClr">
+                <a:tint val="15000"/>
+                <a:satMod val="350000"/>
+              </a:schemeClr>
+            </a:gs>
+          </a:gsLst>
+          <a:lin ang="16200000" scaled="1"/>
+        </a:gradFill>
+        <a:gradFill rotWithShape="1">
+          <a:gsLst>
+            <a:gs pos="0">
+              <a:schemeClr val="phClr">
+                <a:tint val="100000"/>
+                <a:shade val="100000"/>
+                <a:satMod val="130000"/>
+              </a:schemeClr>
+            </a:gs>
+            <a:gs pos="100000">
+              <a:schemeClr val="phClr">
+                <a:tint val="50000"/>
+                <a:shade val="100000"/>
+                <a:satMod val="350000"/>
+              </a:schemeClr>
+            </a:gs>
+          </a:gsLst>
+          <a:lin ang="16200000" scaled="0"/>
+        </a:gradFill>
+      </a:fillStyleLst>
+      <a:lnStyleLst>
+        <a:ln w="9525" cap="flat" cmpd="sng" algn="ctr">
+          <a:solidFill>
+            <a:schemeClr val="phClr">
+              <a:shade val="95000"/>
+              <a:satMod val="105000"/>
+            </a:schemeClr>
+          </a:solidFill>
+          <a:prstDash val="solid"/>
+        </a:ln>
+        <a:ln w="25400" cap="flat" cmpd="sng" algn="ctr">
+          <a:solidFill>
+            <a:schemeClr val="phClr"/>
+          </a:solidFill>
+          <a:prstDash val="solid"/>
+        </a:ln>
+        <a:ln w="38100" cap="flat" cmpd="sng" algn="ctr">
+          <a:solidFill>
+            <a:schemeClr val="phClr"/>
+          </a:solidFill>
+          <a:prstDash val="solid"/>
+        </a:ln>
+      </a:lnStyleLst>
+      <a:effectStyleLst>
+        <a:effectStyle>
+          <a:effectLst>
+            <a:outerShdw blurRad="40000" dist="20000" dir="5400000" rotWithShape="0">
+              <a:srgbClr val="000000">
+                <a:alpha val="38000"/>
+              </a:srgbClr>
+            </a:outerShdw>
+          </a:effectLst>
+        </a:effectStyle>
+        <a:effectStyle>
+          <a:effectLst>
+            <a:outerShdw blurRad="40000" dist="23000" dir="5400000" rotWithShape="0">
+              <a:srgbClr val="000000">
+                <a:alpha val="35000"/>
+              </a:srgbClr>
+            </a:outerShdw>
+          </a:effectLst>
+        </a:effectStyle>
+        <a:effectStyle>
+          <a:effectLst>
+            <a:outerShdw blurRad="40000" dist="23000" dir="5400000" rotWithShape="0">
+              <a:srgbClr val="000000">
+                <a:alpha val="35000"/>
+              </a:srgbClr>
+            </a:outerShdw>
+          </a:effectLst>
+          <a:scene3d>
+            <a:camera prst="orthographicFront">
+              <a:rot lat="0" lon="0" rev="0"/>
+            </a:camera>
+            <a:lightRig rig="threePt" dir="t">
+              <a:rot lat="0" lon="0" rev="1200000"/>
+            </a:lightRig>
+          </a:scene3d>
+          <a:sp3d>
+            <a:bevelT w="63500" h="25400"/>
+          </a:sp3d>
+        </a:effectStyle>
+      </a:effectStyleLst>
+      <a:bgFillStyleLst>
+        <a:solidFill>
+          <a:schemeClr val="phClr"/>
+        </a:solidFill>
+        <a:gradFill rotWithShape="1">
+          <a:gsLst>
+            <a:gs pos="0">
+              <a:schemeClr val="phClr">
+                <a:tint val="40000"/>
+                <a:satMod val="350000"/>
+              </a:schemeClr>
+            </a:gs>
+            <a:gs pos="40000">
+              <a:schemeClr val="phClr">
+                <a:tint val="45000"/>
+                <a:shade val="99000"/>
+                <a:satMod val="350000"/>
+              </a:schemeClr>
+            </a:gs>
+            <a:gs pos="100000">
+              <a:schemeClr val="phClr">
+                <a:shade val="20000"/>
+                <a:satMod val="255000"/>
+              </a:schemeClr>
+            </a:gs>
+          </a:gsLst>
+          <a:path path="circle">
+            <a:fillToRect l="50000" t="-80000" r="50000" b="180000"/>
+          </a:path>
+        </a:gradFill>
+        <a:gradFill rotWithShape="1">
+          <a:gsLst>
+            <a:gs pos="0">
+              <a:schemeClr val="phClr">
+                <a:tint val="80000"/>
+                <a:satMod val="300000"/>
+              </a:schemeClr>
+            </a:gs>
+            <a:gs pos="100000">
+              <a:schemeClr val="phClr">
+                <a:shade val="30000"/>
+                <a:satMod val="200000"/>
+              </a:schemeClr>
+            </a:gs>
+          </a:gsLst>
+          <a:path path="circle">
+            <a:fillToRect l="50000" t="50000" r="50000" b="50000"/>
+          </a:path>
+        </a:gradFill>
+      </a:bgFillStyleLst>
+    </a:fmtScheme>
+  </a:themeElements>
+</a:theme>
+</file>
+
+<file path=ppt/theme/theme2.xml><?xml version="1.0" encoding="utf-8"?>
 <a:theme xmlns:a="http://schemas.openxmlformats.org/drawingml/2006/main" xmlns:r="http://schemas.openxmlformats.org/officeDocument/2006/relationships" name="Simple Light">
   <a:themeElements>
     <a:clrScheme name="Simple Light">
@@ -13913,10 +15282,10 @@
 </a:theme>
 </file>
 
-<file path=ppt/theme/theme2.xml><?xml version="1.0" encoding="utf-8"?>
-<a:theme xmlns:a="http://schemas.openxmlformats.org/drawingml/2006/main" xmlns:r="http://schemas.openxmlformats.org/officeDocument/2006/relationships">
+<file path=ppt/theme/theme3.xml><?xml version="1.0" encoding="utf-8"?>
+<a:theme xmlns:a="http://schemas.openxmlformats.org/drawingml/2006/main" xmlns:r="http://schemas.openxmlformats.org/officeDocument/2006/relationships" name="Simple Light">
   <a:themeElements>
-    <a:clrScheme name="Default">
+    <a:clrScheme name="Simple Light">
       <a:dk1>
         <a:srgbClr val="000000"/>
       </a:dk1>
@@ -13924,34 +15293,34 @@
         <a:srgbClr val="FFFFFF"/>
       </a:lt1>
       <a:dk2>
-        <a:srgbClr val="158158"/>
+        <a:srgbClr val="595959"/>
       </a:dk2>
       <a:lt2>
-        <a:srgbClr val="F3F3F3"/>
+        <a:srgbClr val="EEEEEE"/>
       </a:lt2>
       <a:accent1>
-        <a:srgbClr val="058DC7"/>
+        <a:srgbClr val="FFAB40"/>
       </a:accent1>
       <a:accent2>
-        <a:srgbClr val="50B432"/>
+        <a:srgbClr val="212121"/>
       </a:accent2>
       <a:accent3>
-        <a:srgbClr val="ED561B"/>
+        <a:srgbClr val="78909C"/>
       </a:accent3>
       <a:accent4>
-        <a:srgbClr val="EDEF00"/>
+        <a:srgbClr val="FFAB40"/>
       </a:accent4>
       <a:accent5>
-        <a:srgbClr val="24CBE5"/>
+        <a:srgbClr val="0097A7"/>
       </a:accent5>
       <a:accent6>
-        <a:srgbClr val="64E572"/>
+        <a:srgbClr val="EEFF41"/>
       </a:accent6>
       <a:hlink>
-        <a:srgbClr val="2200CC"/>
+        <a:srgbClr val="0097A7"/>
       </a:hlink>
       <a:folHlink>
-        <a:srgbClr val="551A8B"/>
+        <a:srgbClr val="0097A7"/>
       </a:folHlink>
     </a:clrScheme>
     <a:fontScheme name="Office">
